--- a/foswiki_imgs/TM1.5_diagrams.pptx
+++ b/foswiki_imgs/TM1.5_diagrams.pptx
@@ -2,12 +2,13 @@
 <file path=ppt/presentation.xml><?xml version="1.0" encoding="utf-8"?>
 <p:presentation xmlns:a="http://schemas.openxmlformats.org/drawingml/2006/main" xmlns:r="http://schemas.openxmlformats.org/officeDocument/2006/relationships" xmlns:p="http://schemas.openxmlformats.org/presentationml/2006/main" saveSubsetFonts="1">
   <p:sldMasterIdLst>
-    <p:sldMasterId id="2147483660" r:id="rId1"/>
+    <p:sldMasterId id="2147483672" r:id="rId1"/>
   </p:sldMasterIdLst>
   <p:sldIdLst>
     <p:sldId id="256" r:id="rId2"/>
+    <p:sldId id="257" r:id="rId3"/>
   </p:sldIdLst>
-  <p:sldSz cx="6858000" cy="9144000" type="letter"/>
+  <p:sldSz cx="9144000" cy="6858000" type="letter"/>
   <p:notesSz cx="6858000" cy="9144000"/>
   <p:defaultTextStyle>
     <a:defPPr>
@@ -110,9 +111,13 @@
         <p14:section name="Auto Ownership" id="{55D5ED67-1405-4F1E-AE79-3A93E119878C}">
           <p14:sldIdLst>
             <p14:sldId id="256"/>
+            <p14:sldId id="257"/>
           </p14:sldIdLst>
         </p14:section>
       </p14:sectionLst>
+    </p:ext>
+    <p:ext uri="{EFAFB233-063F-42B5-8137-9DF3F51BA10A}">
+      <p15:sldGuideLst xmlns:p15="http://schemas.microsoft.com/office/powerpoint/2012/main"/>
     </p:ext>
   </p:extLst>
 </p:presentation>
@@ -147,15 +152,15 @@
         </p:nvSpPr>
         <p:spPr>
           <a:xfrm>
-            <a:off x="514350" y="1496484"/>
-            <a:ext cx="5829300" cy="3183467"/>
+            <a:off x="685800" y="1122363"/>
+            <a:ext cx="7772400" cy="2387600"/>
           </a:xfrm>
         </p:spPr>
         <p:txBody>
           <a:bodyPr anchor="b"/>
           <a:lstStyle>
             <a:lvl1pPr algn="ctr">
-              <a:defRPr sz="4500"/>
+              <a:defRPr sz="6000"/>
             </a:lvl1pPr>
           </a:lstStyle>
           <a:p>
@@ -179,8 +184,8 @@
         </p:nvSpPr>
         <p:spPr>
           <a:xfrm>
-            <a:off x="857250" y="4802717"/>
-            <a:ext cx="5143500" cy="2207683"/>
+            <a:off x="1143000" y="3602038"/>
+            <a:ext cx="6858000" cy="1655762"/>
           </a:xfrm>
         </p:spPr>
         <p:txBody>
@@ -188,39 +193,39 @@
           <a:lstStyle>
             <a:lvl1pPr marL="0" indent="0" algn="ctr">
               <a:buNone/>
+              <a:defRPr sz="2400"/>
+            </a:lvl1pPr>
+            <a:lvl2pPr marL="457200" indent="0" algn="ctr">
+              <a:buNone/>
+              <a:defRPr sz="2000"/>
+            </a:lvl2pPr>
+            <a:lvl3pPr marL="914400" indent="0" algn="ctr">
+              <a:buNone/>
               <a:defRPr sz="1800"/>
-            </a:lvl1pPr>
-            <a:lvl2pPr marL="342900" indent="0" algn="ctr">
+            </a:lvl3pPr>
+            <a:lvl4pPr marL="1371600" indent="0" algn="ctr">
               <a:buNone/>
-              <a:defRPr sz="1500"/>
-            </a:lvl2pPr>
-            <a:lvl3pPr marL="685800" indent="0" algn="ctr">
+              <a:defRPr sz="1600"/>
+            </a:lvl4pPr>
+            <a:lvl5pPr marL="1828800" indent="0" algn="ctr">
               <a:buNone/>
-              <a:defRPr sz="1350"/>
-            </a:lvl3pPr>
-            <a:lvl4pPr marL="1028700" indent="0" algn="ctr">
+              <a:defRPr sz="1600"/>
+            </a:lvl5pPr>
+            <a:lvl6pPr marL="2286000" indent="0" algn="ctr">
               <a:buNone/>
-              <a:defRPr sz="1200"/>
-            </a:lvl4pPr>
-            <a:lvl5pPr marL="1371600" indent="0" algn="ctr">
+              <a:defRPr sz="1600"/>
+            </a:lvl6pPr>
+            <a:lvl7pPr marL="2743200" indent="0" algn="ctr">
               <a:buNone/>
-              <a:defRPr sz="1200"/>
-            </a:lvl5pPr>
-            <a:lvl6pPr marL="1714500" indent="0" algn="ctr">
+              <a:defRPr sz="1600"/>
+            </a:lvl7pPr>
+            <a:lvl8pPr marL="3200400" indent="0" algn="ctr">
               <a:buNone/>
-              <a:defRPr sz="1200"/>
-            </a:lvl6pPr>
-            <a:lvl7pPr marL="2057400" indent="0" algn="ctr">
+              <a:defRPr sz="1600"/>
+            </a:lvl8pPr>
+            <a:lvl9pPr marL="3657600" indent="0" algn="ctr">
               <a:buNone/>
-              <a:defRPr sz="1200"/>
-            </a:lvl7pPr>
-            <a:lvl8pPr marL="2400300" indent="0" algn="ctr">
-              <a:buNone/>
-              <a:defRPr sz="1200"/>
-            </a:lvl8pPr>
-            <a:lvl9pPr marL="2743200" indent="0" algn="ctr">
-              <a:buNone/>
-              <a:defRPr sz="1200"/>
+              <a:defRPr sz="1600"/>
             </a:lvl9pPr>
           </a:lstStyle>
           <a:p>
@@ -249,7 +254,7 @@
           <a:p>
             <a:fld id="{F5210114-F5D5-4AEC-A1FB-088CCF4D7A31}" type="datetimeFigureOut">
               <a:rPr lang="en-US" smtClean="0"/>
-              <a:t>3/21/2019</a:t>
+              <a:t>3/29/2019</a:t>
             </a:fld>
             <a:endParaRPr lang="en-US"/>
           </a:p>
@@ -300,7 +305,7 @@
     </p:spTree>
     <p:extLst>
       <p:ext uri="{BB962C8B-B14F-4D97-AF65-F5344CB8AC3E}">
-        <p14:creationId xmlns:p14="http://schemas.microsoft.com/office/powerpoint/2010/main" val="3635450637"/>
+        <p14:creationId xmlns:p14="http://schemas.microsoft.com/office/powerpoint/2010/main" val="803712588"/>
       </p:ext>
     </p:extLst>
   </p:cSld>
@@ -419,7 +424,7 @@
           <a:p>
             <a:fld id="{F5210114-F5D5-4AEC-A1FB-088CCF4D7A31}" type="datetimeFigureOut">
               <a:rPr lang="en-US" smtClean="0"/>
-              <a:t>3/21/2019</a:t>
+              <a:t>3/29/2019</a:t>
             </a:fld>
             <a:endParaRPr lang="en-US"/>
           </a:p>
@@ -470,7 +475,7 @@
     </p:spTree>
     <p:extLst>
       <p:ext uri="{BB962C8B-B14F-4D97-AF65-F5344CB8AC3E}">
-        <p14:creationId xmlns:p14="http://schemas.microsoft.com/office/powerpoint/2010/main" val="1367583768"/>
+        <p14:creationId xmlns:p14="http://schemas.microsoft.com/office/powerpoint/2010/main" val="3803939687"/>
       </p:ext>
     </p:extLst>
   </p:cSld>
@@ -509,8 +514,8 @@
         </p:nvSpPr>
         <p:spPr>
           <a:xfrm>
-            <a:off x="4907757" y="486834"/>
-            <a:ext cx="1478756" cy="7749117"/>
+            <a:off x="6543675" y="365125"/>
+            <a:ext cx="1971675" cy="5811838"/>
           </a:xfrm>
         </p:spPr>
         <p:txBody>
@@ -537,8 +542,8 @@
         </p:nvSpPr>
         <p:spPr>
           <a:xfrm>
-            <a:off x="471488" y="486834"/>
-            <a:ext cx="4350544" cy="7749117"/>
+            <a:off x="628650" y="365125"/>
+            <a:ext cx="5800725" cy="5811838"/>
           </a:xfrm>
         </p:spPr>
         <p:txBody>
@@ -599,7 +604,7 @@
           <a:p>
             <a:fld id="{F5210114-F5D5-4AEC-A1FB-088CCF4D7A31}" type="datetimeFigureOut">
               <a:rPr lang="en-US" smtClean="0"/>
-              <a:t>3/21/2019</a:t>
+              <a:t>3/29/2019</a:t>
             </a:fld>
             <a:endParaRPr lang="en-US"/>
           </a:p>
@@ -650,7 +655,7 @@
     </p:spTree>
     <p:extLst>
       <p:ext uri="{BB962C8B-B14F-4D97-AF65-F5344CB8AC3E}">
-        <p14:creationId xmlns:p14="http://schemas.microsoft.com/office/powerpoint/2010/main" val="193313203"/>
+        <p14:creationId xmlns:p14="http://schemas.microsoft.com/office/powerpoint/2010/main" val="4059677764"/>
       </p:ext>
     </p:extLst>
   </p:cSld>
@@ -769,7 +774,7 @@
           <a:p>
             <a:fld id="{F5210114-F5D5-4AEC-A1FB-088CCF4D7A31}" type="datetimeFigureOut">
               <a:rPr lang="en-US" smtClean="0"/>
-              <a:t>3/21/2019</a:t>
+              <a:t>3/29/2019</a:t>
             </a:fld>
             <a:endParaRPr lang="en-US"/>
           </a:p>
@@ -820,7 +825,7 @@
     </p:spTree>
     <p:extLst>
       <p:ext uri="{BB962C8B-B14F-4D97-AF65-F5344CB8AC3E}">
-        <p14:creationId xmlns:p14="http://schemas.microsoft.com/office/powerpoint/2010/main" val="4039109079"/>
+        <p14:creationId xmlns:p14="http://schemas.microsoft.com/office/powerpoint/2010/main" val="64981787"/>
       </p:ext>
     </p:extLst>
   </p:cSld>
@@ -859,15 +864,15 @@
         </p:nvSpPr>
         <p:spPr>
           <a:xfrm>
-            <a:off x="467916" y="2279653"/>
-            <a:ext cx="5915025" cy="3803649"/>
+            <a:off x="623888" y="1709739"/>
+            <a:ext cx="7886700" cy="2852737"/>
           </a:xfrm>
         </p:spPr>
         <p:txBody>
           <a:bodyPr anchor="b"/>
           <a:lstStyle>
             <a:lvl1pPr>
-              <a:defRPr sz="4500"/>
+              <a:defRPr sz="6000"/>
             </a:lvl1pPr>
           </a:lstStyle>
           <a:p>
@@ -891,8 +896,8 @@
         </p:nvSpPr>
         <p:spPr>
           <a:xfrm>
-            <a:off x="467916" y="6119286"/>
-            <a:ext cx="5915025" cy="2000249"/>
+            <a:off x="623888" y="4589464"/>
+            <a:ext cx="7886700" cy="1500187"/>
           </a:xfrm>
         </p:spPr>
         <p:txBody>
@@ -900,15 +905,15 @@
           <a:lstStyle>
             <a:lvl1pPr marL="0" indent="0">
               <a:buNone/>
-              <a:defRPr sz="1800">
+              <a:defRPr sz="2400">
                 <a:solidFill>
                   <a:schemeClr val="tx1"/>
                 </a:solidFill>
               </a:defRPr>
             </a:lvl1pPr>
-            <a:lvl2pPr marL="342900" indent="0">
+            <a:lvl2pPr marL="457200" indent="0">
               <a:buNone/>
-              <a:defRPr sz="1500">
+              <a:defRPr sz="2000">
                 <a:solidFill>
                   <a:schemeClr val="tx1">
                     <a:tint val="75000"/>
@@ -916,9 +921,9 @@
                 </a:solidFill>
               </a:defRPr>
             </a:lvl2pPr>
-            <a:lvl3pPr marL="685800" indent="0">
+            <a:lvl3pPr marL="914400" indent="0">
               <a:buNone/>
-              <a:defRPr sz="1350">
+              <a:defRPr sz="1800">
                 <a:solidFill>
                   <a:schemeClr val="tx1">
                     <a:tint val="75000"/>
@@ -926,9 +931,9 @@
                 </a:solidFill>
               </a:defRPr>
             </a:lvl3pPr>
-            <a:lvl4pPr marL="1028700" indent="0">
+            <a:lvl4pPr marL="1371600" indent="0">
               <a:buNone/>
-              <a:defRPr sz="1200">
+              <a:defRPr sz="1600">
                 <a:solidFill>
                   <a:schemeClr val="tx1">
                     <a:tint val="75000"/>
@@ -936,9 +941,9 @@
                 </a:solidFill>
               </a:defRPr>
             </a:lvl4pPr>
-            <a:lvl5pPr marL="1371600" indent="0">
+            <a:lvl5pPr marL="1828800" indent="0">
               <a:buNone/>
-              <a:defRPr sz="1200">
+              <a:defRPr sz="1600">
                 <a:solidFill>
                   <a:schemeClr val="tx1">
                     <a:tint val="75000"/>
@@ -946,9 +951,9 @@
                 </a:solidFill>
               </a:defRPr>
             </a:lvl5pPr>
-            <a:lvl6pPr marL="1714500" indent="0">
+            <a:lvl6pPr marL="2286000" indent="0">
               <a:buNone/>
-              <a:defRPr sz="1200">
+              <a:defRPr sz="1600">
                 <a:solidFill>
                   <a:schemeClr val="tx1">
                     <a:tint val="75000"/>
@@ -956,9 +961,9 @@
                 </a:solidFill>
               </a:defRPr>
             </a:lvl6pPr>
-            <a:lvl7pPr marL="2057400" indent="0">
+            <a:lvl7pPr marL="2743200" indent="0">
               <a:buNone/>
-              <a:defRPr sz="1200">
+              <a:defRPr sz="1600">
                 <a:solidFill>
                   <a:schemeClr val="tx1">
                     <a:tint val="75000"/>
@@ -966,9 +971,9 @@
                 </a:solidFill>
               </a:defRPr>
             </a:lvl7pPr>
-            <a:lvl8pPr marL="2400300" indent="0">
+            <a:lvl8pPr marL="3200400" indent="0">
               <a:buNone/>
-              <a:defRPr sz="1200">
+              <a:defRPr sz="1600">
                 <a:solidFill>
                   <a:schemeClr val="tx1">
                     <a:tint val="75000"/>
@@ -976,9 +981,9 @@
                 </a:solidFill>
               </a:defRPr>
             </a:lvl8pPr>
-            <a:lvl9pPr marL="2743200" indent="0">
+            <a:lvl9pPr marL="3657600" indent="0">
               <a:buNone/>
-              <a:defRPr sz="1200">
+              <a:defRPr sz="1600">
                 <a:solidFill>
                   <a:schemeClr val="tx1">
                     <a:tint val="75000"/>
@@ -1013,7 +1018,7 @@
           <a:p>
             <a:fld id="{F5210114-F5D5-4AEC-A1FB-088CCF4D7A31}" type="datetimeFigureOut">
               <a:rPr lang="en-US" smtClean="0"/>
-              <a:t>3/21/2019</a:t>
+              <a:t>3/29/2019</a:t>
             </a:fld>
             <a:endParaRPr lang="en-US"/>
           </a:p>
@@ -1064,7 +1069,7 @@
     </p:spTree>
     <p:extLst>
       <p:ext uri="{BB962C8B-B14F-4D97-AF65-F5344CB8AC3E}">
-        <p14:creationId xmlns:p14="http://schemas.microsoft.com/office/powerpoint/2010/main" val="315720188"/>
+        <p14:creationId xmlns:p14="http://schemas.microsoft.com/office/powerpoint/2010/main" val="3652554711"/>
       </p:ext>
     </p:extLst>
   </p:cSld>
@@ -1126,8 +1131,8 @@
         </p:nvSpPr>
         <p:spPr>
           <a:xfrm>
-            <a:off x="471488" y="2434167"/>
-            <a:ext cx="2914650" cy="5801784"/>
+            <a:off x="628650" y="1825625"/>
+            <a:ext cx="3886200" cy="4351338"/>
           </a:xfrm>
         </p:spPr>
         <p:txBody>
@@ -1183,8 +1188,8 @@
         </p:nvSpPr>
         <p:spPr>
           <a:xfrm>
-            <a:off x="3471863" y="2434167"/>
-            <a:ext cx="2914650" cy="5801784"/>
+            <a:off x="4629150" y="1825625"/>
+            <a:ext cx="3886200" cy="4351338"/>
           </a:xfrm>
         </p:spPr>
         <p:txBody>
@@ -1245,7 +1250,7 @@
           <a:p>
             <a:fld id="{F5210114-F5D5-4AEC-A1FB-088CCF4D7A31}" type="datetimeFigureOut">
               <a:rPr lang="en-US" smtClean="0"/>
-              <a:t>3/21/2019</a:t>
+              <a:t>3/29/2019</a:t>
             </a:fld>
             <a:endParaRPr lang="en-US"/>
           </a:p>
@@ -1296,7 +1301,7 @@
     </p:spTree>
     <p:extLst>
       <p:ext uri="{BB962C8B-B14F-4D97-AF65-F5344CB8AC3E}">
-        <p14:creationId xmlns:p14="http://schemas.microsoft.com/office/powerpoint/2010/main" val="784807758"/>
+        <p14:creationId xmlns:p14="http://schemas.microsoft.com/office/powerpoint/2010/main" val="623473050"/>
       </p:ext>
     </p:extLst>
   </p:cSld>
@@ -1335,8 +1340,8 @@
         </p:nvSpPr>
         <p:spPr>
           <a:xfrm>
-            <a:off x="472381" y="486836"/>
-            <a:ext cx="5915025" cy="1767417"/>
+            <a:off x="629841" y="365126"/>
+            <a:ext cx="7886700" cy="1325563"/>
           </a:xfrm>
         </p:spPr>
         <p:txBody>
@@ -1363,8 +1368,8 @@
         </p:nvSpPr>
         <p:spPr>
           <a:xfrm>
-            <a:off x="472381" y="2241551"/>
-            <a:ext cx="2901255" cy="1098549"/>
+            <a:off x="629842" y="1681163"/>
+            <a:ext cx="3868340" cy="823912"/>
           </a:xfrm>
         </p:spPr>
         <p:txBody>
@@ -1372,39 +1377,39 @@
           <a:lstStyle>
             <a:lvl1pPr marL="0" indent="0">
               <a:buNone/>
+              <a:defRPr sz="2400" b="1"/>
+            </a:lvl1pPr>
+            <a:lvl2pPr marL="457200" indent="0">
+              <a:buNone/>
+              <a:defRPr sz="2000" b="1"/>
+            </a:lvl2pPr>
+            <a:lvl3pPr marL="914400" indent="0">
+              <a:buNone/>
               <a:defRPr sz="1800" b="1"/>
-            </a:lvl1pPr>
-            <a:lvl2pPr marL="342900" indent="0">
+            </a:lvl3pPr>
+            <a:lvl4pPr marL="1371600" indent="0">
               <a:buNone/>
-              <a:defRPr sz="1500" b="1"/>
-            </a:lvl2pPr>
-            <a:lvl3pPr marL="685800" indent="0">
+              <a:defRPr sz="1600" b="1"/>
+            </a:lvl4pPr>
+            <a:lvl5pPr marL="1828800" indent="0">
               <a:buNone/>
-              <a:defRPr sz="1350" b="1"/>
-            </a:lvl3pPr>
-            <a:lvl4pPr marL="1028700" indent="0">
+              <a:defRPr sz="1600" b="1"/>
+            </a:lvl5pPr>
+            <a:lvl6pPr marL="2286000" indent="0">
               <a:buNone/>
-              <a:defRPr sz="1200" b="1"/>
-            </a:lvl4pPr>
-            <a:lvl5pPr marL="1371600" indent="0">
+              <a:defRPr sz="1600" b="1"/>
+            </a:lvl6pPr>
+            <a:lvl7pPr marL="2743200" indent="0">
               <a:buNone/>
-              <a:defRPr sz="1200" b="1"/>
-            </a:lvl5pPr>
-            <a:lvl6pPr marL="1714500" indent="0">
+              <a:defRPr sz="1600" b="1"/>
+            </a:lvl7pPr>
+            <a:lvl8pPr marL="3200400" indent="0">
               <a:buNone/>
-              <a:defRPr sz="1200" b="1"/>
-            </a:lvl6pPr>
-            <a:lvl7pPr marL="2057400" indent="0">
+              <a:defRPr sz="1600" b="1"/>
+            </a:lvl8pPr>
+            <a:lvl9pPr marL="3657600" indent="0">
               <a:buNone/>
-              <a:defRPr sz="1200" b="1"/>
-            </a:lvl7pPr>
-            <a:lvl8pPr marL="2400300" indent="0">
-              <a:buNone/>
-              <a:defRPr sz="1200" b="1"/>
-            </a:lvl8pPr>
-            <a:lvl9pPr marL="2743200" indent="0">
-              <a:buNone/>
-              <a:defRPr sz="1200" b="1"/>
+              <a:defRPr sz="1600" b="1"/>
             </a:lvl9pPr>
           </a:lstStyle>
           <a:p>
@@ -1428,8 +1433,8 @@
         </p:nvSpPr>
         <p:spPr>
           <a:xfrm>
-            <a:off x="472381" y="3340100"/>
-            <a:ext cx="2901255" cy="4912784"/>
+            <a:off x="629842" y="2505075"/>
+            <a:ext cx="3868340" cy="3684588"/>
           </a:xfrm>
         </p:spPr>
         <p:txBody>
@@ -1485,8 +1490,8 @@
         </p:nvSpPr>
         <p:spPr>
           <a:xfrm>
-            <a:off x="3471863" y="2241551"/>
-            <a:ext cx="2915543" cy="1098549"/>
+            <a:off x="4629150" y="1681163"/>
+            <a:ext cx="3887391" cy="823912"/>
           </a:xfrm>
         </p:spPr>
         <p:txBody>
@@ -1494,39 +1499,39 @@
           <a:lstStyle>
             <a:lvl1pPr marL="0" indent="0">
               <a:buNone/>
+              <a:defRPr sz="2400" b="1"/>
+            </a:lvl1pPr>
+            <a:lvl2pPr marL="457200" indent="0">
+              <a:buNone/>
+              <a:defRPr sz="2000" b="1"/>
+            </a:lvl2pPr>
+            <a:lvl3pPr marL="914400" indent="0">
+              <a:buNone/>
               <a:defRPr sz="1800" b="1"/>
-            </a:lvl1pPr>
-            <a:lvl2pPr marL="342900" indent="0">
+            </a:lvl3pPr>
+            <a:lvl4pPr marL="1371600" indent="0">
               <a:buNone/>
-              <a:defRPr sz="1500" b="1"/>
-            </a:lvl2pPr>
-            <a:lvl3pPr marL="685800" indent="0">
+              <a:defRPr sz="1600" b="1"/>
+            </a:lvl4pPr>
+            <a:lvl5pPr marL="1828800" indent="0">
               <a:buNone/>
-              <a:defRPr sz="1350" b="1"/>
-            </a:lvl3pPr>
-            <a:lvl4pPr marL="1028700" indent="0">
+              <a:defRPr sz="1600" b="1"/>
+            </a:lvl5pPr>
+            <a:lvl6pPr marL="2286000" indent="0">
               <a:buNone/>
-              <a:defRPr sz="1200" b="1"/>
-            </a:lvl4pPr>
-            <a:lvl5pPr marL="1371600" indent="0">
+              <a:defRPr sz="1600" b="1"/>
+            </a:lvl6pPr>
+            <a:lvl7pPr marL="2743200" indent="0">
               <a:buNone/>
-              <a:defRPr sz="1200" b="1"/>
-            </a:lvl5pPr>
-            <a:lvl6pPr marL="1714500" indent="0">
+              <a:defRPr sz="1600" b="1"/>
+            </a:lvl7pPr>
+            <a:lvl8pPr marL="3200400" indent="0">
               <a:buNone/>
-              <a:defRPr sz="1200" b="1"/>
-            </a:lvl6pPr>
-            <a:lvl7pPr marL="2057400" indent="0">
+              <a:defRPr sz="1600" b="1"/>
+            </a:lvl8pPr>
+            <a:lvl9pPr marL="3657600" indent="0">
               <a:buNone/>
-              <a:defRPr sz="1200" b="1"/>
-            </a:lvl7pPr>
-            <a:lvl8pPr marL="2400300" indent="0">
-              <a:buNone/>
-              <a:defRPr sz="1200" b="1"/>
-            </a:lvl8pPr>
-            <a:lvl9pPr marL="2743200" indent="0">
-              <a:buNone/>
-              <a:defRPr sz="1200" b="1"/>
+              <a:defRPr sz="1600" b="1"/>
             </a:lvl9pPr>
           </a:lstStyle>
           <a:p>
@@ -1550,8 +1555,8 @@
         </p:nvSpPr>
         <p:spPr>
           <a:xfrm>
-            <a:off x="3471863" y="3340100"/>
-            <a:ext cx="2915543" cy="4912784"/>
+            <a:off x="4629150" y="2505075"/>
+            <a:ext cx="3887391" cy="3684588"/>
           </a:xfrm>
         </p:spPr>
         <p:txBody>
@@ -1612,7 +1617,7 @@
           <a:p>
             <a:fld id="{F5210114-F5D5-4AEC-A1FB-088CCF4D7A31}" type="datetimeFigureOut">
               <a:rPr lang="en-US" smtClean="0"/>
-              <a:t>3/21/2019</a:t>
+              <a:t>3/29/2019</a:t>
             </a:fld>
             <a:endParaRPr lang="en-US"/>
           </a:p>
@@ -1663,7 +1668,7 @@
     </p:spTree>
     <p:extLst>
       <p:ext uri="{BB962C8B-B14F-4D97-AF65-F5344CB8AC3E}">
-        <p14:creationId xmlns:p14="http://schemas.microsoft.com/office/powerpoint/2010/main" val="500137593"/>
+        <p14:creationId xmlns:p14="http://schemas.microsoft.com/office/powerpoint/2010/main" val="1452365393"/>
       </p:ext>
     </p:extLst>
   </p:cSld>
@@ -1730,7 +1735,7 @@
           <a:p>
             <a:fld id="{F5210114-F5D5-4AEC-A1FB-088CCF4D7A31}" type="datetimeFigureOut">
               <a:rPr lang="en-US" smtClean="0"/>
-              <a:t>3/21/2019</a:t>
+              <a:t>3/29/2019</a:t>
             </a:fld>
             <a:endParaRPr lang="en-US"/>
           </a:p>
@@ -1781,7 +1786,7 @@
     </p:spTree>
     <p:extLst>
       <p:ext uri="{BB962C8B-B14F-4D97-AF65-F5344CB8AC3E}">
-        <p14:creationId xmlns:p14="http://schemas.microsoft.com/office/powerpoint/2010/main" val="3402164130"/>
+        <p14:creationId xmlns:p14="http://schemas.microsoft.com/office/powerpoint/2010/main" val="1611360952"/>
       </p:ext>
     </p:extLst>
   </p:cSld>
@@ -1825,7 +1830,7 @@
           <a:p>
             <a:fld id="{F5210114-F5D5-4AEC-A1FB-088CCF4D7A31}" type="datetimeFigureOut">
               <a:rPr lang="en-US" smtClean="0"/>
-              <a:t>3/21/2019</a:t>
+              <a:t>3/29/2019</a:t>
             </a:fld>
             <a:endParaRPr lang="en-US"/>
           </a:p>
@@ -1876,7 +1881,7 @@
     </p:spTree>
     <p:extLst>
       <p:ext uri="{BB962C8B-B14F-4D97-AF65-F5344CB8AC3E}">
-        <p14:creationId xmlns:p14="http://schemas.microsoft.com/office/powerpoint/2010/main" val="4104964800"/>
+        <p14:creationId xmlns:p14="http://schemas.microsoft.com/office/powerpoint/2010/main" val="2232018221"/>
       </p:ext>
     </p:extLst>
   </p:cSld>
@@ -1915,15 +1920,15 @@
         </p:nvSpPr>
         <p:spPr>
           <a:xfrm>
-            <a:off x="472381" y="609600"/>
-            <a:ext cx="2211884" cy="2133600"/>
+            <a:off x="629841" y="457200"/>
+            <a:ext cx="2949178" cy="1600200"/>
           </a:xfrm>
         </p:spPr>
         <p:txBody>
           <a:bodyPr anchor="b"/>
           <a:lstStyle>
             <a:lvl1pPr>
-              <a:defRPr sz="2400"/>
+              <a:defRPr sz="3200"/>
             </a:lvl1pPr>
           </a:lstStyle>
           <a:p>
@@ -1947,39 +1952,39 @@
         </p:nvSpPr>
         <p:spPr>
           <a:xfrm>
-            <a:off x="2915543" y="1316569"/>
-            <a:ext cx="3471863" cy="6498167"/>
+            <a:off x="3887391" y="987426"/>
+            <a:ext cx="4629150" cy="4873625"/>
           </a:xfrm>
         </p:spPr>
         <p:txBody>
           <a:bodyPr/>
           <a:lstStyle>
             <a:lvl1pPr>
-              <a:defRPr sz="2400"/>
+              <a:defRPr sz="3200"/>
             </a:lvl1pPr>
             <a:lvl2pPr>
-              <a:defRPr sz="2100"/>
+              <a:defRPr sz="2800"/>
             </a:lvl2pPr>
             <a:lvl3pPr>
-              <a:defRPr sz="1800"/>
+              <a:defRPr sz="2400"/>
             </a:lvl3pPr>
             <a:lvl4pPr>
-              <a:defRPr sz="1500"/>
+              <a:defRPr sz="2000"/>
             </a:lvl4pPr>
             <a:lvl5pPr>
-              <a:defRPr sz="1500"/>
+              <a:defRPr sz="2000"/>
             </a:lvl5pPr>
             <a:lvl6pPr>
-              <a:defRPr sz="1500"/>
+              <a:defRPr sz="2000"/>
             </a:lvl6pPr>
             <a:lvl7pPr>
-              <a:defRPr sz="1500"/>
+              <a:defRPr sz="2000"/>
             </a:lvl7pPr>
             <a:lvl8pPr>
-              <a:defRPr sz="1500"/>
+              <a:defRPr sz="2000"/>
             </a:lvl8pPr>
             <a:lvl9pPr>
-              <a:defRPr sz="1500"/>
+              <a:defRPr sz="2000"/>
             </a:lvl9pPr>
           </a:lstStyle>
           <a:p>
@@ -2032,8 +2037,8 @@
         </p:nvSpPr>
         <p:spPr>
           <a:xfrm>
-            <a:off x="472381" y="2743200"/>
-            <a:ext cx="2211884" cy="5082117"/>
+            <a:off x="629841" y="2057400"/>
+            <a:ext cx="2949178" cy="3811588"/>
           </a:xfrm>
         </p:spPr>
         <p:txBody>
@@ -2041,39 +2046,39 @@
           <a:lstStyle>
             <a:lvl1pPr marL="0" indent="0">
               <a:buNone/>
+              <a:defRPr sz="1600"/>
+            </a:lvl1pPr>
+            <a:lvl2pPr marL="457200" indent="0">
+              <a:buNone/>
+              <a:defRPr sz="1400"/>
+            </a:lvl2pPr>
+            <a:lvl3pPr marL="914400" indent="0">
+              <a:buNone/>
               <a:defRPr sz="1200"/>
-            </a:lvl1pPr>
-            <a:lvl2pPr marL="342900" indent="0">
+            </a:lvl3pPr>
+            <a:lvl4pPr marL="1371600" indent="0">
               <a:buNone/>
-              <a:defRPr sz="1050"/>
-            </a:lvl2pPr>
-            <a:lvl3pPr marL="685800" indent="0">
+              <a:defRPr sz="1000"/>
+            </a:lvl4pPr>
+            <a:lvl5pPr marL="1828800" indent="0">
               <a:buNone/>
-              <a:defRPr sz="900"/>
-            </a:lvl3pPr>
-            <a:lvl4pPr marL="1028700" indent="0">
+              <a:defRPr sz="1000"/>
+            </a:lvl5pPr>
+            <a:lvl6pPr marL="2286000" indent="0">
               <a:buNone/>
-              <a:defRPr sz="750"/>
-            </a:lvl4pPr>
-            <a:lvl5pPr marL="1371600" indent="0">
+              <a:defRPr sz="1000"/>
+            </a:lvl6pPr>
+            <a:lvl7pPr marL="2743200" indent="0">
               <a:buNone/>
-              <a:defRPr sz="750"/>
-            </a:lvl5pPr>
-            <a:lvl6pPr marL="1714500" indent="0">
+              <a:defRPr sz="1000"/>
+            </a:lvl7pPr>
+            <a:lvl8pPr marL="3200400" indent="0">
               <a:buNone/>
-              <a:defRPr sz="750"/>
-            </a:lvl6pPr>
-            <a:lvl7pPr marL="2057400" indent="0">
+              <a:defRPr sz="1000"/>
+            </a:lvl8pPr>
+            <a:lvl9pPr marL="3657600" indent="0">
               <a:buNone/>
-              <a:defRPr sz="750"/>
-            </a:lvl7pPr>
-            <a:lvl8pPr marL="2400300" indent="0">
-              <a:buNone/>
-              <a:defRPr sz="750"/>
-            </a:lvl8pPr>
-            <a:lvl9pPr marL="2743200" indent="0">
-              <a:buNone/>
-              <a:defRPr sz="750"/>
+              <a:defRPr sz="1000"/>
             </a:lvl9pPr>
           </a:lstStyle>
           <a:p>
@@ -2102,7 +2107,7 @@
           <a:p>
             <a:fld id="{F5210114-F5D5-4AEC-A1FB-088CCF4D7A31}" type="datetimeFigureOut">
               <a:rPr lang="en-US" smtClean="0"/>
-              <a:t>3/21/2019</a:t>
+              <a:t>3/29/2019</a:t>
             </a:fld>
             <a:endParaRPr lang="en-US"/>
           </a:p>
@@ -2153,7 +2158,7 @@
     </p:spTree>
     <p:extLst>
       <p:ext uri="{BB962C8B-B14F-4D97-AF65-F5344CB8AC3E}">
-        <p14:creationId xmlns:p14="http://schemas.microsoft.com/office/powerpoint/2010/main" val="3336461341"/>
+        <p14:creationId xmlns:p14="http://schemas.microsoft.com/office/powerpoint/2010/main" val="1113899418"/>
       </p:ext>
     </p:extLst>
   </p:cSld>
@@ -2192,15 +2197,15 @@
         </p:nvSpPr>
         <p:spPr>
           <a:xfrm>
-            <a:off x="472381" y="609600"/>
-            <a:ext cx="2211884" cy="2133600"/>
+            <a:off x="629841" y="457200"/>
+            <a:ext cx="2949178" cy="1600200"/>
           </a:xfrm>
         </p:spPr>
         <p:txBody>
           <a:bodyPr anchor="b"/>
           <a:lstStyle>
             <a:lvl1pPr>
-              <a:defRPr sz="2400"/>
+              <a:defRPr sz="3200"/>
             </a:lvl1pPr>
           </a:lstStyle>
           <a:p>
@@ -2224,8 +2229,8 @@
         </p:nvSpPr>
         <p:spPr>
           <a:xfrm>
-            <a:off x="2915543" y="1316569"/>
-            <a:ext cx="3471863" cy="6498167"/>
+            <a:off x="3887391" y="987426"/>
+            <a:ext cx="4629150" cy="4873625"/>
           </a:xfrm>
         </p:spPr>
         <p:txBody>
@@ -2233,39 +2238,39 @@
           <a:lstStyle>
             <a:lvl1pPr marL="0" indent="0">
               <a:buNone/>
+              <a:defRPr sz="3200"/>
+            </a:lvl1pPr>
+            <a:lvl2pPr marL="457200" indent="0">
+              <a:buNone/>
+              <a:defRPr sz="2800"/>
+            </a:lvl2pPr>
+            <a:lvl3pPr marL="914400" indent="0">
+              <a:buNone/>
               <a:defRPr sz="2400"/>
-            </a:lvl1pPr>
-            <a:lvl2pPr marL="342900" indent="0">
+            </a:lvl3pPr>
+            <a:lvl4pPr marL="1371600" indent="0">
               <a:buNone/>
-              <a:defRPr sz="2100"/>
-            </a:lvl2pPr>
-            <a:lvl3pPr marL="685800" indent="0">
+              <a:defRPr sz="2000"/>
+            </a:lvl4pPr>
+            <a:lvl5pPr marL="1828800" indent="0">
               <a:buNone/>
-              <a:defRPr sz="1800"/>
-            </a:lvl3pPr>
-            <a:lvl4pPr marL="1028700" indent="0">
+              <a:defRPr sz="2000"/>
+            </a:lvl5pPr>
+            <a:lvl6pPr marL="2286000" indent="0">
               <a:buNone/>
-              <a:defRPr sz="1500"/>
-            </a:lvl4pPr>
-            <a:lvl5pPr marL="1371600" indent="0">
+              <a:defRPr sz="2000"/>
+            </a:lvl6pPr>
+            <a:lvl7pPr marL="2743200" indent="0">
               <a:buNone/>
-              <a:defRPr sz="1500"/>
-            </a:lvl5pPr>
-            <a:lvl6pPr marL="1714500" indent="0">
+              <a:defRPr sz="2000"/>
+            </a:lvl7pPr>
+            <a:lvl8pPr marL="3200400" indent="0">
               <a:buNone/>
-              <a:defRPr sz="1500"/>
-            </a:lvl6pPr>
-            <a:lvl7pPr marL="2057400" indent="0">
+              <a:defRPr sz="2000"/>
+            </a:lvl8pPr>
+            <a:lvl9pPr marL="3657600" indent="0">
               <a:buNone/>
-              <a:defRPr sz="1500"/>
-            </a:lvl7pPr>
-            <a:lvl8pPr marL="2400300" indent="0">
-              <a:buNone/>
-              <a:defRPr sz="1500"/>
-            </a:lvl8pPr>
-            <a:lvl9pPr marL="2743200" indent="0">
-              <a:buNone/>
-              <a:defRPr sz="1500"/>
+              <a:defRPr sz="2000"/>
             </a:lvl9pPr>
           </a:lstStyle>
           <a:p>
@@ -2289,8 +2294,8 @@
         </p:nvSpPr>
         <p:spPr>
           <a:xfrm>
-            <a:off x="472381" y="2743200"/>
-            <a:ext cx="2211884" cy="5082117"/>
+            <a:off x="629841" y="2057400"/>
+            <a:ext cx="2949178" cy="3811588"/>
           </a:xfrm>
         </p:spPr>
         <p:txBody>
@@ -2298,39 +2303,39 @@
           <a:lstStyle>
             <a:lvl1pPr marL="0" indent="0">
               <a:buNone/>
+              <a:defRPr sz="1600"/>
+            </a:lvl1pPr>
+            <a:lvl2pPr marL="457200" indent="0">
+              <a:buNone/>
+              <a:defRPr sz="1400"/>
+            </a:lvl2pPr>
+            <a:lvl3pPr marL="914400" indent="0">
+              <a:buNone/>
               <a:defRPr sz="1200"/>
-            </a:lvl1pPr>
-            <a:lvl2pPr marL="342900" indent="0">
+            </a:lvl3pPr>
+            <a:lvl4pPr marL="1371600" indent="0">
               <a:buNone/>
-              <a:defRPr sz="1050"/>
-            </a:lvl2pPr>
-            <a:lvl3pPr marL="685800" indent="0">
+              <a:defRPr sz="1000"/>
+            </a:lvl4pPr>
+            <a:lvl5pPr marL="1828800" indent="0">
               <a:buNone/>
-              <a:defRPr sz="900"/>
-            </a:lvl3pPr>
-            <a:lvl4pPr marL="1028700" indent="0">
+              <a:defRPr sz="1000"/>
+            </a:lvl5pPr>
+            <a:lvl6pPr marL="2286000" indent="0">
               <a:buNone/>
-              <a:defRPr sz="750"/>
-            </a:lvl4pPr>
-            <a:lvl5pPr marL="1371600" indent="0">
+              <a:defRPr sz="1000"/>
+            </a:lvl6pPr>
+            <a:lvl7pPr marL="2743200" indent="0">
               <a:buNone/>
-              <a:defRPr sz="750"/>
-            </a:lvl5pPr>
-            <a:lvl6pPr marL="1714500" indent="0">
+              <a:defRPr sz="1000"/>
+            </a:lvl7pPr>
+            <a:lvl8pPr marL="3200400" indent="0">
               <a:buNone/>
-              <a:defRPr sz="750"/>
-            </a:lvl6pPr>
-            <a:lvl7pPr marL="2057400" indent="0">
+              <a:defRPr sz="1000"/>
+            </a:lvl8pPr>
+            <a:lvl9pPr marL="3657600" indent="0">
               <a:buNone/>
-              <a:defRPr sz="750"/>
-            </a:lvl7pPr>
-            <a:lvl8pPr marL="2400300" indent="0">
-              <a:buNone/>
-              <a:defRPr sz="750"/>
-            </a:lvl8pPr>
-            <a:lvl9pPr marL="2743200" indent="0">
-              <a:buNone/>
-              <a:defRPr sz="750"/>
+              <a:defRPr sz="1000"/>
             </a:lvl9pPr>
           </a:lstStyle>
           <a:p>
@@ -2359,7 +2364,7 @@
           <a:p>
             <a:fld id="{F5210114-F5D5-4AEC-A1FB-088CCF4D7A31}" type="datetimeFigureOut">
               <a:rPr lang="en-US" smtClean="0"/>
-              <a:t>3/21/2019</a:t>
+              <a:t>3/29/2019</a:t>
             </a:fld>
             <a:endParaRPr lang="en-US"/>
           </a:p>
@@ -2410,7 +2415,7 @@
     </p:spTree>
     <p:extLst>
       <p:ext uri="{BB962C8B-B14F-4D97-AF65-F5344CB8AC3E}">
-        <p14:creationId xmlns:p14="http://schemas.microsoft.com/office/powerpoint/2010/main" val="2410827881"/>
+        <p14:creationId xmlns:p14="http://schemas.microsoft.com/office/powerpoint/2010/main" val="954729394"/>
       </p:ext>
     </p:extLst>
   </p:cSld>
@@ -2454,8 +2459,8 @@
         </p:nvSpPr>
         <p:spPr>
           <a:xfrm>
-            <a:off x="471488" y="486836"/>
-            <a:ext cx="5915025" cy="1767417"/>
+            <a:off x="628650" y="365126"/>
+            <a:ext cx="7886700" cy="1325563"/>
           </a:xfrm>
           <a:prstGeom prst="rect">
             <a:avLst/>
@@ -2487,8 +2492,8 @@
         </p:nvSpPr>
         <p:spPr>
           <a:xfrm>
-            <a:off x="471488" y="2434167"/>
-            <a:ext cx="5915025" cy="5801784"/>
+            <a:off x="628650" y="1825625"/>
+            <a:ext cx="7886700" cy="4351338"/>
           </a:xfrm>
           <a:prstGeom prst="rect">
             <a:avLst/>
@@ -2549,8 +2554,8 @@
         </p:nvSpPr>
         <p:spPr>
           <a:xfrm>
-            <a:off x="471488" y="8475136"/>
-            <a:ext cx="1543050" cy="486833"/>
+            <a:off x="628650" y="6356351"/>
+            <a:ext cx="2057400" cy="365125"/>
           </a:xfrm>
           <a:prstGeom prst="rect">
             <a:avLst/>
@@ -2560,7 +2565,7 @@
           <a:bodyPr vert="horz" lIns="91440" tIns="45720" rIns="91440" bIns="45720" rtlCol="0" anchor="ctr"/>
           <a:lstStyle>
             <a:lvl1pPr algn="l">
-              <a:defRPr sz="900">
+              <a:defRPr sz="1200">
                 <a:solidFill>
                   <a:schemeClr val="tx1">
                     <a:tint val="75000"/>
@@ -2572,7 +2577,7 @@
           <a:p>
             <a:fld id="{F5210114-F5D5-4AEC-A1FB-088CCF4D7A31}" type="datetimeFigureOut">
               <a:rPr lang="en-US" smtClean="0"/>
-              <a:t>3/21/2019</a:t>
+              <a:t>3/29/2019</a:t>
             </a:fld>
             <a:endParaRPr lang="en-US"/>
           </a:p>
@@ -2590,8 +2595,8 @@
         </p:nvSpPr>
         <p:spPr>
           <a:xfrm>
-            <a:off x="2271713" y="8475136"/>
-            <a:ext cx="2314575" cy="486833"/>
+            <a:off x="3028950" y="6356351"/>
+            <a:ext cx="3086100" cy="365125"/>
           </a:xfrm>
           <a:prstGeom prst="rect">
             <a:avLst/>
@@ -2601,7 +2606,7 @@
           <a:bodyPr vert="horz" lIns="91440" tIns="45720" rIns="91440" bIns="45720" rtlCol="0" anchor="ctr"/>
           <a:lstStyle>
             <a:lvl1pPr algn="ctr">
-              <a:defRPr sz="900">
+              <a:defRPr sz="1200">
                 <a:solidFill>
                   <a:schemeClr val="tx1">
                     <a:tint val="75000"/>
@@ -2627,8 +2632,8 @@
         </p:nvSpPr>
         <p:spPr>
           <a:xfrm>
-            <a:off x="4843463" y="8475136"/>
-            <a:ext cx="1543050" cy="486833"/>
+            <a:off x="6457950" y="6356351"/>
+            <a:ext cx="2057400" cy="365125"/>
           </a:xfrm>
           <a:prstGeom prst="rect">
             <a:avLst/>
@@ -2638,7 +2643,7 @@
           <a:bodyPr vert="horz" lIns="91440" tIns="45720" rIns="91440" bIns="45720" rtlCol="0" anchor="ctr"/>
           <a:lstStyle>
             <a:lvl1pPr algn="r">
-              <a:defRPr sz="900">
+              <a:defRPr sz="1200">
                 <a:solidFill>
                   <a:schemeClr val="tx1">
                     <a:tint val="75000"/>
@@ -2659,27 +2664,27 @@
     </p:spTree>
     <p:extLst>
       <p:ext uri="{BB962C8B-B14F-4D97-AF65-F5344CB8AC3E}">
-        <p14:creationId xmlns:p14="http://schemas.microsoft.com/office/powerpoint/2010/main" val="78312478"/>
+        <p14:creationId xmlns:p14="http://schemas.microsoft.com/office/powerpoint/2010/main" val="2716983333"/>
       </p:ext>
     </p:extLst>
   </p:cSld>
   <p:clrMap bg1="lt1" tx1="dk1" bg2="lt2" tx2="dk2" accent1="accent1" accent2="accent2" accent3="accent3" accent4="accent4" accent5="accent5" accent6="accent6" hlink="hlink" folHlink="folHlink"/>
   <p:sldLayoutIdLst>
-    <p:sldLayoutId id="2147483661" r:id="rId1"/>
-    <p:sldLayoutId id="2147483662" r:id="rId2"/>
-    <p:sldLayoutId id="2147483663" r:id="rId3"/>
-    <p:sldLayoutId id="2147483664" r:id="rId4"/>
-    <p:sldLayoutId id="2147483665" r:id="rId5"/>
-    <p:sldLayoutId id="2147483666" r:id="rId6"/>
-    <p:sldLayoutId id="2147483667" r:id="rId7"/>
-    <p:sldLayoutId id="2147483668" r:id="rId8"/>
-    <p:sldLayoutId id="2147483669" r:id="rId9"/>
-    <p:sldLayoutId id="2147483670" r:id="rId10"/>
-    <p:sldLayoutId id="2147483671" r:id="rId11"/>
+    <p:sldLayoutId id="2147483673" r:id="rId1"/>
+    <p:sldLayoutId id="2147483674" r:id="rId2"/>
+    <p:sldLayoutId id="2147483675" r:id="rId3"/>
+    <p:sldLayoutId id="2147483676" r:id="rId4"/>
+    <p:sldLayoutId id="2147483677" r:id="rId5"/>
+    <p:sldLayoutId id="2147483678" r:id="rId6"/>
+    <p:sldLayoutId id="2147483679" r:id="rId7"/>
+    <p:sldLayoutId id="2147483680" r:id="rId8"/>
+    <p:sldLayoutId id="2147483681" r:id="rId9"/>
+    <p:sldLayoutId id="2147483682" r:id="rId10"/>
+    <p:sldLayoutId id="2147483683" r:id="rId11"/>
   </p:sldLayoutIdLst>
   <p:txStyles>
     <p:titleStyle>
-      <a:lvl1pPr algn="l" defTabSz="685800" rtl="0" eaLnBrk="1" latinLnBrk="0" hangingPunct="1">
+      <a:lvl1pPr algn="l" defTabSz="914400" rtl="0" eaLnBrk="1" latinLnBrk="0" hangingPunct="1">
         <a:lnSpc>
           <a:spcPct val="90000"/>
         </a:lnSpc>
@@ -2687,7 +2692,7 @@
           <a:spcPct val="0"/>
         </a:spcBef>
         <a:buNone/>
-        <a:defRPr sz="3300" kern="1200">
+        <a:defRPr sz="4400" kern="1200">
           <a:solidFill>
             <a:schemeClr val="tx1"/>
           </a:solidFill>
@@ -2698,16 +2703,16 @@
       </a:lvl1pPr>
     </p:titleStyle>
     <p:bodyStyle>
-      <a:lvl1pPr marL="171450" indent="-171450" algn="l" defTabSz="685800" rtl="0" eaLnBrk="1" latinLnBrk="0" hangingPunct="1">
+      <a:lvl1pPr marL="228600" indent="-228600" algn="l" defTabSz="914400" rtl="0" eaLnBrk="1" latinLnBrk="0" hangingPunct="1">
         <a:lnSpc>
           <a:spcPct val="90000"/>
         </a:lnSpc>
         <a:spcBef>
-          <a:spcPts val="750"/>
+          <a:spcPts val="1000"/>
         </a:spcBef>
         <a:buFont typeface="Arial" panose="020B0604020202020204" pitchFamily="34" charset="0"/>
         <a:buChar char="•"/>
-        <a:defRPr sz="2100" kern="1200">
+        <a:defRPr sz="2800" kern="1200">
           <a:solidFill>
             <a:schemeClr val="tx1"/>
           </a:solidFill>
@@ -2716,12 +2721,48 @@
           <a:cs typeface="+mn-cs"/>
         </a:defRPr>
       </a:lvl1pPr>
-      <a:lvl2pPr marL="514350" indent="-171450" algn="l" defTabSz="685800" rtl="0" eaLnBrk="1" latinLnBrk="0" hangingPunct="1">
+      <a:lvl2pPr marL="685800" indent="-228600" algn="l" defTabSz="914400" rtl="0" eaLnBrk="1" latinLnBrk="0" hangingPunct="1">
         <a:lnSpc>
           <a:spcPct val="90000"/>
         </a:lnSpc>
         <a:spcBef>
-          <a:spcPts val="375"/>
+          <a:spcPts val="500"/>
+        </a:spcBef>
+        <a:buFont typeface="Arial" panose="020B0604020202020204" pitchFamily="34" charset="0"/>
+        <a:buChar char="•"/>
+        <a:defRPr sz="2400" kern="1200">
+          <a:solidFill>
+            <a:schemeClr val="tx1"/>
+          </a:solidFill>
+          <a:latin typeface="+mn-lt"/>
+          <a:ea typeface="+mn-ea"/>
+          <a:cs typeface="+mn-cs"/>
+        </a:defRPr>
+      </a:lvl2pPr>
+      <a:lvl3pPr marL="1143000" indent="-228600" algn="l" defTabSz="914400" rtl="0" eaLnBrk="1" latinLnBrk="0" hangingPunct="1">
+        <a:lnSpc>
+          <a:spcPct val="90000"/>
+        </a:lnSpc>
+        <a:spcBef>
+          <a:spcPts val="500"/>
+        </a:spcBef>
+        <a:buFont typeface="Arial" panose="020B0604020202020204" pitchFamily="34" charset="0"/>
+        <a:buChar char="•"/>
+        <a:defRPr sz="2000" kern="1200">
+          <a:solidFill>
+            <a:schemeClr val="tx1"/>
+          </a:solidFill>
+          <a:latin typeface="+mn-lt"/>
+          <a:ea typeface="+mn-ea"/>
+          <a:cs typeface="+mn-cs"/>
+        </a:defRPr>
+      </a:lvl3pPr>
+      <a:lvl4pPr marL="1600200" indent="-228600" algn="l" defTabSz="914400" rtl="0" eaLnBrk="1" latinLnBrk="0" hangingPunct="1">
+        <a:lnSpc>
+          <a:spcPct val="90000"/>
+        </a:lnSpc>
+        <a:spcBef>
+          <a:spcPts val="500"/>
         </a:spcBef>
         <a:buFont typeface="Arial" panose="020B0604020202020204" pitchFamily="34" charset="0"/>
         <a:buChar char="•"/>
@@ -2733,53 +2774,17 @@
           <a:ea typeface="+mn-ea"/>
           <a:cs typeface="+mn-cs"/>
         </a:defRPr>
-      </a:lvl2pPr>
-      <a:lvl3pPr marL="857250" indent="-171450" algn="l" defTabSz="685800" rtl="0" eaLnBrk="1" latinLnBrk="0" hangingPunct="1">
+      </a:lvl4pPr>
+      <a:lvl5pPr marL="2057400" indent="-228600" algn="l" defTabSz="914400" rtl="0" eaLnBrk="1" latinLnBrk="0" hangingPunct="1">
         <a:lnSpc>
           <a:spcPct val="90000"/>
         </a:lnSpc>
         <a:spcBef>
-          <a:spcPts val="375"/>
+          <a:spcPts val="500"/>
         </a:spcBef>
         <a:buFont typeface="Arial" panose="020B0604020202020204" pitchFamily="34" charset="0"/>
         <a:buChar char="•"/>
-        <a:defRPr sz="1500" kern="1200">
-          <a:solidFill>
-            <a:schemeClr val="tx1"/>
-          </a:solidFill>
-          <a:latin typeface="+mn-lt"/>
-          <a:ea typeface="+mn-ea"/>
-          <a:cs typeface="+mn-cs"/>
-        </a:defRPr>
-      </a:lvl3pPr>
-      <a:lvl4pPr marL="1200150" indent="-171450" algn="l" defTabSz="685800" rtl="0" eaLnBrk="1" latinLnBrk="0" hangingPunct="1">
-        <a:lnSpc>
-          <a:spcPct val="90000"/>
-        </a:lnSpc>
-        <a:spcBef>
-          <a:spcPts val="375"/>
-        </a:spcBef>
-        <a:buFont typeface="Arial" panose="020B0604020202020204" pitchFamily="34" charset="0"/>
-        <a:buChar char="•"/>
-        <a:defRPr sz="1350" kern="1200">
-          <a:solidFill>
-            <a:schemeClr val="tx1"/>
-          </a:solidFill>
-          <a:latin typeface="+mn-lt"/>
-          <a:ea typeface="+mn-ea"/>
-          <a:cs typeface="+mn-cs"/>
-        </a:defRPr>
-      </a:lvl4pPr>
-      <a:lvl5pPr marL="1543050" indent="-171450" algn="l" defTabSz="685800" rtl="0" eaLnBrk="1" latinLnBrk="0" hangingPunct="1">
-        <a:lnSpc>
-          <a:spcPct val="90000"/>
-        </a:lnSpc>
-        <a:spcBef>
-          <a:spcPts val="375"/>
-        </a:spcBef>
-        <a:buFont typeface="Arial" panose="020B0604020202020204" pitchFamily="34" charset="0"/>
-        <a:buChar char="•"/>
-        <a:defRPr sz="1350" kern="1200">
+        <a:defRPr sz="1800" kern="1200">
           <a:solidFill>
             <a:schemeClr val="tx1"/>
           </a:solidFill>
@@ -2788,16 +2793,16 @@
           <a:cs typeface="+mn-cs"/>
         </a:defRPr>
       </a:lvl5pPr>
-      <a:lvl6pPr marL="1885950" indent="-171450" algn="l" defTabSz="685800" rtl="0" eaLnBrk="1" latinLnBrk="0" hangingPunct="1">
+      <a:lvl6pPr marL="2514600" indent="-228600" algn="l" defTabSz="914400" rtl="0" eaLnBrk="1" latinLnBrk="0" hangingPunct="1">
         <a:lnSpc>
           <a:spcPct val="90000"/>
         </a:lnSpc>
         <a:spcBef>
-          <a:spcPts val="375"/>
+          <a:spcPts val="500"/>
         </a:spcBef>
         <a:buFont typeface="Arial" panose="020B0604020202020204" pitchFamily="34" charset="0"/>
         <a:buChar char="•"/>
-        <a:defRPr sz="1350" kern="1200">
+        <a:defRPr sz="1800" kern="1200">
           <a:solidFill>
             <a:schemeClr val="tx1"/>
           </a:solidFill>
@@ -2806,16 +2811,16 @@
           <a:cs typeface="+mn-cs"/>
         </a:defRPr>
       </a:lvl6pPr>
-      <a:lvl7pPr marL="2228850" indent="-171450" algn="l" defTabSz="685800" rtl="0" eaLnBrk="1" latinLnBrk="0" hangingPunct="1">
+      <a:lvl7pPr marL="2971800" indent="-228600" algn="l" defTabSz="914400" rtl="0" eaLnBrk="1" latinLnBrk="0" hangingPunct="1">
         <a:lnSpc>
           <a:spcPct val="90000"/>
         </a:lnSpc>
         <a:spcBef>
-          <a:spcPts val="375"/>
+          <a:spcPts val="500"/>
         </a:spcBef>
         <a:buFont typeface="Arial" panose="020B0604020202020204" pitchFamily="34" charset="0"/>
         <a:buChar char="•"/>
-        <a:defRPr sz="1350" kern="1200">
+        <a:defRPr sz="1800" kern="1200">
           <a:solidFill>
             <a:schemeClr val="tx1"/>
           </a:solidFill>
@@ -2824,16 +2829,16 @@
           <a:cs typeface="+mn-cs"/>
         </a:defRPr>
       </a:lvl7pPr>
-      <a:lvl8pPr marL="2571750" indent="-171450" algn="l" defTabSz="685800" rtl="0" eaLnBrk="1" latinLnBrk="0" hangingPunct="1">
+      <a:lvl8pPr marL="3429000" indent="-228600" algn="l" defTabSz="914400" rtl="0" eaLnBrk="1" latinLnBrk="0" hangingPunct="1">
         <a:lnSpc>
           <a:spcPct val="90000"/>
         </a:lnSpc>
         <a:spcBef>
-          <a:spcPts val="375"/>
+          <a:spcPts val="500"/>
         </a:spcBef>
         <a:buFont typeface="Arial" panose="020B0604020202020204" pitchFamily="34" charset="0"/>
         <a:buChar char="•"/>
-        <a:defRPr sz="1350" kern="1200">
+        <a:defRPr sz="1800" kern="1200">
           <a:solidFill>
             <a:schemeClr val="tx1"/>
           </a:solidFill>
@@ -2842,16 +2847,16 @@
           <a:cs typeface="+mn-cs"/>
         </a:defRPr>
       </a:lvl8pPr>
-      <a:lvl9pPr marL="2914650" indent="-171450" algn="l" defTabSz="685800" rtl="0" eaLnBrk="1" latinLnBrk="0" hangingPunct="1">
+      <a:lvl9pPr marL="3886200" indent="-228600" algn="l" defTabSz="914400" rtl="0" eaLnBrk="1" latinLnBrk="0" hangingPunct="1">
         <a:lnSpc>
           <a:spcPct val="90000"/>
         </a:lnSpc>
         <a:spcBef>
-          <a:spcPts val="375"/>
+          <a:spcPts val="500"/>
         </a:spcBef>
         <a:buFont typeface="Arial" panose="020B0604020202020204" pitchFamily="34" charset="0"/>
         <a:buChar char="•"/>
-        <a:defRPr sz="1350" kern="1200">
+        <a:defRPr sz="1800" kern="1200">
           <a:solidFill>
             <a:schemeClr val="tx1"/>
           </a:solidFill>
@@ -2865,8 +2870,8 @@
       <a:defPPr>
         <a:defRPr lang="en-US"/>
       </a:defPPr>
-      <a:lvl1pPr marL="0" algn="l" defTabSz="685800" rtl="0" eaLnBrk="1" latinLnBrk="0" hangingPunct="1">
-        <a:defRPr sz="1350" kern="1200">
+      <a:lvl1pPr marL="0" algn="l" defTabSz="914400" rtl="0" eaLnBrk="1" latinLnBrk="0" hangingPunct="1">
+        <a:defRPr sz="1800" kern="1200">
           <a:solidFill>
             <a:schemeClr val="tx1"/>
           </a:solidFill>
@@ -2875,8 +2880,8 @@
           <a:cs typeface="+mn-cs"/>
         </a:defRPr>
       </a:lvl1pPr>
-      <a:lvl2pPr marL="342900" algn="l" defTabSz="685800" rtl="0" eaLnBrk="1" latinLnBrk="0" hangingPunct="1">
-        <a:defRPr sz="1350" kern="1200">
+      <a:lvl2pPr marL="457200" algn="l" defTabSz="914400" rtl="0" eaLnBrk="1" latinLnBrk="0" hangingPunct="1">
+        <a:defRPr sz="1800" kern="1200">
           <a:solidFill>
             <a:schemeClr val="tx1"/>
           </a:solidFill>
@@ -2885,8 +2890,8 @@
           <a:cs typeface="+mn-cs"/>
         </a:defRPr>
       </a:lvl2pPr>
-      <a:lvl3pPr marL="685800" algn="l" defTabSz="685800" rtl="0" eaLnBrk="1" latinLnBrk="0" hangingPunct="1">
-        <a:defRPr sz="1350" kern="1200">
+      <a:lvl3pPr marL="914400" algn="l" defTabSz="914400" rtl="0" eaLnBrk="1" latinLnBrk="0" hangingPunct="1">
+        <a:defRPr sz="1800" kern="1200">
           <a:solidFill>
             <a:schemeClr val="tx1"/>
           </a:solidFill>
@@ -2895,8 +2900,8 @@
           <a:cs typeface="+mn-cs"/>
         </a:defRPr>
       </a:lvl3pPr>
-      <a:lvl4pPr marL="1028700" algn="l" defTabSz="685800" rtl="0" eaLnBrk="1" latinLnBrk="0" hangingPunct="1">
-        <a:defRPr sz="1350" kern="1200">
+      <a:lvl4pPr marL="1371600" algn="l" defTabSz="914400" rtl="0" eaLnBrk="1" latinLnBrk="0" hangingPunct="1">
+        <a:defRPr sz="1800" kern="1200">
           <a:solidFill>
             <a:schemeClr val="tx1"/>
           </a:solidFill>
@@ -2905,8 +2910,8 @@
           <a:cs typeface="+mn-cs"/>
         </a:defRPr>
       </a:lvl4pPr>
-      <a:lvl5pPr marL="1371600" algn="l" defTabSz="685800" rtl="0" eaLnBrk="1" latinLnBrk="0" hangingPunct="1">
-        <a:defRPr sz="1350" kern="1200">
+      <a:lvl5pPr marL="1828800" algn="l" defTabSz="914400" rtl="0" eaLnBrk="1" latinLnBrk="0" hangingPunct="1">
+        <a:defRPr sz="1800" kern="1200">
           <a:solidFill>
             <a:schemeClr val="tx1"/>
           </a:solidFill>
@@ -2915,8 +2920,8 @@
           <a:cs typeface="+mn-cs"/>
         </a:defRPr>
       </a:lvl5pPr>
-      <a:lvl6pPr marL="1714500" algn="l" defTabSz="685800" rtl="0" eaLnBrk="1" latinLnBrk="0" hangingPunct="1">
-        <a:defRPr sz="1350" kern="1200">
+      <a:lvl6pPr marL="2286000" algn="l" defTabSz="914400" rtl="0" eaLnBrk="1" latinLnBrk="0" hangingPunct="1">
+        <a:defRPr sz="1800" kern="1200">
           <a:solidFill>
             <a:schemeClr val="tx1"/>
           </a:solidFill>
@@ -2925,8 +2930,8 @@
           <a:cs typeface="+mn-cs"/>
         </a:defRPr>
       </a:lvl6pPr>
-      <a:lvl7pPr marL="2057400" algn="l" defTabSz="685800" rtl="0" eaLnBrk="1" latinLnBrk="0" hangingPunct="1">
-        <a:defRPr sz="1350" kern="1200">
+      <a:lvl7pPr marL="2743200" algn="l" defTabSz="914400" rtl="0" eaLnBrk="1" latinLnBrk="0" hangingPunct="1">
+        <a:defRPr sz="1800" kern="1200">
           <a:solidFill>
             <a:schemeClr val="tx1"/>
           </a:solidFill>
@@ -2935,8 +2940,8 @@
           <a:cs typeface="+mn-cs"/>
         </a:defRPr>
       </a:lvl7pPr>
-      <a:lvl8pPr marL="2400300" algn="l" defTabSz="685800" rtl="0" eaLnBrk="1" latinLnBrk="0" hangingPunct="1">
-        <a:defRPr sz="1350" kern="1200">
+      <a:lvl8pPr marL="3200400" algn="l" defTabSz="914400" rtl="0" eaLnBrk="1" latinLnBrk="0" hangingPunct="1">
+        <a:defRPr sz="1800" kern="1200">
           <a:solidFill>
             <a:schemeClr val="tx1"/>
           </a:solidFill>
@@ -2945,8 +2950,8 @@
           <a:cs typeface="+mn-cs"/>
         </a:defRPr>
       </a:lvl8pPr>
-      <a:lvl9pPr marL="2743200" algn="l" defTabSz="685800" rtl="0" eaLnBrk="1" latinLnBrk="0" hangingPunct="1">
-        <a:defRPr sz="1350" kern="1200">
+      <a:lvl9pPr marL="3657600" algn="l" defTabSz="914400" rtl="0" eaLnBrk="1" latinLnBrk="0" hangingPunct="1">
+        <a:defRPr sz="1800" kern="1200">
           <a:solidFill>
             <a:schemeClr val="tx1"/>
           </a:solidFill>
@@ -2991,8 +2996,8 @@
         </p:nvSpPr>
         <p:spPr>
           <a:xfrm>
-            <a:off x="373236" y="1820659"/>
-            <a:ext cx="1007889" cy="712991"/>
+            <a:off x="2280177" y="1365495"/>
+            <a:ext cx="755917" cy="534743"/>
           </a:xfrm>
           <a:prstGeom prst="rect">
             <a:avLst/>
@@ -3027,7 +3032,7 @@
           </a:fontRef>
         </p:style>
         <p:txBody>
-          <a:bodyPr rot="0" spcFirstLastPara="0" vertOverflow="overflow" horzOverflow="overflow" vert="horz" wrap="square" lIns="121920" tIns="60960" rIns="121920" bIns="60960" numCol="1" spcCol="0" rtlCol="0" fromWordArt="0" anchor="ctr" anchorCtr="0" forceAA="0" compatLnSpc="1">
+          <a:bodyPr rot="0" spcFirstLastPara="0" vertOverflow="overflow" horzOverflow="overflow" vert="horz" wrap="square" lIns="91440" tIns="45720" rIns="91440" bIns="45720" numCol="1" spcCol="0" rtlCol="0" fromWordArt="0" anchor="ctr" anchorCtr="0" forceAA="0" compatLnSpc="1">
             <a:prstTxWarp prst="textNoShape">
               <a:avLst/>
             </a:prstTxWarp>
@@ -3037,10 +3042,10 @@
           <a:p>
             <a:pPr algn="ctr"/>
             <a:r>
-              <a:rPr lang="en-US" dirty="0"/>
+              <a:rPr lang="en-US" sz="1350" dirty="0"/>
               <a:t>0 Vehicles</a:t>
             </a:r>
-            <a:endParaRPr lang="en-US" sz="2400" dirty="0"/>
+            <a:endParaRPr lang="en-US" dirty="0"/>
           </a:p>
         </p:txBody>
       </p:sp>
@@ -3058,8 +3063,8 @@
         </p:nvSpPr>
         <p:spPr>
           <a:xfrm>
-            <a:off x="1601961" y="1820659"/>
-            <a:ext cx="1007889" cy="712991"/>
+            <a:off x="3201721" y="1365495"/>
+            <a:ext cx="755917" cy="534743"/>
           </a:xfrm>
           <a:prstGeom prst="rect">
             <a:avLst/>
@@ -3094,7 +3099,7 @@
           </a:fontRef>
         </p:style>
         <p:txBody>
-          <a:bodyPr rot="0" spcFirstLastPara="0" vertOverflow="overflow" horzOverflow="overflow" vert="horz" wrap="square" lIns="121920" tIns="60960" rIns="121920" bIns="60960" numCol="1" spcCol="0" rtlCol="0" fromWordArt="0" anchor="ctr" anchorCtr="0" forceAA="0" compatLnSpc="1">
+          <a:bodyPr rot="0" spcFirstLastPara="0" vertOverflow="overflow" horzOverflow="overflow" vert="horz" wrap="square" lIns="91440" tIns="45720" rIns="91440" bIns="45720" numCol="1" spcCol="0" rtlCol="0" fromWordArt="0" anchor="ctr" anchorCtr="0" forceAA="0" compatLnSpc="1">
             <a:prstTxWarp prst="textNoShape">
               <a:avLst/>
             </a:prstTxWarp>
@@ -3104,10 +3109,10 @@
           <a:p>
             <a:pPr algn="ctr"/>
             <a:r>
-              <a:rPr lang="en-US" dirty="0"/>
+              <a:rPr lang="en-US" sz="1350" dirty="0"/>
               <a:t>1 Vehicle</a:t>
             </a:r>
-            <a:endParaRPr lang="en-US" sz="2400" dirty="0"/>
+            <a:endParaRPr lang="en-US" dirty="0"/>
           </a:p>
         </p:txBody>
       </p:sp>
@@ -3125,8 +3130,8 @@
         </p:nvSpPr>
         <p:spPr>
           <a:xfrm>
-            <a:off x="2830686" y="1820659"/>
-            <a:ext cx="1007889" cy="712991"/>
+            <a:off x="4123265" y="1365495"/>
+            <a:ext cx="755917" cy="534743"/>
           </a:xfrm>
           <a:prstGeom prst="rect">
             <a:avLst/>
@@ -3161,7 +3166,7 @@
           </a:fontRef>
         </p:style>
         <p:txBody>
-          <a:bodyPr rot="0" spcFirstLastPara="0" vertOverflow="overflow" horzOverflow="overflow" vert="horz" wrap="square" lIns="121920" tIns="60960" rIns="121920" bIns="60960" numCol="1" spcCol="0" rtlCol="0" fromWordArt="0" anchor="ctr" anchorCtr="0" forceAA="0" compatLnSpc="1">
+          <a:bodyPr rot="0" spcFirstLastPara="0" vertOverflow="overflow" horzOverflow="overflow" vert="horz" wrap="square" lIns="91440" tIns="45720" rIns="91440" bIns="45720" numCol="1" spcCol="0" rtlCol="0" fromWordArt="0" anchor="ctr" anchorCtr="0" forceAA="0" compatLnSpc="1">
             <a:prstTxWarp prst="textNoShape">
               <a:avLst/>
             </a:prstTxWarp>
@@ -3171,10 +3176,10 @@
           <a:p>
             <a:pPr algn="ctr"/>
             <a:r>
-              <a:rPr lang="en-US" dirty="0"/>
+              <a:rPr lang="en-US" sz="1350" dirty="0"/>
               <a:t>2 Vehicles</a:t>
             </a:r>
-            <a:endParaRPr lang="en-US" sz="2400" dirty="0"/>
+            <a:endParaRPr lang="en-US" dirty="0"/>
           </a:p>
         </p:txBody>
       </p:sp>
@@ -3192,8 +3197,8 @@
         </p:nvSpPr>
         <p:spPr>
           <a:xfrm>
-            <a:off x="4059411" y="1820658"/>
-            <a:ext cx="1007889" cy="712991"/>
+            <a:off x="5044809" y="1365494"/>
+            <a:ext cx="755917" cy="534743"/>
           </a:xfrm>
           <a:prstGeom prst="rect">
             <a:avLst/>
@@ -3228,7 +3233,7 @@
           </a:fontRef>
         </p:style>
         <p:txBody>
-          <a:bodyPr rot="0" spcFirstLastPara="0" vertOverflow="overflow" horzOverflow="overflow" vert="horz" wrap="square" lIns="121920" tIns="60960" rIns="121920" bIns="60960" numCol="1" spcCol="0" rtlCol="0" fromWordArt="0" anchor="ctr" anchorCtr="0" forceAA="0" compatLnSpc="1">
+          <a:bodyPr rot="0" spcFirstLastPara="0" vertOverflow="overflow" horzOverflow="overflow" vert="horz" wrap="square" lIns="91440" tIns="45720" rIns="91440" bIns="45720" numCol="1" spcCol="0" rtlCol="0" fromWordArt="0" anchor="ctr" anchorCtr="0" forceAA="0" compatLnSpc="1">
             <a:prstTxWarp prst="textNoShape">
               <a:avLst/>
             </a:prstTxWarp>
@@ -3238,10 +3243,10 @@
           <a:p>
             <a:pPr algn="ctr"/>
             <a:r>
-              <a:rPr lang="en-US" dirty="0"/>
+              <a:rPr lang="en-US" sz="1350" dirty="0"/>
               <a:t>3 Vehicles</a:t>
             </a:r>
-            <a:endParaRPr lang="en-US" sz="2400" dirty="0"/>
+            <a:endParaRPr lang="en-US" dirty="0"/>
           </a:p>
         </p:txBody>
       </p:sp>
@@ -3259,8 +3264,8 @@
         </p:nvSpPr>
         <p:spPr>
           <a:xfrm>
-            <a:off x="2830686" y="570194"/>
-            <a:ext cx="1007889" cy="712991"/>
+            <a:off x="4123265" y="427646"/>
+            <a:ext cx="755917" cy="534743"/>
           </a:xfrm>
           <a:prstGeom prst="rect">
             <a:avLst/>
@@ -3295,7 +3300,7 @@
           </a:fontRef>
         </p:style>
         <p:txBody>
-          <a:bodyPr rot="0" spcFirstLastPara="0" vertOverflow="overflow" horzOverflow="overflow" vert="horz" wrap="square" lIns="121920" tIns="60960" rIns="121920" bIns="60960" numCol="1" spcCol="0" rtlCol="0" fromWordArt="0" anchor="ctr" anchorCtr="0" forceAA="0" compatLnSpc="1">
+          <a:bodyPr rot="0" spcFirstLastPara="0" vertOverflow="overflow" horzOverflow="overflow" vert="horz" wrap="square" lIns="91440" tIns="45720" rIns="91440" bIns="45720" numCol="1" spcCol="0" rtlCol="0" fromWordArt="0" anchor="ctr" anchorCtr="0" forceAA="0" compatLnSpc="1">
             <a:prstTxWarp prst="textNoShape">
               <a:avLst/>
             </a:prstTxWarp>
@@ -3305,10 +3310,10 @@
           <a:p>
             <a:pPr algn="ctr"/>
             <a:r>
-              <a:rPr lang="en-US" dirty="0"/>
+              <a:rPr lang="en-US" sz="1350" dirty="0"/>
               <a:t>Choice</a:t>
             </a:r>
-            <a:endParaRPr lang="en-US" sz="2400" dirty="0"/>
+            <a:endParaRPr lang="en-US" dirty="0"/>
           </a:p>
         </p:txBody>
       </p:sp>
@@ -3326,8 +3331,8 @@
         </p:nvSpPr>
         <p:spPr>
           <a:xfrm>
-            <a:off x="5288136" y="1820657"/>
-            <a:ext cx="1007889" cy="712991"/>
+            <a:off x="5966352" y="1365493"/>
+            <a:ext cx="755917" cy="534743"/>
           </a:xfrm>
           <a:prstGeom prst="rect">
             <a:avLst/>
@@ -3362,7 +3367,7 @@
           </a:fontRef>
         </p:style>
         <p:txBody>
-          <a:bodyPr rot="0" spcFirstLastPara="0" vertOverflow="overflow" horzOverflow="overflow" vert="horz" wrap="square" lIns="121920" tIns="60960" rIns="121920" bIns="60960" numCol="1" spcCol="0" rtlCol="0" fromWordArt="0" anchor="ctr" anchorCtr="0" forceAA="0" compatLnSpc="1">
+          <a:bodyPr rot="0" spcFirstLastPara="0" vertOverflow="overflow" horzOverflow="overflow" vert="horz" wrap="square" lIns="91440" tIns="45720" rIns="91440" bIns="45720" numCol="1" spcCol="0" rtlCol="0" fromWordArt="0" anchor="ctr" anchorCtr="0" forceAA="0" compatLnSpc="1">
             <a:prstTxWarp prst="textNoShape">
               <a:avLst/>
             </a:prstTxWarp>
@@ -3372,10 +3377,10 @@
           <a:p>
             <a:pPr algn="ctr"/>
             <a:r>
-              <a:rPr lang="en-US" dirty="0"/>
+              <a:rPr lang="en-US" sz="1350" dirty="0"/>
               <a:t>4+ Vehicles</a:t>
             </a:r>
-            <a:endParaRPr lang="en-US" sz="2400" dirty="0"/>
+            <a:endParaRPr lang="en-US" dirty="0"/>
           </a:p>
         </p:txBody>
       </p:sp>
@@ -3393,8 +3398,8 @@
         </p:nvSpPr>
         <p:spPr>
           <a:xfrm>
-            <a:off x="373236" y="2919492"/>
-            <a:ext cx="1007889" cy="712991"/>
+            <a:off x="2280177" y="2189620"/>
+            <a:ext cx="755917" cy="534743"/>
           </a:xfrm>
           <a:prstGeom prst="rect">
             <a:avLst/>
@@ -3427,7 +3432,7 @@
           </a:fontRef>
         </p:style>
         <p:txBody>
-          <a:bodyPr rot="0" spcFirstLastPara="0" vertOverflow="overflow" horzOverflow="overflow" vert="horz" wrap="square" lIns="121920" tIns="60960" rIns="121920" bIns="60960" numCol="1" spcCol="0" rtlCol="0" fromWordArt="0" anchor="ctr" anchorCtr="0" forceAA="0" compatLnSpc="1">
+          <a:bodyPr rot="0" spcFirstLastPara="0" vertOverflow="overflow" horzOverflow="overflow" vert="horz" wrap="square" lIns="91440" tIns="45720" rIns="91440" bIns="45720" numCol="1" spcCol="0" rtlCol="0" fromWordArt="0" anchor="ctr" anchorCtr="0" forceAA="0" compatLnSpc="1">
             <a:prstTxWarp prst="textNoShape">
               <a:avLst/>
             </a:prstTxWarp>
@@ -3437,10 +3442,10 @@
           <a:p>
             <a:pPr algn="ctr"/>
             <a:r>
-              <a:rPr lang="en-US" dirty="0"/>
+              <a:rPr lang="en-US" sz="1350" dirty="0"/>
               <a:t>1 HV</a:t>
             </a:r>
-            <a:endParaRPr lang="en-US" sz="2400" dirty="0"/>
+            <a:endParaRPr lang="en-US" dirty="0"/>
           </a:p>
         </p:txBody>
       </p:sp>
@@ -3458,8 +3463,8 @@
         </p:nvSpPr>
         <p:spPr>
           <a:xfrm>
-            <a:off x="1597202" y="2908584"/>
-            <a:ext cx="1007889" cy="712991"/>
+            <a:off x="3198152" y="2181439"/>
+            <a:ext cx="755917" cy="534743"/>
           </a:xfrm>
           <a:prstGeom prst="rect">
             <a:avLst/>
@@ -3492,7 +3497,7 @@
           </a:fontRef>
         </p:style>
         <p:txBody>
-          <a:bodyPr rot="0" spcFirstLastPara="0" vertOverflow="overflow" horzOverflow="overflow" vert="horz" wrap="square" lIns="121920" tIns="60960" rIns="121920" bIns="60960" numCol="1" spcCol="0" rtlCol="0" fromWordArt="0" anchor="ctr" anchorCtr="0" forceAA="0" compatLnSpc="1">
+          <a:bodyPr rot="0" spcFirstLastPara="0" vertOverflow="overflow" horzOverflow="overflow" vert="horz" wrap="square" lIns="91440" tIns="45720" rIns="91440" bIns="45720" numCol="1" spcCol="0" rtlCol="0" fromWordArt="0" anchor="ctr" anchorCtr="0" forceAA="0" compatLnSpc="1">
             <a:prstTxWarp prst="textNoShape">
               <a:avLst/>
             </a:prstTxWarp>
@@ -3502,10 +3507,10 @@
           <a:p>
             <a:pPr algn="ctr"/>
             <a:r>
-              <a:rPr lang="en-US" dirty="0"/>
+              <a:rPr lang="en-US" sz="1350" dirty="0"/>
               <a:t>1 AV</a:t>
             </a:r>
-            <a:endParaRPr lang="en-US" sz="2400" dirty="0"/>
+            <a:endParaRPr lang="en-US" dirty="0"/>
           </a:p>
         </p:txBody>
       </p:sp>
@@ -3523,8 +3528,8 @@
         </p:nvSpPr>
         <p:spPr>
           <a:xfrm>
-            <a:off x="373236" y="4007418"/>
-            <a:ext cx="1007889" cy="712991"/>
+            <a:off x="2280177" y="3005564"/>
+            <a:ext cx="755917" cy="534743"/>
           </a:xfrm>
           <a:prstGeom prst="rect">
             <a:avLst/>
@@ -3557,7 +3562,7 @@
           </a:fontRef>
         </p:style>
         <p:txBody>
-          <a:bodyPr rot="0" spcFirstLastPara="0" vertOverflow="overflow" horzOverflow="overflow" vert="horz" wrap="square" lIns="121920" tIns="60960" rIns="121920" bIns="60960" numCol="1" spcCol="0" rtlCol="0" fromWordArt="0" anchor="ctr" anchorCtr="0" forceAA="0" compatLnSpc="1">
+          <a:bodyPr rot="0" spcFirstLastPara="0" vertOverflow="overflow" horzOverflow="overflow" vert="horz" wrap="square" lIns="91440" tIns="45720" rIns="91440" bIns="45720" numCol="1" spcCol="0" rtlCol="0" fromWordArt="0" anchor="ctr" anchorCtr="0" forceAA="0" compatLnSpc="1">
             <a:prstTxWarp prst="textNoShape">
               <a:avLst/>
             </a:prstTxWarp>
@@ -3567,10 +3572,10 @@
           <a:p>
             <a:pPr algn="ctr"/>
             <a:r>
-              <a:rPr lang="en-US" dirty="0"/>
+              <a:rPr lang="en-US" sz="1350" dirty="0"/>
               <a:t>2 HVs</a:t>
             </a:r>
-            <a:endParaRPr lang="en-US" sz="2400" dirty="0"/>
+            <a:endParaRPr lang="en-US" dirty="0"/>
           </a:p>
         </p:txBody>
       </p:sp>
@@ -3588,8 +3593,8 @@
         </p:nvSpPr>
         <p:spPr>
           <a:xfrm>
-            <a:off x="373236" y="5106251"/>
-            <a:ext cx="1007889" cy="712991"/>
+            <a:off x="2280177" y="3829689"/>
+            <a:ext cx="755917" cy="534743"/>
           </a:xfrm>
           <a:prstGeom prst="rect">
             <a:avLst/>
@@ -3622,7 +3627,7 @@
           </a:fontRef>
         </p:style>
         <p:txBody>
-          <a:bodyPr rot="0" spcFirstLastPara="0" vertOverflow="overflow" horzOverflow="overflow" vert="horz" wrap="square" lIns="121920" tIns="60960" rIns="121920" bIns="60960" numCol="1" spcCol="0" rtlCol="0" fromWordArt="0" anchor="ctr" anchorCtr="0" forceAA="0" compatLnSpc="1">
+          <a:bodyPr rot="0" spcFirstLastPara="0" vertOverflow="overflow" horzOverflow="overflow" vert="horz" wrap="square" lIns="91440" tIns="45720" rIns="91440" bIns="45720" numCol="1" spcCol="0" rtlCol="0" fromWordArt="0" anchor="ctr" anchorCtr="0" forceAA="0" compatLnSpc="1">
             <a:prstTxWarp prst="textNoShape">
               <a:avLst/>
             </a:prstTxWarp>
@@ -3632,10 +3637,10 @@
           <a:p>
             <a:pPr algn="ctr"/>
             <a:r>
-              <a:rPr lang="en-US" dirty="0"/>
+              <a:rPr lang="en-US" sz="1350" dirty="0"/>
               <a:t>3 HVs</a:t>
             </a:r>
-            <a:endParaRPr lang="en-US" sz="2400" dirty="0"/>
+            <a:endParaRPr lang="en-US" dirty="0"/>
           </a:p>
         </p:txBody>
       </p:sp>
@@ -3653,8 +3658,8 @@
         </p:nvSpPr>
         <p:spPr>
           <a:xfrm>
-            <a:off x="373235" y="6205084"/>
-            <a:ext cx="1007889" cy="712991"/>
+            <a:off x="2280177" y="4653814"/>
+            <a:ext cx="755917" cy="534743"/>
           </a:xfrm>
           <a:prstGeom prst="rect">
             <a:avLst/>
@@ -3687,7 +3692,7 @@
           </a:fontRef>
         </p:style>
         <p:txBody>
-          <a:bodyPr rot="0" spcFirstLastPara="0" vertOverflow="overflow" horzOverflow="overflow" vert="horz" wrap="square" lIns="121920" tIns="60960" rIns="121920" bIns="60960" numCol="1" spcCol="0" rtlCol="0" fromWordArt="0" anchor="ctr" anchorCtr="0" forceAA="0" compatLnSpc="1">
+          <a:bodyPr rot="0" spcFirstLastPara="0" vertOverflow="overflow" horzOverflow="overflow" vert="horz" wrap="square" lIns="91440" tIns="45720" rIns="91440" bIns="45720" numCol="1" spcCol="0" rtlCol="0" fromWordArt="0" anchor="ctr" anchorCtr="0" forceAA="0" compatLnSpc="1">
             <a:prstTxWarp prst="textNoShape">
               <a:avLst/>
             </a:prstTxWarp>
@@ -3697,10 +3702,10 @@
           <a:p>
             <a:pPr algn="ctr"/>
             <a:r>
-              <a:rPr lang="en-US" dirty="0"/>
+              <a:rPr lang="en-US" sz="1350" dirty="0"/>
               <a:t>4+ HVs</a:t>
             </a:r>
-            <a:endParaRPr lang="en-US" sz="2400" dirty="0"/>
+            <a:endParaRPr lang="en-US" dirty="0"/>
           </a:p>
         </p:txBody>
       </p:sp>
@@ -3718,8 +3723,8 @@
         </p:nvSpPr>
         <p:spPr>
           <a:xfrm>
-            <a:off x="1601961" y="4018323"/>
-            <a:ext cx="1007889" cy="712991"/>
+            <a:off x="3201721" y="3013743"/>
+            <a:ext cx="755917" cy="534743"/>
           </a:xfrm>
           <a:prstGeom prst="rect">
             <a:avLst/>
@@ -3752,7 +3757,7 @@
           </a:fontRef>
         </p:style>
         <p:txBody>
-          <a:bodyPr rot="0" spcFirstLastPara="0" vertOverflow="overflow" horzOverflow="overflow" vert="horz" wrap="square" lIns="121920" tIns="60960" rIns="121920" bIns="60960" numCol="1" spcCol="0" rtlCol="0" fromWordArt="0" anchor="ctr" anchorCtr="0" forceAA="0" compatLnSpc="1">
+          <a:bodyPr rot="0" spcFirstLastPara="0" vertOverflow="overflow" horzOverflow="overflow" vert="horz" wrap="square" lIns="91440" tIns="45720" rIns="91440" bIns="45720" numCol="1" spcCol="0" rtlCol="0" fromWordArt="0" anchor="ctr" anchorCtr="0" forceAA="0" compatLnSpc="1">
             <a:prstTxWarp prst="textNoShape">
               <a:avLst/>
             </a:prstTxWarp>
@@ -3762,17 +3767,17 @@
           <a:p>
             <a:pPr algn="ctr"/>
             <a:r>
-              <a:rPr lang="en-US" dirty="0"/>
+              <a:rPr lang="en-US" sz="1350" dirty="0"/>
               <a:t>1 HV</a:t>
             </a:r>
             <a:br>
-              <a:rPr lang="en-US" dirty="0"/>
+              <a:rPr lang="en-US" sz="1350" dirty="0"/>
             </a:br>
             <a:r>
-              <a:rPr lang="en-US" dirty="0"/>
+              <a:rPr lang="en-US" sz="1350" dirty="0"/>
               <a:t>1 AV</a:t>
             </a:r>
-            <a:endParaRPr lang="en-US" sz="2400" dirty="0"/>
+            <a:endParaRPr lang="en-US" dirty="0"/>
           </a:p>
         </p:txBody>
       </p:sp>
@@ -3790,8 +3795,8 @@
         </p:nvSpPr>
         <p:spPr>
           <a:xfrm>
-            <a:off x="2825927" y="4023857"/>
-            <a:ext cx="1007889" cy="712991"/>
+            <a:off x="4119696" y="3017893"/>
+            <a:ext cx="755917" cy="534743"/>
           </a:xfrm>
           <a:prstGeom prst="rect">
             <a:avLst/>
@@ -3824,7 +3829,7 @@
           </a:fontRef>
         </p:style>
         <p:txBody>
-          <a:bodyPr rot="0" spcFirstLastPara="0" vertOverflow="overflow" horzOverflow="overflow" vert="horz" wrap="square" lIns="121920" tIns="60960" rIns="121920" bIns="60960" numCol="1" spcCol="0" rtlCol="0" fromWordArt="0" anchor="ctr" anchorCtr="0" forceAA="0" compatLnSpc="1">
+          <a:bodyPr rot="0" spcFirstLastPara="0" vertOverflow="overflow" horzOverflow="overflow" vert="horz" wrap="square" lIns="91440" tIns="45720" rIns="91440" bIns="45720" numCol="1" spcCol="0" rtlCol="0" fromWordArt="0" anchor="ctr" anchorCtr="0" forceAA="0" compatLnSpc="1">
             <a:prstTxWarp prst="textNoShape">
               <a:avLst/>
             </a:prstTxWarp>
@@ -3834,10 +3839,10 @@
           <a:p>
             <a:pPr algn="ctr"/>
             <a:r>
-              <a:rPr lang="en-US" dirty="0"/>
+              <a:rPr lang="en-US" sz="1350" dirty="0"/>
               <a:t>2 AVs</a:t>
             </a:r>
-            <a:endParaRPr lang="en-US" sz="2400" dirty="0"/>
+            <a:endParaRPr lang="en-US" dirty="0"/>
           </a:p>
         </p:txBody>
       </p:sp>
@@ -3855,8 +3860,8 @@
         </p:nvSpPr>
         <p:spPr>
           <a:xfrm>
-            <a:off x="1617131" y="5106250"/>
-            <a:ext cx="1007889" cy="712991"/>
+            <a:off x="3213099" y="3829688"/>
+            <a:ext cx="755917" cy="534743"/>
           </a:xfrm>
           <a:prstGeom prst="rect">
             <a:avLst/>
@@ -3889,7 +3894,7 @@
           </a:fontRef>
         </p:style>
         <p:txBody>
-          <a:bodyPr rot="0" spcFirstLastPara="0" vertOverflow="overflow" horzOverflow="overflow" vert="horz" wrap="square" lIns="121920" tIns="60960" rIns="121920" bIns="60960" numCol="1" spcCol="0" rtlCol="0" fromWordArt="0" anchor="ctr" anchorCtr="0" forceAA="0" compatLnSpc="1">
+          <a:bodyPr rot="0" spcFirstLastPara="0" vertOverflow="overflow" horzOverflow="overflow" vert="horz" wrap="square" lIns="91440" tIns="45720" rIns="91440" bIns="45720" numCol="1" spcCol="0" rtlCol="0" fromWordArt="0" anchor="ctr" anchorCtr="0" forceAA="0" compatLnSpc="1">
             <a:prstTxWarp prst="textNoShape">
               <a:avLst/>
             </a:prstTxWarp>
@@ -3899,17 +3904,17 @@
           <a:p>
             <a:pPr algn="ctr"/>
             <a:r>
-              <a:rPr lang="en-US" dirty="0"/>
+              <a:rPr lang="en-US" sz="1350" dirty="0"/>
               <a:t>2 HVs</a:t>
             </a:r>
             <a:br>
-              <a:rPr lang="en-US" dirty="0"/>
+              <a:rPr lang="en-US" sz="1350" dirty="0"/>
             </a:br>
             <a:r>
-              <a:rPr lang="en-US" dirty="0"/>
+              <a:rPr lang="en-US" sz="1350" dirty="0"/>
               <a:t>1 AV</a:t>
             </a:r>
-            <a:endParaRPr lang="en-US" sz="2400" dirty="0"/>
+            <a:endParaRPr lang="en-US" dirty="0"/>
           </a:p>
         </p:txBody>
       </p:sp>
@@ -3927,8 +3932,8 @@
         </p:nvSpPr>
         <p:spPr>
           <a:xfrm>
-            <a:off x="2861026" y="5102180"/>
-            <a:ext cx="1007889" cy="712991"/>
+            <a:off x="4146020" y="3826636"/>
+            <a:ext cx="755917" cy="534743"/>
           </a:xfrm>
           <a:prstGeom prst="rect">
             <a:avLst/>
@@ -3961,7 +3966,7 @@
           </a:fontRef>
         </p:style>
         <p:txBody>
-          <a:bodyPr rot="0" spcFirstLastPara="0" vertOverflow="overflow" horzOverflow="overflow" vert="horz" wrap="square" lIns="121920" tIns="60960" rIns="121920" bIns="60960" numCol="1" spcCol="0" rtlCol="0" fromWordArt="0" anchor="ctr" anchorCtr="0" forceAA="0" compatLnSpc="1">
+          <a:bodyPr rot="0" spcFirstLastPara="0" vertOverflow="overflow" horzOverflow="overflow" vert="horz" wrap="square" lIns="91440" tIns="45720" rIns="91440" bIns="45720" numCol="1" spcCol="0" rtlCol="0" fromWordArt="0" anchor="ctr" anchorCtr="0" forceAA="0" compatLnSpc="1">
             <a:prstTxWarp prst="textNoShape">
               <a:avLst/>
             </a:prstTxWarp>
@@ -3971,17 +3976,17 @@
           <a:p>
             <a:pPr algn="ctr"/>
             <a:r>
-              <a:rPr lang="en-US" dirty="0"/>
+              <a:rPr lang="en-US" sz="1350" dirty="0"/>
               <a:t>1 HV</a:t>
             </a:r>
             <a:br>
-              <a:rPr lang="en-US" dirty="0"/>
+              <a:rPr lang="en-US" sz="1350" dirty="0"/>
             </a:br>
             <a:r>
-              <a:rPr lang="en-US" dirty="0"/>
+              <a:rPr lang="en-US" sz="1350" dirty="0"/>
               <a:t>2 AVs</a:t>
             </a:r>
-            <a:endParaRPr lang="en-US" sz="2400" dirty="0"/>
+            <a:endParaRPr lang="en-US" dirty="0"/>
           </a:p>
         </p:txBody>
       </p:sp>
@@ -3999,8 +4004,8 @@
         </p:nvSpPr>
         <p:spPr>
           <a:xfrm>
-            <a:off x="4063821" y="5102179"/>
-            <a:ext cx="1007889" cy="712991"/>
+            <a:off x="5048116" y="3826635"/>
+            <a:ext cx="755917" cy="534743"/>
           </a:xfrm>
           <a:prstGeom prst="rect">
             <a:avLst/>
@@ -4033,7 +4038,7 @@
           </a:fontRef>
         </p:style>
         <p:txBody>
-          <a:bodyPr rot="0" spcFirstLastPara="0" vertOverflow="overflow" horzOverflow="overflow" vert="horz" wrap="square" lIns="121920" tIns="60960" rIns="121920" bIns="60960" numCol="1" spcCol="0" rtlCol="0" fromWordArt="0" anchor="ctr" anchorCtr="0" forceAA="0" compatLnSpc="1">
+          <a:bodyPr rot="0" spcFirstLastPara="0" vertOverflow="overflow" horzOverflow="overflow" vert="horz" wrap="square" lIns="91440" tIns="45720" rIns="91440" bIns="45720" numCol="1" spcCol="0" rtlCol="0" fromWordArt="0" anchor="ctr" anchorCtr="0" forceAA="0" compatLnSpc="1">
             <a:prstTxWarp prst="textNoShape">
               <a:avLst/>
             </a:prstTxWarp>
@@ -4043,10 +4048,10 @@
           <a:p>
             <a:pPr algn="ctr"/>
             <a:r>
-              <a:rPr lang="en-US" dirty="0"/>
+              <a:rPr lang="en-US" sz="1350" dirty="0"/>
               <a:t>3 AVs</a:t>
             </a:r>
-            <a:endParaRPr lang="en-US" sz="2400" dirty="0"/>
+            <a:endParaRPr lang="en-US" dirty="0"/>
           </a:p>
         </p:txBody>
       </p:sp>
@@ -4068,8 +4073,8 @@
         </p:nvCxnSpPr>
         <p:spPr>
           <a:xfrm rot="16200000" flipH="1" flipV="1">
-            <a:off x="3334630" y="-636792"/>
-            <a:ext cx="2" cy="4914900"/>
+            <a:off x="4501222" y="-477594"/>
+            <a:ext cx="2" cy="3686175"/>
           </a:xfrm>
           <a:prstGeom prst="bentConnector3">
             <a:avLst>
@@ -4110,8 +4115,8 @@
         </p:nvCxnSpPr>
         <p:spPr>
           <a:xfrm rot="16200000" flipH="1" flipV="1">
-            <a:off x="3334630" y="591933"/>
-            <a:ext cx="1" cy="2457450"/>
+            <a:off x="4501223" y="443950"/>
+            <a:ext cx="1" cy="1843088"/>
           </a:xfrm>
           <a:prstGeom prst="bentConnector3">
             <a:avLst>
@@ -4152,8 +4157,8 @@
         </p:nvCxnSpPr>
         <p:spPr>
           <a:xfrm flipV="1">
-            <a:off x="3334631" y="1283185"/>
-            <a:ext cx="0" cy="537474"/>
+            <a:off x="4501223" y="962389"/>
+            <a:ext cx="0" cy="403106"/>
           </a:xfrm>
           <a:prstGeom prst="straightConnector1">
             <a:avLst/>
@@ -4192,8 +4197,8 @@
         </p:nvCxnSpPr>
         <p:spPr>
           <a:xfrm rot="5400000" flipH="1" flipV="1">
-            <a:off x="1498912" y="1911916"/>
-            <a:ext cx="3671436" cy="4914901"/>
+            <a:off x="3124434" y="1433937"/>
+            <a:ext cx="2753577" cy="3686176"/>
           </a:xfrm>
           <a:prstGeom prst="bentConnector3">
             <a:avLst>
@@ -4234,8 +4239,8 @@
         </p:nvCxnSpPr>
         <p:spPr>
           <a:xfrm flipV="1">
-            <a:off x="2101147" y="2533650"/>
-            <a:ext cx="4759" cy="374934"/>
+            <a:off x="3576111" y="1900237"/>
+            <a:ext cx="3569" cy="281201"/>
           </a:xfrm>
           <a:prstGeom prst="straightConnector1">
             <a:avLst/>
@@ -4274,8 +4279,8 @@
         </p:nvCxnSpPr>
         <p:spPr>
           <a:xfrm rot="5400000" flipH="1" flipV="1">
-            <a:off x="1483710" y="2302055"/>
-            <a:ext cx="10908" cy="1223966"/>
+            <a:off x="3113033" y="1726541"/>
+            <a:ext cx="8181" cy="917975"/>
           </a:xfrm>
           <a:prstGeom prst="bentConnector3">
             <a:avLst>
@@ -4316,8 +4321,8 @@
         </p:nvCxnSpPr>
         <p:spPr>
           <a:xfrm flipV="1">
-            <a:off x="3329872" y="2533650"/>
-            <a:ext cx="4759" cy="1490207"/>
+            <a:off x="4497655" y="1900238"/>
+            <a:ext cx="3569" cy="1117655"/>
           </a:xfrm>
           <a:prstGeom prst="straightConnector1">
             <a:avLst/>
@@ -4356,8 +4361,8 @@
         </p:nvCxnSpPr>
         <p:spPr>
           <a:xfrm rot="5400000" flipH="1" flipV="1">
-            <a:off x="1977932" y="2661625"/>
-            <a:ext cx="1484673" cy="1228725"/>
+            <a:off x="3483699" y="1996219"/>
+            <a:ext cx="1113505" cy="921544"/>
           </a:xfrm>
           <a:prstGeom prst="bentConnector3">
             <a:avLst>
@@ -4398,8 +4403,8 @@
         </p:nvCxnSpPr>
         <p:spPr>
           <a:xfrm rot="5400000" flipH="1" flipV="1">
-            <a:off x="1369022" y="2041809"/>
-            <a:ext cx="1473768" cy="2457450"/>
+            <a:off x="3027017" y="1531357"/>
+            <a:ext cx="1105326" cy="1843088"/>
           </a:xfrm>
           <a:prstGeom prst="bentConnector3">
             <a:avLst>
@@ -4438,8 +4443,8 @@
         </p:nvCxnSpPr>
         <p:spPr>
           <a:xfrm rot="5400000" flipH="1" flipV="1">
-            <a:off x="1433968" y="1976863"/>
-            <a:ext cx="2572602" cy="3686175"/>
+            <a:off x="3075726" y="1482648"/>
+            <a:ext cx="1929452" cy="2764631"/>
           </a:xfrm>
           <a:prstGeom prst="bentConnector3">
             <a:avLst>
@@ -4480,8 +4485,8 @@
         </p:nvCxnSpPr>
         <p:spPr>
           <a:xfrm rot="5400000" flipH="1" flipV="1">
-            <a:off x="2055916" y="2598810"/>
-            <a:ext cx="2572601" cy="2442280"/>
+            <a:off x="3542187" y="1949108"/>
+            <a:ext cx="1929451" cy="1831710"/>
           </a:xfrm>
           <a:prstGeom prst="bentConnector3">
             <a:avLst>
@@ -4522,8 +4527,8 @@
         </p:nvCxnSpPr>
         <p:spPr>
           <a:xfrm rot="5400000" flipH="1" flipV="1">
-            <a:off x="2679898" y="3218723"/>
-            <a:ext cx="2568531" cy="1198385"/>
+            <a:off x="4010174" y="2414043"/>
+            <a:ext cx="1926398" cy="898789"/>
           </a:xfrm>
           <a:prstGeom prst="bentConnector3">
             <a:avLst>
@@ -4564,8 +4569,8 @@
         </p:nvCxnSpPr>
         <p:spPr>
           <a:xfrm flipH="1" flipV="1">
-            <a:off x="4563356" y="2533649"/>
-            <a:ext cx="4410" cy="2568530"/>
+            <a:off x="5422767" y="1900237"/>
+            <a:ext cx="3308" cy="1926398"/>
           </a:xfrm>
           <a:prstGeom prst="straightConnector1">
             <a:avLst/>
@@ -4590,6 +4595,3986 @@
     <p:extLst>
       <p:ext uri="{BB962C8B-B14F-4D97-AF65-F5344CB8AC3E}">
         <p14:creationId xmlns:p14="http://schemas.microsoft.com/office/powerpoint/2010/main" val="1716217472"/>
+      </p:ext>
+    </p:extLst>
+  </p:cSld>
+  <p:clrMapOvr>
+    <a:masterClrMapping/>
+  </p:clrMapOvr>
+</p:sld>
+</file>
+
+<file path=ppt/slides/slide2.xml><?xml version="1.0" encoding="utf-8"?>
+<p:sld xmlns:a="http://schemas.openxmlformats.org/drawingml/2006/main" xmlns:r="http://schemas.openxmlformats.org/officeDocument/2006/relationships" xmlns:p="http://schemas.openxmlformats.org/presentationml/2006/main">
+  <p:cSld>
+    <p:spTree>
+      <p:nvGrpSpPr>
+        <p:cNvPr id="1" name=""/>
+        <p:cNvGrpSpPr/>
+        <p:nvPr/>
+      </p:nvGrpSpPr>
+      <p:grpSpPr>
+        <a:xfrm>
+          <a:off x="0" y="0"/>
+          <a:ext cx="0" cy="0"/>
+          <a:chOff x="0" y="0"/>
+          <a:chExt cx="0" cy="0"/>
+        </a:xfrm>
+      </p:grpSpPr>
+      <p:sp>
+        <p:nvSpPr>
+          <p:cNvPr id="4" name="Rectangle 3">
+            <a:extLst>
+              <a:ext uri="{FF2B5EF4-FFF2-40B4-BE49-F238E27FC236}">
+                <a16:creationId xmlns:a16="http://schemas.microsoft.com/office/drawing/2014/main" id="{FABCD366-BE2E-4337-86DF-5C4EC3A31755}"/>
+              </a:ext>
+            </a:extLst>
+          </p:cNvPr>
+          <p:cNvSpPr/>
+          <p:nvPr/>
+        </p:nvSpPr>
+        <p:spPr>
+          <a:xfrm>
+            <a:off x="4160520" y="311368"/>
+            <a:ext cx="822960" cy="411480"/>
+          </a:xfrm>
+          <a:prstGeom prst="rect">
+            <a:avLst/>
+          </a:prstGeom>
+          <a:solidFill>
+            <a:schemeClr val="bg1">
+              <a:lumMod val="50000"/>
+            </a:schemeClr>
+          </a:solidFill>
+          <a:ln>
+            <a:solidFill>
+              <a:schemeClr val="bg1">
+                <a:lumMod val="65000"/>
+              </a:schemeClr>
+            </a:solidFill>
+          </a:ln>
+        </p:spPr>
+        <p:style>
+          <a:lnRef idx="2">
+            <a:schemeClr val="accent1">
+              <a:shade val="50000"/>
+            </a:schemeClr>
+          </a:lnRef>
+          <a:fillRef idx="1">
+            <a:schemeClr val="accent1"/>
+          </a:fillRef>
+          <a:effectRef idx="0">
+            <a:schemeClr val="accent1"/>
+          </a:effectRef>
+          <a:fontRef idx="minor">
+            <a:schemeClr val="lt1"/>
+          </a:fontRef>
+        </p:style>
+        <p:txBody>
+          <a:bodyPr rot="0" spcFirstLastPara="0" vertOverflow="overflow" horzOverflow="overflow" vert="horz" wrap="square" lIns="91440" tIns="45720" rIns="91440" bIns="45720" numCol="1" spcCol="0" rtlCol="0" fromWordArt="0" anchor="ctr" anchorCtr="0" forceAA="0" compatLnSpc="1">
+            <a:prstTxWarp prst="textNoShape">
+              <a:avLst/>
+            </a:prstTxWarp>
+            <a:noAutofit/>
+          </a:bodyPr>
+          <a:lstStyle/>
+          <a:p>
+            <a:pPr algn="ctr"/>
+            <a:r>
+              <a:rPr lang="en-US" sz="1100" b="1" dirty="0"/>
+              <a:t>Choice</a:t>
+            </a:r>
+          </a:p>
+        </p:txBody>
+      </p:sp>
+      <p:sp>
+        <p:nvSpPr>
+          <p:cNvPr id="5" name="Rectangle 4">
+            <a:extLst>
+              <a:ext uri="{FF2B5EF4-FFF2-40B4-BE49-F238E27FC236}">
+                <a16:creationId xmlns:a16="http://schemas.microsoft.com/office/drawing/2014/main" id="{688C0085-4899-444D-A27F-6BF53F428600}"/>
+              </a:ext>
+            </a:extLst>
+          </p:cNvPr>
+          <p:cNvSpPr/>
+          <p:nvPr/>
+        </p:nvSpPr>
+        <p:spPr>
+          <a:xfrm>
+            <a:off x="865713" y="1134347"/>
+            <a:ext cx="870367" cy="411480"/>
+          </a:xfrm>
+          <a:prstGeom prst="rect">
+            <a:avLst/>
+          </a:prstGeom>
+          <a:solidFill>
+            <a:schemeClr val="accent2"/>
+          </a:solidFill>
+          <a:ln>
+            <a:solidFill>
+              <a:schemeClr val="bg1">
+                <a:lumMod val="65000"/>
+              </a:schemeClr>
+            </a:solidFill>
+          </a:ln>
+        </p:spPr>
+        <p:style>
+          <a:lnRef idx="2">
+            <a:schemeClr val="accent1">
+              <a:shade val="50000"/>
+            </a:schemeClr>
+          </a:lnRef>
+          <a:fillRef idx="1">
+            <a:schemeClr val="accent1"/>
+          </a:fillRef>
+          <a:effectRef idx="0">
+            <a:schemeClr val="accent1"/>
+          </a:effectRef>
+          <a:fontRef idx="minor">
+            <a:schemeClr val="lt1"/>
+          </a:fontRef>
+        </p:style>
+        <p:txBody>
+          <a:bodyPr rot="0" spcFirstLastPara="0" vertOverflow="overflow" horzOverflow="overflow" vert="horz" wrap="square" lIns="91440" tIns="45720" rIns="91440" bIns="45720" numCol="1" spcCol="0" rtlCol="0" fromWordArt="0" anchor="ctr" anchorCtr="0" forceAA="0" compatLnSpc="1">
+            <a:prstTxWarp prst="textNoShape">
+              <a:avLst/>
+            </a:prstTxWarp>
+            <a:noAutofit/>
+          </a:bodyPr>
+          <a:lstStyle/>
+          <a:p>
+            <a:pPr algn="ctr"/>
+            <a:r>
+              <a:rPr lang="en-US" sz="1100" b="1" dirty="0"/>
+              <a:t>Auto</a:t>
+            </a:r>
+          </a:p>
+        </p:txBody>
+      </p:sp>
+      <p:sp>
+        <p:nvSpPr>
+          <p:cNvPr id="6" name="Rectangle 5">
+            <a:extLst>
+              <a:ext uri="{FF2B5EF4-FFF2-40B4-BE49-F238E27FC236}">
+                <a16:creationId xmlns:a16="http://schemas.microsoft.com/office/drawing/2014/main" id="{15EC10FC-6DD5-4EC5-82C7-24C878CA980B}"/>
+              </a:ext>
+            </a:extLst>
+          </p:cNvPr>
+          <p:cNvSpPr/>
+          <p:nvPr/>
+        </p:nvSpPr>
+        <p:spPr>
+          <a:xfrm>
+            <a:off x="3047437" y="1134347"/>
+            <a:ext cx="870367" cy="411480"/>
+          </a:xfrm>
+          <a:prstGeom prst="rect">
+            <a:avLst/>
+          </a:prstGeom>
+          <a:solidFill>
+            <a:schemeClr val="accent4"/>
+          </a:solidFill>
+          <a:ln>
+            <a:solidFill>
+              <a:schemeClr val="bg1">
+                <a:lumMod val="65000"/>
+              </a:schemeClr>
+            </a:solidFill>
+          </a:ln>
+        </p:spPr>
+        <p:style>
+          <a:lnRef idx="2">
+            <a:schemeClr val="accent1">
+              <a:shade val="50000"/>
+            </a:schemeClr>
+          </a:lnRef>
+          <a:fillRef idx="1">
+            <a:schemeClr val="accent1"/>
+          </a:fillRef>
+          <a:effectRef idx="0">
+            <a:schemeClr val="accent1"/>
+          </a:effectRef>
+          <a:fontRef idx="minor">
+            <a:schemeClr val="lt1"/>
+          </a:fontRef>
+        </p:style>
+        <p:txBody>
+          <a:bodyPr rot="0" spcFirstLastPara="0" vertOverflow="overflow" horzOverflow="overflow" vert="horz" wrap="square" lIns="91440" tIns="45720" rIns="91440" bIns="45720" numCol="1" spcCol="0" rtlCol="0" fromWordArt="0" anchor="ctr" anchorCtr="0" forceAA="0" compatLnSpc="1">
+            <a:prstTxWarp prst="textNoShape">
+              <a:avLst/>
+            </a:prstTxWarp>
+            <a:noAutofit/>
+          </a:bodyPr>
+          <a:lstStyle/>
+          <a:p>
+            <a:pPr algn="ctr"/>
+            <a:r>
+              <a:rPr lang="en-US" sz="1100" b="1" dirty="0"/>
+              <a:t>Non-Motorized</a:t>
+            </a:r>
+          </a:p>
+        </p:txBody>
+      </p:sp>
+      <p:sp>
+        <p:nvSpPr>
+          <p:cNvPr id="7" name="Rectangle 6">
+            <a:extLst>
+              <a:ext uri="{FF2B5EF4-FFF2-40B4-BE49-F238E27FC236}">
+                <a16:creationId xmlns:a16="http://schemas.microsoft.com/office/drawing/2014/main" id="{C3B1953F-B849-423C-9976-84E6F841F08D}"/>
+              </a:ext>
+            </a:extLst>
+          </p:cNvPr>
+          <p:cNvSpPr/>
+          <p:nvPr/>
+        </p:nvSpPr>
+        <p:spPr>
+          <a:xfrm>
+            <a:off x="5044879" y="1134347"/>
+            <a:ext cx="870367" cy="411480"/>
+          </a:xfrm>
+          <a:prstGeom prst="rect">
+            <a:avLst/>
+          </a:prstGeom>
+          <a:solidFill>
+            <a:schemeClr val="accent6"/>
+          </a:solidFill>
+          <a:ln>
+            <a:solidFill>
+              <a:schemeClr val="bg1">
+                <a:lumMod val="65000"/>
+              </a:schemeClr>
+            </a:solidFill>
+          </a:ln>
+        </p:spPr>
+        <p:style>
+          <a:lnRef idx="2">
+            <a:schemeClr val="accent1">
+              <a:shade val="50000"/>
+            </a:schemeClr>
+          </a:lnRef>
+          <a:fillRef idx="1">
+            <a:schemeClr val="accent1"/>
+          </a:fillRef>
+          <a:effectRef idx="0">
+            <a:schemeClr val="accent1"/>
+          </a:effectRef>
+          <a:fontRef idx="minor">
+            <a:schemeClr val="lt1"/>
+          </a:fontRef>
+        </p:style>
+        <p:txBody>
+          <a:bodyPr rot="0" spcFirstLastPara="0" vertOverflow="overflow" horzOverflow="overflow" vert="horz" wrap="square" lIns="91440" tIns="45720" rIns="91440" bIns="45720" numCol="1" spcCol="0" rtlCol="0" fromWordArt="0" anchor="ctr" anchorCtr="0" forceAA="0" compatLnSpc="1">
+            <a:prstTxWarp prst="textNoShape">
+              <a:avLst/>
+            </a:prstTxWarp>
+            <a:noAutofit/>
+          </a:bodyPr>
+          <a:lstStyle/>
+          <a:p>
+            <a:pPr algn="ctr"/>
+            <a:r>
+              <a:rPr lang="en-US" sz="1100" b="1" dirty="0"/>
+              <a:t>Transit</a:t>
+            </a:r>
+          </a:p>
+        </p:txBody>
+      </p:sp>
+      <p:sp>
+        <p:nvSpPr>
+          <p:cNvPr id="8" name="Rectangle 7">
+            <a:extLst>
+              <a:ext uri="{FF2B5EF4-FFF2-40B4-BE49-F238E27FC236}">
+                <a16:creationId xmlns:a16="http://schemas.microsoft.com/office/drawing/2014/main" id="{2981287A-56BA-4660-AC35-9C0A0CD0E976}"/>
+              </a:ext>
+            </a:extLst>
+          </p:cNvPr>
+          <p:cNvSpPr/>
+          <p:nvPr/>
+        </p:nvSpPr>
+        <p:spPr>
+          <a:xfrm>
+            <a:off x="7469187" y="1135219"/>
+            <a:ext cx="870367" cy="411480"/>
+          </a:xfrm>
+          <a:prstGeom prst="rect">
+            <a:avLst/>
+          </a:prstGeom>
+          <a:solidFill>
+            <a:schemeClr val="accent5"/>
+          </a:solidFill>
+          <a:ln>
+            <a:solidFill>
+              <a:schemeClr val="bg1">
+                <a:lumMod val="65000"/>
+              </a:schemeClr>
+            </a:solidFill>
+          </a:ln>
+        </p:spPr>
+        <p:style>
+          <a:lnRef idx="2">
+            <a:schemeClr val="accent1">
+              <a:shade val="50000"/>
+            </a:schemeClr>
+          </a:lnRef>
+          <a:fillRef idx="1">
+            <a:schemeClr val="accent1"/>
+          </a:fillRef>
+          <a:effectRef idx="0">
+            <a:schemeClr val="accent1"/>
+          </a:effectRef>
+          <a:fontRef idx="minor">
+            <a:schemeClr val="lt1"/>
+          </a:fontRef>
+        </p:style>
+        <p:txBody>
+          <a:bodyPr rot="0" spcFirstLastPara="0" vertOverflow="overflow" horzOverflow="overflow" vert="horz" wrap="square" lIns="91440" tIns="45720" rIns="91440" bIns="45720" numCol="1" spcCol="0" rtlCol="0" fromWordArt="0" anchor="ctr" anchorCtr="0" forceAA="0" compatLnSpc="1">
+            <a:prstTxWarp prst="textNoShape">
+              <a:avLst/>
+            </a:prstTxWarp>
+            <a:noAutofit/>
+          </a:bodyPr>
+          <a:lstStyle/>
+          <a:p>
+            <a:pPr algn="ctr"/>
+            <a:r>
+              <a:rPr lang="en-US" sz="1050" b="1" dirty="0"/>
+              <a:t>Ride-Hail</a:t>
+            </a:r>
+          </a:p>
+        </p:txBody>
+      </p:sp>
+      <p:sp>
+        <p:nvSpPr>
+          <p:cNvPr id="9" name="Rectangle 8">
+            <a:extLst>
+              <a:ext uri="{FF2B5EF4-FFF2-40B4-BE49-F238E27FC236}">
+                <a16:creationId xmlns:a16="http://schemas.microsoft.com/office/drawing/2014/main" id="{6C391630-0FBB-48CF-A2AB-F5EADE7007A2}"/>
+              </a:ext>
+            </a:extLst>
+          </p:cNvPr>
+          <p:cNvSpPr/>
+          <p:nvPr/>
+        </p:nvSpPr>
+        <p:spPr>
+          <a:xfrm>
+            <a:off x="132047" y="1868751"/>
+            <a:ext cx="731520" cy="457200"/>
+          </a:xfrm>
+          <a:prstGeom prst="rect">
+            <a:avLst/>
+          </a:prstGeom>
+          <a:solidFill>
+            <a:schemeClr val="accent2"/>
+          </a:solidFill>
+          <a:ln>
+            <a:solidFill>
+              <a:schemeClr val="bg1">
+                <a:lumMod val="65000"/>
+              </a:schemeClr>
+            </a:solidFill>
+          </a:ln>
+        </p:spPr>
+        <p:style>
+          <a:lnRef idx="2">
+            <a:schemeClr val="accent1">
+              <a:shade val="50000"/>
+            </a:schemeClr>
+          </a:lnRef>
+          <a:fillRef idx="1">
+            <a:schemeClr val="accent1"/>
+          </a:fillRef>
+          <a:effectRef idx="0">
+            <a:schemeClr val="accent1"/>
+          </a:effectRef>
+          <a:fontRef idx="minor">
+            <a:schemeClr val="lt1"/>
+          </a:fontRef>
+        </p:style>
+        <p:txBody>
+          <a:bodyPr rot="0" spcFirstLastPara="0" vertOverflow="overflow" horzOverflow="overflow" vert="horz" wrap="square" lIns="91440" tIns="45720" rIns="91440" bIns="45720" numCol="1" spcCol="0" rtlCol="0" fromWordArt="0" anchor="ctr" anchorCtr="0" forceAA="0" compatLnSpc="1">
+            <a:prstTxWarp prst="textNoShape">
+              <a:avLst/>
+            </a:prstTxWarp>
+            <a:noAutofit/>
+          </a:bodyPr>
+          <a:lstStyle/>
+          <a:p>
+            <a:pPr algn="ctr"/>
+            <a:r>
+              <a:rPr lang="en-US" sz="1050" dirty="0"/>
+              <a:t>Drive Alone</a:t>
+            </a:r>
+          </a:p>
+        </p:txBody>
+      </p:sp>
+      <p:sp>
+        <p:nvSpPr>
+          <p:cNvPr id="10" name="Rectangle 9">
+            <a:extLst>
+              <a:ext uri="{FF2B5EF4-FFF2-40B4-BE49-F238E27FC236}">
+                <a16:creationId xmlns:a16="http://schemas.microsoft.com/office/drawing/2014/main" id="{912A61A4-DE5E-4382-B904-1A45BAB02B53}"/>
+              </a:ext>
+            </a:extLst>
+          </p:cNvPr>
+          <p:cNvSpPr/>
+          <p:nvPr/>
+        </p:nvSpPr>
+        <p:spPr>
+          <a:xfrm>
+            <a:off x="934775" y="1868751"/>
+            <a:ext cx="731520" cy="457200"/>
+          </a:xfrm>
+          <a:prstGeom prst="rect">
+            <a:avLst/>
+          </a:prstGeom>
+          <a:solidFill>
+            <a:schemeClr val="accent2"/>
+          </a:solidFill>
+          <a:ln>
+            <a:solidFill>
+              <a:schemeClr val="bg1">
+                <a:lumMod val="65000"/>
+              </a:schemeClr>
+            </a:solidFill>
+          </a:ln>
+        </p:spPr>
+        <p:style>
+          <a:lnRef idx="2">
+            <a:schemeClr val="accent1">
+              <a:shade val="50000"/>
+            </a:schemeClr>
+          </a:lnRef>
+          <a:fillRef idx="1">
+            <a:schemeClr val="accent1"/>
+          </a:fillRef>
+          <a:effectRef idx="0">
+            <a:schemeClr val="accent1"/>
+          </a:effectRef>
+          <a:fontRef idx="minor">
+            <a:schemeClr val="lt1"/>
+          </a:fontRef>
+        </p:style>
+        <p:txBody>
+          <a:bodyPr rot="0" spcFirstLastPara="0" vertOverflow="overflow" horzOverflow="overflow" vert="horz" wrap="square" lIns="91440" tIns="45720" rIns="91440" bIns="45720" numCol="1" spcCol="0" rtlCol="0" fromWordArt="0" anchor="ctr" anchorCtr="0" forceAA="0" compatLnSpc="1">
+            <a:prstTxWarp prst="textNoShape">
+              <a:avLst/>
+            </a:prstTxWarp>
+            <a:noAutofit/>
+          </a:bodyPr>
+          <a:lstStyle/>
+          <a:p>
+            <a:pPr algn="ctr"/>
+            <a:r>
+              <a:rPr lang="en-US" sz="1050" dirty="0"/>
+              <a:t>Shared Ride 2</a:t>
+            </a:r>
+          </a:p>
+        </p:txBody>
+      </p:sp>
+      <p:sp>
+        <p:nvSpPr>
+          <p:cNvPr id="12" name="Rectangle 11">
+            <a:extLst>
+              <a:ext uri="{FF2B5EF4-FFF2-40B4-BE49-F238E27FC236}">
+                <a16:creationId xmlns:a16="http://schemas.microsoft.com/office/drawing/2014/main" id="{1F1EBE27-767F-40CE-A979-33D78DD7EEED}"/>
+              </a:ext>
+            </a:extLst>
+          </p:cNvPr>
+          <p:cNvSpPr/>
+          <p:nvPr/>
+        </p:nvSpPr>
+        <p:spPr>
+          <a:xfrm>
+            <a:off x="1740853" y="1870602"/>
+            <a:ext cx="731520" cy="457200"/>
+          </a:xfrm>
+          <a:prstGeom prst="rect">
+            <a:avLst/>
+          </a:prstGeom>
+          <a:solidFill>
+            <a:schemeClr val="accent2"/>
+          </a:solidFill>
+          <a:ln>
+            <a:solidFill>
+              <a:schemeClr val="bg1">
+                <a:lumMod val="65000"/>
+              </a:schemeClr>
+            </a:solidFill>
+          </a:ln>
+        </p:spPr>
+        <p:style>
+          <a:lnRef idx="2">
+            <a:schemeClr val="accent1">
+              <a:shade val="50000"/>
+            </a:schemeClr>
+          </a:lnRef>
+          <a:fillRef idx="1">
+            <a:schemeClr val="accent1"/>
+          </a:fillRef>
+          <a:effectRef idx="0">
+            <a:schemeClr val="accent1"/>
+          </a:effectRef>
+          <a:fontRef idx="minor">
+            <a:schemeClr val="lt1"/>
+          </a:fontRef>
+        </p:style>
+        <p:txBody>
+          <a:bodyPr rot="0" spcFirstLastPara="0" vertOverflow="overflow" horzOverflow="overflow" vert="horz" wrap="square" lIns="91440" tIns="45720" rIns="91440" bIns="45720" numCol="1" spcCol="0" rtlCol="0" fromWordArt="0" anchor="ctr" anchorCtr="0" forceAA="0" compatLnSpc="1">
+            <a:prstTxWarp prst="textNoShape">
+              <a:avLst/>
+            </a:prstTxWarp>
+            <a:noAutofit/>
+          </a:bodyPr>
+          <a:lstStyle/>
+          <a:p>
+            <a:pPr algn="ctr"/>
+            <a:r>
+              <a:rPr lang="en-US" sz="1050" dirty="0"/>
+              <a:t>Shared Ride 3+</a:t>
+            </a:r>
+          </a:p>
+        </p:txBody>
+      </p:sp>
+      <p:sp>
+        <p:nvSpPr>
+          <p:cNvPr id="13" name="Rectangle 12">
+            <a:extLst>
+              <a:ext uri="{FF2B5EF4-FFF2-40B4-BE49-F238E27FC236}">
+                <a16:creationId xmlns:a16="http://schemas.microsoft.com/office/drawing/2014/main" id="{B5BC83C5-A48B-4697-BD70-0CC106B58FBF}"/>
+              </a:ext>
+            </a:extLst>
+          </p:cNvPr>
+          <p:cNvSpPr/>
+          <p:nvPr/>
+        </p:nvSpPr>
+        <p:spPr>
+          <a:xfrm>
+            <a:off x="2735875" y="1870602"/>
+            <a:ext cx="731520" cy="457200"/>
+          </a:xfrm>
+          <a:prstGeom prst="rect">
+            <a:avLst/>
+          </a:prstGeom>
+          <a:solidFill>
+            <a:schemeClr val="accent4"/>
+          </a:solidFill>
+          <a:ln>
+            <a:solidFill>
+              <a:schemeClr val="bg1">
+                <a:lumMod val="65000"/>
+              </a:schemeClr>
+            </a:solidFill>
+          </a:ln>
+        </p:spPr>
+        <p:style>
+          <a:lnRef idx="2">
+            <a:schemeClr val="accent1">
+              <a:shade val="50000"/>
+            </a:schemeClr>
+          </a:lnRef>
+          <a:fillRef idx="1">
+            <a:schemeClr val="accent1"/>
+          </a:fillRef>
+          <a:effectRef idx="0">
+            <a:schemeClr val="accent1"/>
+          </a:effectRef>
+          <a:fontRef idx="minor">
+            <a:schemeClr val="lt1"/>
+          </a:fontRef>
+        </p:style>
+        <p:txBody>
+          <a:bodyPr rot="0" spcFirstLastPara="0" vertOverflow="overflow" horzOverflow="overflow" vert="horz" wrap="square" lIns="91440" tIns="45720" rIns="91440" bIns="45720" numCol="1" spcCol="0" rtlCol="0" fromWordArt="0" anchor="ctr" anchorCtr="0" forceAA="0" compatLnSpc="1">
+            <a:prstTxWarp prst="textNoShape">
+              <a:avLst/>
+            </a:prstTxWarp>
+            <a:noAutofit/>
+          </a:bodyPr>
+          <a:lstStyle/>
+          <a:p>
+            <a:pPr algn="ctr"/>
+            <a:r>
+              <a:rPr lang="en-US" sz="1050" dirty="0"/>
+              <a:t>Walk</a:t>
+            </a:r>
+          </a:p>
+        </p:txBody>
+      </p:sp>
+      <p:sp>
+        <p:nvSpPr>
+          <p:cNvPr id="14" name="Rectangle 13">
+            <a:extLst>
+              <a:ext uri="{FF2B5EF4-FFF2-40B4-BE49-F238E27FC236}">
+                <a16:creationId xmlns:a16="http://schemas.microsoft.com/office/drawing/2014/main" id="{F06DB80B-5D75-4C5D-8FB3-79E6AEE121EB}"/>
+              </a:ext>
+            </a:extLst>
+          </p:cNvPr>
+          <p:cNvSpPr/>
+          <p:nvPr/>
+        </p:nvSpPr>
+        <p:spPr>
+          <a:xfrm>
+            <a:off x="3552044" y="1868751"/>
+            <a:ext cx="731520" cy="457200"/>
+          </a:xfrm>
+          <a:prstGeom prst="rect">
+            <a:avLst/>
+          </a:prstGeom>
+          <a:solidFill>
+            <a:schemeClr val="accent4"/>
+          </a:solidFill>
+          <a:ln>
+            <a:solidFill>
+              <a:schemeClr val="bg1">
+                <a:lumMod val="65000"/>
+              </a:schemeClr>
+            </a:solidFill>
+          </a:ln>
+        </p:spPr>
+        <p:style>
+          <a:lnRef idx="2">
+            <a:schemeClr val="accent1">
+              <a:shade val="50000"/>
+            </a:schemeClr>
+          </a:lnRef>
+          <a:fillRef idx="1">
+            <a:schemeClr val="accent1"/>
+          </a:fillRef>
+          <a:effectRef idx="0">
+            <a:schemeClr val="accent1"/>
+          </a:effectRef>
+          <a:fontRef idx="minor">
+            <a:schemeClr val="lt1"/>
+          </a:fontRef>
+        </p:style>
+        <p:txBody>
+          <a:bodyPr rot="0" spcFirstLastPara="0" vertOverflow="overflow" horzOverflow="overflow" vert="horz" wrap="square" lIns="91440" tIns="45720" rIns="91440" bIns="45720" numCol="1" spcCol="0" rtlCol="0" fromWordArt="0" anchor="ctr" anchorCtr="0" forceAA="0" compatLnSpc="1">
+            <a:prstTxWarp prst="textNoShape">
+              <a:avLst/>
+            </a:prstTxWarp>
+            <a:noAutofit/>
+          </a:bodyPr>
+          <a:lstStyle/>
+          <a:p>
+            <a:pPr algn="ctr"/>
+            <a:r>
+              <a:rPr lang="en-US" sz="1050" dirty="0"/>
+              <a:t>Bike</a:t>
+            </a:r>
+          </a:p>
+        </p:txBody>
+      </p:sp>
+      <p:sp>
+        <p:nvSpPr>
+          <p:cNvPr id="15" name="Rectangle 14">
+            <a:extLst>
+              <a:ext uri="{FF2B5EF4-FFF2-40B4-BE49-F238E27FC236}">
+                <a16:creationId xmlns:a16="http://schemas.microsoft.com/office/drawing/2014/main" id="{3CA91D55-F8D1-4661-A2C6-E3B8DE082656}"/>
+              </a:ext>
+            </a:extLst>
+          </p:cNvPr>
+          <p:cNvSpPr/>
+          <p:nvPr/>
+        </p:nvSpPr>
+        <p:spPr>
+          <a:xfrm>
+            <a:off x="223489" y="2662300"/>
+            <a:ext cx="548640" cy="548640"/>
+          </a:xfrm>
+          <a:prstGeom prst="rect">
+            <a:avLst/>
+          </a:prstGeom>
+          <a:solidFill>
+            <a:schemeClr val="accent2"/>
+          </a:solidFill>
+          <a:ln>
+            <a:solidFill>
+              <a:schemeClr val="bg1">
+                <a:lumMod val="65000"/>
+              </a:schemeClr>
+            </a:solidFill>
+          </a:ln>
+        </p:spPr>
+        <p:style>
+          <a:lnRef idx="2">
+            <a:schemeClr val="accent1">
+              <a:shade val="50000"/>
+            </a:schemeClr>
+          </a:lnRef>
+          <a:fillRef idx="1">
+            <a:schemeClr val="accent1"/>
+          </a:fillRef>
+          <a:effectRef idx="0">
+            <a:schemeClr val="accent1"/>
+          </a:effectRef>
+          <a:fontRef idx="minor">
+            <a:schemeClr val="lt1"/>
+          </a:fontRef>
+        </p:style>
+        <p:txBody>
+          <a:bodyPr rot="0" spcFirstLastPara="0" vertOverflow="overflow" horzOverflow="overflow" vert="horz" wrap="square" lIns="91440" tIns="45720" rIns="91440" bIns="45720" numCol="1" spcCol="0" rtlCol="0" fromWordArt="0" anchor="ctr" anchorCtr="0" forceAA="0" compatLnSpc="1">
+            <a:prstTxWarp prst="textNoShape">
+              <a:avLst/>
+            </a:prstTxWarp>
+            <a:noAutofit/>
+          </a:bodyPr>
+          <a:lstStyle/>
+          <a:p>
+            <a:pPr algn="ctr"/>
+            <a:r>
+              <a:rPr lang="en-US" sz="1000" dirty="0"/>
+              <a:t>Drive Alone Free</a:t>
+            </a:r>
+          </a:p>
+        </p:txBody>
+      </p:sp>
+      <p:sp>
+        <p:nvSpPr>
+          <p:cNvPr id="16" name="Rectangle 15">
+            <a:extLst>
+              <a:ext uri="{FF2B5EF4-FFF2-40B4-BE49-F238E27FC236}">
+                <a16:creationId xmlns:a16="http://schemas.microsoft.com/office/drawing/2014/main" id="{E8C56CAA-8734-46EF-8D32-6D84BD587CB8}"/>
+              </a:ext>
+            </a:extLst>
+          </p:cNvPr>
+          <p:cNvSpPr/>
+          <p:nvPr/>
+        </p:nvSpPr>
+        <p:spPr>
+          <a:xfrm>
+            <a:off x="223489" y="3323681"/>
+            <a:ext cx="548640" cy="548640"/>
+          </a:xfrm>
+          <a:prstGeom prst="rect">
+            <a:avLst/>
+          </a:prstGeom>
+          <a:solidFill>
+            <a:schemeClr val="accent2"/>
+          </a:solidFill>
+          <a:ln>
+            <a:solidFill>
+              <a:schemeClr val="bg1">
+                <a:lumMod val="65000"/>
+              </a:schemeClr>
+            </a:solidFill>
+          </a:ln>
+        </p:spPr>
+        <p:style>
+          <a:lnRef idx="2">
+            <a:schemeClr val="accent1">
+              <a:shade val="50000"/>
+            </a:schemeClr>
+          </a:lnRef>
+          <a:fillRef idx="1">
+            <a:schemeClr val="accent1"/>
+          </a:fillRef>
+          <a:effectRef idx="0">
+            <a:schemeClr val="accent1"/>
+          </a:effectRef>
+          <a:fontRef idx="minor">
+            <a:schemeClr val="lt1"/>
+          </a:fontRef>
+        </p:style>
+        <p:txBody>
+          <a:bodyPr rot="0" spcFirstLastPara="0" vertOverflow="overflow" horzOverflow="overflow" vert="horz" wrap="square" lIns="91440" tIns="45720" rIns="91440" bIns="45720" numCol="1" spcCol="0" rtlCol="0" fromWordArt="0" anchor="ctr" anchorCtr="0" forceAA="0" compatLnSpc="1">
+            <a:prstTxWarp prst="textNoShape">
+              <a:avLst/>
+            </a:prstTxWarp>
+            <a:noAutofit/>
+          </a:bodyPr>
+          <a:lstStyle/>
+          <a:p>
+            <a:pPr algn="ctr"/>
+            <a:r>
+              <a:rPr lang="en-US" sz="1000" dirty="0"/>
+              <a:t>Drive Alone Pay</a:t>
+            </a:r>
+          </a:p>
+        </p:txBody>
+      </p:sp>
+      <p:sp>
+        <p:nvSpPr>
+          <p:cNvPr id="17" name="Rectangle 16">
+            <a:extLst>
+              <a:ext uri="{FF2B5EF4-FFF2-40B4-BE49-F238E27FC236}">
+                <a16:creationId xmlns:a16="http://schemas.microsoft.com/office/drawing/2014/main" id="{0CFD287C-A016-458F-866D-AA0E8BF56681}"/>
+              </a:ext>
+            </a:extLst>
+          </p:cNvPr>
+          <p:cNvSpPr/>
+          <p:nvPr/>
+        </p:nvSpPr>
+        <p:spPr>
+          <a:xfrm>
+            <a:off x="1031628" y="2656643"/>
+            <a:ext cx="548640" cy="548640"/>
+          </a:xfrm>
+          <a:prstGeom prst="rect">
+            <a:avLst/>
+          </a:prstGeom>
+          <a:solidFill>
+            <a:schemeClr val="accent2"/>
+          </a:solidFill>
+          <a:ln>
+            <a:solidFill>
+              <a:schemeClr val="bg1">
+                <a:lumMod val="65000"/>
+              </a:schemeClr>
+            </a:solidFill>
+          </a:ln>
+        </p:spPr>
+        <p:style>
+          <a:lnRef idx="2">
+            <a:schemeClr val="accent1">
+              <a:shade val="50000"/>
+            </a:schemeClr>
+          </a:lnRef>
+          <a:fillRef idx="1">
+            <a:schemeClr val="accent1"/>
+          </a:fillRef>
+          <a:effectRef idx="0">
+            <a:schemeClr val="accent1"/>
+          </a:effectRef>
+          <a:fontRef idx="minor">
+            <a:schemeClr val="lt1"/>
+          </a:fontRef>
+        </p:style>
+        <p:txBody>
+          <a:bodyPr rot="0" spcFirstLastPara="0" vertOverflow="overflow" horzOverflow="overflow" vert="horz" wrap="square" lIns="68580" tIns="45720" rIns="68580" bIns="45720" numCol="1" spcCol="0" rtlCol="0" fromWordArt="0" anchor="ctr" anchorCtr="0" forceAA="0" compatLnSpc="1">
+            <a:prstTxWarp prst="textNoShape">
+              <a:avLst/>
+            </a:prstTxWarp>
+            <a:noAutofit/>
+          </a:bodyPr>
+          <a:lstStyle/>
+          <a:p>
+            <a:pPr algn="ctr"/>
+            <a:r>
+              <a:rPr lang="en-US" sz="1000" dirty="0"/>
+              <a:t>Shared Ride 2 Free</a:t>
+            </a:r>
+          </a:p>
+        </p:txBody>
+      </p:sp>
+      <p:sp>
+        <p:nvSpPr>
+          <p:cNvPr id="19" name="Rectangle 18">
+            <a:extLst>
+              <a:ext uri="{FF2B5EF4-FFF2-40B4-BE49-F238E27FC236}">
+                <a16:creationId xmlns:a16="http://schemas.microsoft.com/office/drawing/2014/main" id="{292A1E47-B86B-4BFC-885A-B70A55509A74}"/>
+              </a:ext>
+            </a:extLst>
+          </p:cNvPr>
+          <p:cNvSpPr/>
+          <p:nvPr/>
+        </p:nvSpPr>
+        <p:spPr>
+          <a:xfrm>
+            <a:off x="1031628" y="3317186"/>
+            <a:ext cx="548640" cy="548640"/>
+          </a:xfrm>
+          <a:prstGeom prst="rect">
+            <a:avLst/>
+          </a:prstGeom>
+          <a:solidFill>
+            <a:schemeClr val="accent2"/>
+          </a:solidFill>
+          <a:ln>
+            <a:solidFill>
+              <a:schemeClr val="bg1">
+                <a:lumMod val="65000"/>
+              </a:schemeClr>
+            </a:solidFill>
+          </a:ln>
+        </p:spPr>
+        <p:style>
+          <a:lnRef idx="2">
+            <a:schemeClr val="accent1">
+              <a:shade val="50000"/>
+            </a:schemeClr>
+          </a:lnRef>
+          <a:fillRef idx="1">
+            <a:schemeClr val="accent1"/>
+          </a:fillRef>
+          <a:effectRef idx="0">
+            <a:schemeClr val="accent1"/>
+          </a:effectRef>
+          <a:fontRef idx="minor">
+            <a:schemeClr val="lt1"/>
+          </a:fontRef>
+        </p:style>
+        <p:txBody>
+          <a:bodyPr rot="0" spcFirstLastPara="0" vertOverflow="overflow" horzOverflow="overflow" vert="horz" wrap="square" lIns="68580" tIns="45720" rIns="68580" bIns="45720" numCol="1" spcCol="0" rtlCol="0" fromWordArt="0" anchor="ctr" anchorCtr="0" forceAA="0" compatLnSpc="1">
+            <a:prstTxWarp prst="textNoShape">
+              <a:avLst/>
+            </a:prstTxWarp>
+            <a:noAutofit/>
+          </a:bodyPr>
+          <a:lstStyle/>
+          <a:p>
+            <a:pPr algn="ctr"/>
+            <a:r>
+              <a:rPr lang="en-US" sz="1000" dirty="0"/>
+              <a:t>Shared Ride 2 Pay</a:t>
+            </a:r>
+          </a:p>
+        </p:txBody>
+      </p:sp>
+      <p:sp>
+        <p:nvSpPr>
+          <p:cNvPr id="20" name="Rectangle 19">
+            <a:extLst>
+              <a:ext uri="{FF2B5EF4-FFF2-40B4-BE49-F238E27FC236}">
+                <a16:creationId xmlns:a16="http://schemas.microsoft.com/office/drawing/2014/main" id="{EFC43CD0-4B65-4FB1-BE7D-EDE7C5973EAF}"/>
+              </a:ext>
+            </a:extLst>
+          </p:cNvPr>
+          <p:cNvSpPr/>
+          <p:nvPr/>
+        </p:nvSpPr>
+        <p:spPr>
+          <a:xfrm>
+            <a:off x="1839768" y="2656643"/>
+            <a:ext cx="548640" cy="548640"/>
+          </a:xfrm>
+          <a:prstGeom prst="rect">
+            <a:avLst/>
+          </a:prstGeom>
+          <a:solidFill>
+            <a:schemeClr val="accent2"/>
+          </a:solidFill>
+          <a:ln>
+            <a:solidFill>
+              <a:schemeClr val="bg1">
+                <a:lumMod val="65000"/>
+              </a:schemeClr>
+            </a:solidFill>
+          </a:ln>
+        </p:spPr>
+        <p:style>
+          <a:lnRef idx="2">
+            <a:schemeClr val="accent1">
+              <a:shade val="50000"/>
+            </a:schemeClr>
+          </a:lnRef>
+          <a:fillRef idx="1">
+            <a:schemeClr val="accent1"/>
+          </a:fillRef>
+          <a:effectRef idx="0">
+            <a:schemeClr val="accent1"/>
+          </a:effectRef>
+          <a:fontRef idx="minor">
+            <a:schemeClr val="lt1"/>
+          </a:fontRef>
+        </p:style>
+        <p:txBody>
+          <a:bodyPr rot="0" spcFirstLastPara="0" vertOverflow="overflow" horzOverflow="overflow" vert="horz" wrap="square" lIns="68580" tIns="45720" rIns="68580" bIns="45720" numCol="1" spcCol="0" rtlCol="0" fromWordArt="0" anchor="ctr" anchorCtr="0" forceAA="0" compatLnSpc="1">
+            <a:prstTxWarp prst="textNoShape">
+              <a:avLst/>
+            </a:prstTxWarp>
+            <a:noAutofit/>
+          </a:bodyPr>
+          <a:lstStyle/>
+          <a:p>
+            <a:pPr algn="ctr"/>
+            <a:r>
+              <a:rPr lang="en-US" sz="1000" dirty="0"/>
+              <a:t>Shared Ride 3+ Free</a:t>
+            </a:r>
+          </a:p>
+        </p:txBody>
+      </p:sp>
+      <p:sp>
+        <p:nvSpPr>
+          <p:cNvPr id="21" name="Rectangle 20">
+            <a:extLst>
+              <a:ext uri="{FF2B5EF4-FFF2-40B4-BE49-F238E27FC236}">
+                <a16:creationId xmlns:a16="http://schemas.microsoft.com/office/drawing/2014/main" id="{39498DFD-AA54-4222-9E83-EF2387D1FEBE}"/>
+              </a:ext>
+            </a:extLst>
+          </p:cNvPr>
+          <p:cNvSpPr/>
+          <p:nvPr/>
+        </p:nvSpPr>
+        <p:spPr>
+          <a:xfrm>
+            <a:off x="1839768" y="3323681"/>
+            <a:ext cx="548640" cy="548640"/>
+          </a:xfrm>
+          <a:prstGeom prst="rect">
+            <a:avLst/>
+          </a:prstGeom>
+          <a:solidFill>
+            <a:schemeClr val="accent2"/>
+          </a:solidFill>
+          <a:ln>
+            <a:solidFill>
+              <a:schemeClr val="bg1">
+                <a:lumMod val="65000"/>
+              </a:schemeClr>
+            </a:solidFill>
+          </a:ln>
+        </p:spPr>
+        <p:style>
+          <a:lnRef idx="2">
+            <a:schemeClr val="accent1">
+              <a:shade val="50000"/>
+            </a:schemeClr>
+          </a:lnRef>
+          <a:fillRef idx="1">
+            <a:schemeClr val="accent1"/>
+          </a:fillRef>
+          <a:effectRef idx="0">
+            <a:schemeClr val="accent1"/>
+          </a:effectRef>
+          <a:fontRef idx="minor">
+            <a:schemeClr val="lt1"/>
+          </a:fontRef>
+        </p:style>
+        <p:txBody>
+          <a:bodyPr rot="0" spcFirstLastPara="0" vertOverflow="overflow" horzOverflow="overflow" vert="horz" wrap="square" lIns="68580" tIns="45720" rIns="68580" bIns="45720" numCol="1" spcCol="0" rtlCol="0" fromWordArt="0" anchor="ctr" anchorCtr="0" forceAA="0" compatLnSpc="1">
+            <a:prstTxWarp prst="textNoShape">
+              <a:avLst/>
+            </a:prstTxWarp>
+            <a:noAutofit/>
+          </a:bodyPr>
+          <a:lstStyle/>
+          <a:p>
+            <a:pPr algn="ctr"/>
+            <a:r>
+              <a:rPr lang="en-US" sz="1000" dirty="0"/>
+              <a:t>Shared Ride 3+ Pay</a:t>
+            </a:r>
+          </a:p>
+        </p:txBody>
+      </p:sp>
+      <p:sp>
+        <p:nvSpPr>
+          <p:cNvPr id="24" name="Rectangle 23">
+            <a:extLst>
+              <a:ext uri="{FF2B5EF4-FFF2-40B4-BE49-F238E27FC236}">
+                <a16:creationId xmlns:a16="http://schemas.microsoft.com/office/drawing/2014/main" id="{75DD4972-2C6D-44A9-8855-C8E8300299E2}"/>
+              </a:ext>
+            </a:extLst>
+          </p:cNvPr>
+          <p:cNvSpPr/>
+          <p:nvPr/>
+        </p:nvSpPr>
+        <p:spPr>
+          <a:xfrm>
+            <a:off x="6734848" y="1869247"/>
+            <a:ext cx="731520" cy="457200"/>
+          </a:xfrm>
+          <a:prstGeom prst="rect">
+            <a:avLst/>
+          </a:prstGeom>
+          <a:solidFill>
+            <a:schemeClr val="accent5"/>
+          </a:solidFill>
+          <a:ln>
+            <a:solidFill>
+              <a:schemeClr val="bg1">
+                <a:lumMod val="65000"/>
+              </a:schemeClr>
+            </a:solidFill>
+          </a:ln>
+        </p:spPr>
+        <p:style>
+          <a:lnRef idx="2">
+            <a:schemeClr val="accent1">
+              <a:shade val="50000"/>
+            </a:schemeClr>
+          </a:lnRef>
+          <a:fillRef idx="1">
+            <a:schemeClr val="accent1"/>
+          </a:fillRef>
+          <a:effectRef idx="0">
+            <a:schemeClr val="accent1"/>
+          </a:effectRef>
+          <a:fontRef idx="minor">
+            <a:schemeClr val="lt1"/>
+          </a:fontRef>
+        </p:style>
+        <p:txBody>
+          <a:bodyPr rot="0" spcFirstLastPara="0" vertOverflow="overflow" horzOverflow="overflow" vert="horz" wrap="square" lIns="91440" tIns="45720" rIns="91440" bIns="45720" numCol="1" spcCol="0" rtlCol="0" fromWordArt="0" anchor="ctr" anchorCtr="0" forceAA="0" compatLnSpc="1">
+            <a:prstTxWarp prst="textNoShape">
+              <a:avLst/>
+            </a:prstTxWarp>
+            <a:noAutofit/>
+          </a:bodyPr>
+          <a:lstStyle/>
+          <a:p>
+            <a:pPr algn="ctr"/>
+            <a:r>
+              <a:rPr lang="en-US" sz="1050" dirty="0"/>
+              <a:t>Taxi</a:t>
+            </a:r>
+          </a:p>
+        </p:txBody>
+      </p:sp>
+      <p:sp>
+        <p:nvSpPr>
+          <p:cNvPr id="25" name="Rectangle 24">
+            <a:extLst>
+              <a:ext uri="{FF2B5EF4-FFF2-40B4-BE49-F238E27FC236}">
+                <a16:creationId xmlns:a16="http://schemas.microsoft.com/office/drawing/2014/main" id="{6E3529DC-6ADD-40A0-9821-B6C3AEBFBF0C}"/>
+              </a:ext>
+            </a:extLst>
+          </p:cNvPr>
+          <p:cNvSpPr/>
+          <p:nvPr/>
+        </p:nvSpPr>
+        <p:spPr>
+          <a:xfrm>
+            <a:off x="7538611" y="1866956"/>
+            <a:ext cx="731520" cy="457200"/>
+          </a:xfrm>
+          <a:prstGeom prst="rect">
+            <a:avLst/>
+          </a:prstGeom>
+          <a:solidFill>
+            <a:schemeClr val="accent5"/>
+          </a:solidFill>
+          <a:ln>
+            <a:solidFill>
+              <a:schemeClr val="bg1">
+                <a:lumMod val="65000"/>
+              </a:schemeClr>
+            </a:solidFill>
+          </a:ln>
+        </p:spPr>
+        <p:style>
+          <a:lnRef idx="2">
+            <a:schemeClr val="accent1">
+              <a:shade val="50000"/>
+            </a:schemeClr>
+          </a:lnRef>
+          <a:fillRef idx="1">
+            <a:schemeClr val="accent1"/>
+          </a:fillRef>
+          <a:effectRef idx="0">
+            <a:schemeClr val="accent1"/>
+          </a:effectRef>
+          <a:fontRef idx="minor">
+            <a:schemeClr val="lt1"/>
+          </a:fontRef>
+        </p:style>
+        <p:txBody>
+          <a:bodyPr rot="0" spcFirstLastPara="0" vertOverflow="overflow" horzOverflow="overflow" vert="horz" wrap="square" lIns="91440" tIns="45720" rIns="91440" bIns="45720" numCol="1" spcCol="0" rtlCol="0" fromWordArt="0" anchor="ctr" anchorCtr="0" forceAA="0" compatLnSpc="1">
+            <a:prstTxWarp prst="textNoShape">
+              <a:avLst/>
+            </a:prstTxWarp>
+            <a:noAutofit/>
+          </a:bodyPr>
+          <a:lstStyle/>
+          <a:p>
+            <a:pPr algn="ctr"/>
+            <a:r>
+              <a:rPr lang="en-US" sz="1050" dirty="0"/>
+              <a:t>TNC Single</a:t>
+            </a:r>
+          </a:p>
+        </p:txBody>
+      </p:sp>
+      <p:sp>
+        <p:nvSpPr>
+          <p:cNvPr id="26" name="Rectangle 25">
+            <a:extLst>
+              <a:ext uri="{FF2B5EF4-FFF2-40B4-BE49-F238E27FC236}">
+                <a16:creationId xmlns:a16="http://schemas.microsoft.com/office/drawing/2014/main" id="{E7A43EE9-0755-428F-BF9B-177F881EEC66}"/>
+              </a:ext>
+            </a:extLst>
+          </p:cNvPr>
+          <p:cNvSpPr/>
+          <p:nvPr/>
+        </p:nvSpPr>
+        <p:spPr>
+          <a:xfrm>
+            <a:off x="8339554" y="1868751"/>
+            <a:ext cx="731520" cy="457200"/>
+          </a:xfrm>
+          <a:prstGeom prst="rect">
+            <a:avLst/>
+          </a:prstGeom>
+          <a:solidFill>
+            <a:schemeClr val="accent5"/>
+          </a:solidFill>
+          <a:ln>
+            <a:solidFill>
+              <a:schemeClr val="bg1">
+                <a:lumMod val="65000"/>
+              </a:schemeClr>
+            </a:solidFill>
+          </a:ln>
+        </p:spPr>
+        <p:style>
+          <a:lnRef idx="2">
+            <a:schemeClr val="accent1">
+              <a:shade val="50000"/>
+            </a:schemeClr>
+          </a:lnRef>
+          <a:fillRef idx="1">
+            <a:schemeClr val="accent1"/>
+          </a:fillRef>
+          <a:effectRef idx="0">
+            <a:schemeClr val="accent1"/>
+          </a:effectRef>
+          <a:fontRef idx="minor">
+            <a:schemeClr val="lt1"/>
+          </a:fontRef>
+        </p:style>
+        <p:txBody>
+          <a:bodyPr rot="0" spcFirstLastPara="0" vertOverflow="overflow" horzOverflow="overflow" vert="horz" wrap="square" lIns="91440" tIns="45720" rIns="91440" bIns="45720" numCol="1" spcCol="0" rtlCol="0" fromWordArt="0" anchor="ctr" anchorCtr="0" forceAA="0" compatLnSpc="1">
+            <a:prstTxWarp prst="textNoShape">
+              <a:avLst/>
+            </a:prstTxWarp>
+            <a:noAutofit/>
+          </a:bodyPr>
+          <a:lstStyle/>
+          <a:p>
+            <a:pPr algn="ctr"/>
+            <a:r>
+              <a:rPr lang="en-US" sz="1050" dirty="0"/>
+              <a:t>TNC Shared</a:t>
+            </a:r>
+          </a:p>
+        </p:txBody>
+      </p:sp>
+      <p:cxnSp>
+        <p:nvCxnSpPr>
+          <p:cNvPr id="33" name="Straight Connector 32">
+            <a:extLst>
+              <a:ext uri="{FF2B5EF4-FFF2-40B4-BE49-F238E27FC236}">
+                <a16:creationId xmlns:a16="http://schemas.microsoft.com/office/drawing/2014/main" id="{2931DF8A-F964-4A18-BD67-D54ED4924732}"/>
+              </a:ext>
+            </a:extLst>
+          </p:cNvPr>
+          <p:cNvCxnSpPr>
+            <a:stCxn id="4" idx="2"/>
+            <a:endCxn id="5" idx="0"/>
+          </p:cNvCxnSpPr>
+          <p:nvPr/>
+        </p:nvCxnSpPr>
+        <p:spPr>
+          <a:xfrm rot="5400000">
+            <a:off x="2730700" y="-706954"/>
+            <a:ext cx="411499" cy="3271103"/>
+          </a:xfrm>
+          <a:prstGeom prst="bentConnector3">
+            <a:avLst>
+              <a:gd name="adj1" fmla="val 50000"/>
+            </a:avLst>
+          </a:prstGeom>
+          <a:ln w="19050">
+            <a:solidFill>
+              <a:schemeClr val="bg1">
+                <a:lumMod val="50000"/>
+              </a:schemeClr>
+            </a:solidFill>
+          </a:ln>
+        </p:spPr>
+        <p:style>
+          <a:lnRef idx="1">
+            <a:schemeClr val="accent1"/>
+          </a:lnRef>
+          <a:fillRef idx="0">
+            <a:schemeClr val="accent1"/>
+          </a:fillRef>
+          <a:effectRef idx="0">
+            <a:schemeClr val="accent1"/>
+          </a:effectRef>
+          <a:fontRef idx="minor">
+            <a:schemeClr val="tx1"/>
+          </a:fontRef>
+        </p:style>
+      </p:cxnSp>
+      <p:cxnSp>
+        <p:nvCxnSpPr>
+          <p:cNvPr id="36" name="Straight Connector 32">
+            <a:extLst>
+              <a:ext uri="{FF2B5EF4-FFF2-40B4-BE49-F238E27FC236}">
+                <a16:creationId xmlns:a16="http://schemas.microsoft.com/office/drawing/2014/main" id="{BB30286E-080C-4A90-ACD3-A19F576D04D7}"/>
+              </a:ext>
+            </a:extLst>
+          </p:cNvPr>
+          <p:cNvCxnSpPr>
+            <a:cxnSpLocks/>
+            <a:stCxn id="4" idx="2"/>
+            <a:endCxn id="8" idx="0"/>
+          </p:cNvCxnSpPr>
+          <p:nvPr/>
+        </p:nvCxnSpPr>
+        <p:spPr>
+          <a:xfrm rot="16200000" flipH="1">
+            <a:off x="6032000" y="-737153"/>
+            <a:ext cx="412371" cy="3332371"/>
+          </a:xfrm>
+          <a:prstGeom prst="bentConnector3">
+            <a:avLst>
+              <a:gd name="adj1" fmla="val 50000"/>
+            </a:avLst>
+          </a:prstGeom>
+          <a:ln w="19050">
+            <a:solidFill>
+              <a:schemeClr val="bg1">
+                <a:lumMod val="50000"/>
+              </a:schemeClr>
+            </a:solidFill>
+          </a:ln>
+        </p:spPr>
+        <p:style>
+          <a:lnRef idx="1">
+            <a:schemeClr val="accent1"/>
+          </a:lnRef>
+          <a:fillRef idx="0">
+            <a:schemeClr val="accent1"/>
+          </a:fillRef>
+          <a:effectRef idx="0">
+            <a:schemeClr val="accent1"/>
+          </a:effectRef>
+          <a:fontRef idx="minor">
+            <a:schemeClr val="tx1"/>
+          </a:fontRef>
+        </p:style>
+      </p:cxnSp>
+      <p:cxnSp>
+        <p:nvCxnSpPr>
+          <p:cNvPr id="40" name="Straight Connector 32">
+            <a:extLst>
+              <a:ext uri="{FF2B5EF4-FFF2-40B4-BE49-F238E27FC236}">
+                <a16:creationId xmlns:a16="http://schemas.microsoft.com/office/drawing/2014/main" id="{5970EABA-A601-468F-9415-2860DD1C896C}"/>
+              </a:ext>
+            </a:extLst>
+          </p:cNvPr>
+          <p:cNvCxnSpPr>
+            <a:cxnSpLocks/>
+            <a:stCxn id="4" idx="2"/>
+            <a:endCxn id="7" idx="0"/>
+          </p:cNvCxnSpPr>
+          <p:nvPr/>
+        </p:nvCxnSpPr>
+        <p:spPr>
+          <a:xfrm rot="16200000" flipH="1">
+            <a:off x="4820282" y="474565"/>
+            <a:ext cx="411499" cy="908063"/>
+          </a:xfrm>
+          <a:prstGeom prst="bentConnector3">
+            <a:avLst>
+              <a:gd name="adj1" fmla="val 50000"/>
+            </a:avLst>
+          </a:prstGeom>
+          <a:ln w="19050">
+            <a:solidFill>
+              <a:schemeClr val="bg1">
+                <a:lumMod val="50000"/>
+              </a:schemeClr>
+            </a:solidFill>
+          </a:ln>
+        </p:spPr>
+        <p:style>
+          <a:lnRef idx="1">
+            <a:schemeClr val="accent1"/>
+          </a:lnRef>
+          <a:fillRef idx="0">
+            <a:schemeClr val="accent1"/>
+          </a:fillRef>
+          <a:effectRef idx="0">
+            <a:schemeClr val="accent1"/>
+          </a:effectRef>
+          <a:fontRef idx="minor">
+            <a:schemeClr val="tx1"/>
+          </a:fontRef>
+        </p:style>
+      </p:cxnSp>
+      <p:cxnSp>
+        <p:nvCxnSpPr>
+          <p:cNvPr id="43" name="Straight Connector 32">
+            <a:extLst>
+              <a:ext uri="{FF2B5EF4-FFF2-40B4-BE49-F238E27FC236}">
+                <a16:creationId xmlns:a16="http://schemas.microsoft.com/office/drawing/2014/main" id="{724DBE2D-5531-4346-AF16-AC892338F849}"/>
+              </a:ext>
+            </a:extLst>
+          </p:cNvPr>
+          <p:cNvCxnSpPr>
+            <a:cxnSpLocks/>
+            <a:stCxn id="4" idx="2"/>
+            <a:endCxn id="6" idx="0"/>
+          </p:cNvCxnSpPr>
+          <p:nvPr/>
+        </p:nvCxnSpPr>
+        <p:spPr>
+          <a:xfrm rot="5400000">
+            <a:off x="3821562" y="383908"/>
+            <a:ext cx="411499" cy="1089379"/>
+          </a:xfrm>
+          <a:prstGeom prst="bentConnector3">
+            <a:avLst>
+              <a:gd name="adj1" fmla="val 50000"/>
+            </a:avLst>
+          </a:prstGeom>
+          <a:ln w="19050">
+            <a:solidFill>
+              <a:schemeClr val="bg1">
+                <a:lumMod val="50000"/>
+              </a:schemeClr>
+            </a:solidFill>
+          </a:ln>
+        </p:spPr>
+        <p:style>
+          <a:lnRef idx="1">
+            <a:schemeClr val="accent1"/>
+          </a:lnRef>
+          <a:fillRef idx="0">
+            <a:schemeClr val="accent1"/>
+          </a:fillRef>
+          <a:effectRef idx="0">
+            <a:schemeClr val="accent1"/>
+          </a:effectRef>
+          <a:fontRef idx="minor">
+            <a:schemeClr val="tx1"/>
+          </a:fontRef>
+        </p:style>
+      </p:cxnSp>
+      <p:cxnSp>
+        <p:nvCxnSpPr>
+          <p:cNvPr id="46" name="Straight Connector 32">
+            <a:extLst>
+              <a:ext uri="{FF2B5EF4-FFF2-40B4-BE49-F238E27FC236}">
+                <a16:creationId xmlns:a16="http://schemas.microsoft.com/office/drawing/2014/main" id="{4F51662E-D9C3-47A5-95AA-A56A81397D32}"/>
+              </a:ext>
+            </a:extLst>
+          </p:cNvPr>
+          <p:cNvCxnSpPr>
+            <a:cxnSpLocks/>
+            <a:stCxn id="5" idx="2"/>
+            <a:endCxn id="9" idx="0"/>
+          </p:cNvCxnSpPr>
+          <p:nvPr/>
+        </p:nvCxnSpPr>
+        <p:spPr>
+          <a:xfrm rot="5400000">
+            <a:off x="737890" y="1305744"/>
+            <a:ext cx="322924" cy="803090"/>
+          </a:xfrm>
+          <a:prstGeom prst="bentConnector3">
+            <a:avLst>
+              <a:gd name="adj1" fmla="val 50000"/>
+            </a:avLst>
+          </a:prstGeom>
+          <a:ln w="19050">
+            <a:solidFill>
+              <a:schemeClr val="bg1">
+                <a:lumMod val="50000"/>
+              </a:schemeClr>
+            </a:solidFill>
+          </a:ln>
+        </p:spPr>
+        <p:style>
+          <a:lnRef idx="1">
+            <a:schemeClr val="accent1"/>
+          </a:lnRef>
+          <a:fillRef idx="0">
+            <a:schemeClr val="accent1"/>
+          </a:fillRef>
+          <a:effectRef idx="0">
+            <a:schemeClr val="accent1"/>
+          </a:effectRef>
+          <a:fontRef idx="minor">
+            <a:schemeClr val="tx1"/>
+          </a:fontRef>
+        </p:style>
+      </p:cxnSp>
+      <p:cxnSp>
+        <p:nvCxnSpPr>
+          <p:cNvPr id="49" name="Straight Connector 32">
+            <a:extLst>
+              <a:ext uri="{FF2B5EF4-FFF2-40B4-BE49-F238E27FC236}">
+                <a16:creationId xmlns:a16="http://schemas.microsoft.com/office/drawing/2014/main" id="{131FE6E1-29D3-4BF6-8CFD-D2C361A57C19}"/>
+              </a:ext>
+            </a:extLst>
+          </p:cNvPr>
+          <p:cNvCxnSpPr>
+            <a:cxnSpLocks/>
+            <a:stCxn id="5" idx="2"/>
+            <a:endCxn id="12" idx="0"/>
+          </p:cNvCxnSpPr>
+          <p:nvPr/>
+        </p:nvCxnSpPr>
+        <p:spPr>
+          <a:xfrm rot="16200000" flipH="1">
+            <a:off x="1541368" y="1305356"/>
+            <a:ext cx="324775" cy="805716"/>
+          </a:xfrm>
+          <a:prstGeom prst="bentConnector3">
+            <a:avLst>
+              <a:gd name="adj1" fmla="val 50000"/>
+            </a:avLst>
+          </a:prstGeom>
+          <a:ln w="19050">
+            <a:solidFill>
+              <a:schemeClr val="bg1">
+                <a:lumMod val="50000"/>
+              </a:schemeClr>
+            </a:solidFill>
+          </a:ln>
+        </p:spPr>
+        <p:style>
+          <a:lnRef idx="1">
+            <a:schemeClr val="accent1"/>
+          </a:lnRef>
+          <a:fillRef idx="0">
+            <a:schemeClr val="accent1"/>
+          </a:fillRef>
+          <a:effectRef idx="0">
+            <a:schemeClr val="accent1"/>
+          </a:effectRef>
+          <a:fontRef idx="minor">
+            <a:schemeClr val="tx1"/>
+          </a:fontRef>
+        </p:style>
+      </p:cxnSp>
+      <p:cxnSp>
+        <p:nvCxnSpPr>
+          <p:cNvPr id="52" name="Straight Connector 32">
+            <a:extLst>
+              <a:ext uri="{FF2B5EF4-FFF2-40B4-BE49-F238E27FC236}">
+                <a16:creationId xmlns:a16="http://schemas.microsoft.com/office/drawing/2014/main" id="{A2299195-AFA6-4A7D-ACCC-D348A2703078}"/>
+              </a:ext>
+            </a:extLst>
+          </p:cNvPr>
+          <p:cNvCxnSpPr>
+            <a:cxnSpLocks/>
+            <a:stCxn id="5" idx="2"/>
+            <a:endCxn id="10" idx="0"/>
+          </p:cNvCxnSpPr>
+          <p:nvPr/>
+        </p:nvCxnSpPr>
+        <p:spPr>
+          <a:xfrm flipH="1">
+            <a:off x="1300535" y="1545827"/>
+            <a:ext cx="362" cy="322924"/>
+          </a:xfrm>
+          <a:prstGeom prst="straightConnector1">
+            <a:avLst/>
+          </a:prstGeom>
+          <a:ln w="19050">
+            <a:solidFill>
+              <a:schemeClr val="bg1">
+                <a:lumMod val="50000"/>
+              </a:schemeClr>
+            </a:solidFill>
+          </a:ln>
+        </p:spPr>
+        <p:style>
+          <a:lnRef idx="1">
+            <a:schemeClr val="accent1"/>
+          </a:lnRef>
+          <a:fillRef idx="0">
+            <a:schemeClr val="accent1"/>
+          </a:fillRef>
+          <a:effectRef idx="0">
+            <a:schemeClr val="accent1"/>
+          </a:effectRef>
+          <a:fontRef idx="minor">
+            <a:schemeClr val="tx1"/>
+          </a:fontRef>
+        </p:style>
+      </p:cxnSp>
+      <p:cxnSp>
+        <p:nvCxnSpPr>
+          <p:cNvPr id="59" name="Straight Connector 32">
+            <a:extLst>
+              <a:ext uri="{FF2B5EF4-FFF2-40B4-BE49-F238E27FC236}">
+                <a16:creationId xmlns:a16="http://schemas.microsoft.com/office/drawing/2014/main" id="{1ED76E14-D78C-4C30-9327-997042707BA1}"/>
+              </a:ext>
+            </a:extLst>
+          </p:cNvPr>
+          <p:cNvCxnSpPr>
+            <a:cxnSpLocks/>
+            <a:stCxn id="9" idx="2"/>
+            <a:endCxn id="15" idx="1"/>
+          </p:cNvCxnSpPr>
+          <p:nvPr/>
+        </p:nvCxnSpPr>
+        <p:spPr>
+          <a:xfrm rot="5400000">
+            <a:off x="55314" y="2494126"/>
+            <a:ext cx="610669" cy="274318"/>
+          </a:xfrm>
+          <a:prstGeom prst="bentConnector4">
+            <a:avLst>
+              <a:gd name="adj1" fmla="val 27539"/>
+              <a:gd name="adj2" fmla="val 139855"/>
+            </a:avLst>
+          </a:prstGeom>
+          <a:ln w="19050">
+            <a:solidFill>
+              <a:schemeClr val="bg1">
+                <a:lumMod val="50000"/>
+              </a:schemeClr>
+            </a:solidFill>
+          </a:ln>
+        </p:spPr>
+        <p:style>
+          <a:lnRef idx="1">
+            <a:schemeClr val="accent1"/>
+          </a:lnRef>
+          <a:fillRef idx="0">
+            <a:schemeClr val="accent1"/>
+          </a:fillRef>
+          <a:effectRef idx="0">
+            <a:schemeClr val="accent1"/>
+          </a:effectRef>
+          <a:fontRef idx="minor">
+            <a:schemeClr val="tx1"/>
+          </a:fontRef>
+        </p:style>
+      </p:cxnSp>
+      <p:cxnSp>
+        <p:nvCxnSpPr>
+          <p:cNvPr id="63" name="Straight Connector 32">
+            <a:extLst>
+              <a:ext uri="{FF2B5EF4-FFF2-40B4-BE49-F238E27FC236}">
+                <a16:creationId xmlns:a16="http://schemas.microsoft.com/office/drawing/2014/main" id="{53C9B0B4-26AA-49D7-9AD6-C5810D53902D}"/>
+              </a:ext>
+            </a:extLst>
+          </p:cNvPr>
+          <p:cNvCxnSpPr>
+            <a:cxnSpLocks/>
+            <a:stCxn id="9" idx="2"/>
+            <a:endCxn id="16" idx="1"/>
+          </p:cNvCxnSpPr>
+          <p:nvPr/>
+        </p:nvCxnSpPr>
+        <p:spPr>
+          <a:xfrm rot="5400000">
+            <a:off x="-275377" y="2824817"/>
+            <a:ext cx="1272050" cy="274318"/>
+          </a:xfrm>
+          <a:prstGeom prst="bentConnector4">
+            <a:avLst>
+              <a:gd name="adj1" fmla="val 12964"/>
+              <a:gd name="adj2" fmla="val 139856"/>
+            </a:avLst>
+          </a:prstGeom>
+          <a:ln w="19050">
+            <a:solidFill>
+              <a:schemeClr val="bg1">
+                <a:lumMod val="50000"/>
+              </a:schemeClr>
+            </a:solidFill>
+          </a:ln>
+        </p:spPr>
+        <p:style>
+          <a:lnRef idx="1">
+            <a:schemeClr val="accent1"/>
+          </a:lnRef>
+          <a:fillRef idx="0">
+            <a:schemeClr val="accent1"/>
+          </a:fillRef>
+          <a:effectRef idx="0">
+            <a:schemeClr val="accent1"/>
+          </a:effectRef>
+          <a:fontRef idx="minor">
+            <a:schemeClr val="tx1"/>
+          </a:fontRef>
+        </p:style>
+      </p:cxnSp>
+      <p:cxnSp>
+        <p:nvCxnSpPr>
+          <p:cNvPr id="68" name="Straight Connector 32">
+            <a:extLst>
+              <a:ext uri="{FF2B5EF4-FFF2-40B4-BE49-F238E27FC236}">
+                <a16:creationId xmlns:a16="http://schemas.microsoft.com/office/drawing/2014/main" id="{794505F3-1360-4D81-AA36-0CF56B35469B}"/>
+              </a:ext>
+            </a:extLst>
+          </p:cNvPr>
+          <p:cNvCxnSpPr>
+            <a:cxnSpLocks/>
+            <a:stCxn id="10" idx="2"/>
+            <a:endCxn id="19" idx="1"/>
+          </p:cNvCxnSpPr>
+          <p:nvPr/>
+        </p:nvCxnSpPr>
+        <p:spPr>
+          <a:xfrm rot="5400000">
+            <a:off x="533305" y="2824275"/>
+            <a:ext cx="1265555" cy="268907"/>
+          </a:xfrm>
+          <a:prstGeom prst="bentConnector4">
+            <a:avLst>
+              <a:gd name="adj1" fmla="val 12774"/>
+              <a:gd name="adj2" fmla="val 137701"/>
+            </a:avLst>
+          </a:prstGeom>
+          <a:ln w="19050">
+            <a:solidFill>
+              <a:schemeClr val="bg1">
+                <a:lumMod val="50000"/>
+              </a:schemeClr>
+            </a:solidFill>
+          </a:ln>
+        </p:spPr>
+        <p:style>
+          <a:lnRef idx="1">
+            <a:schemeClr val="accent1"/>
+          </a:lnRef>
+          <a:fillRef idx="0">
+            <a:schemeClr val="accent1"/>
+          </a:fillRef>
+          <a:effectRef idx="0">
+            <a:schemeClr val="accent1"/>
+          </a:effectRef>
+          <a:fontRef idx="minor">
+            <a:schemeClr val="tx1"/>
+          </a:fontRef>
+        </p:style>
+      </p:cxnSp>
+      <p:cxnSp>
+        <p:nvCxnSpPr>
+          <p:cNvPr id="74" name="Straight Connector 32">
+            <a:extLst>
+              <a:ext uri="{FF2B5EF4-FFF2-40B4-BE49-F238E27FC236}">
+                <a16:creationId xmlns:a16="http://schemas.microsoft.com/office/drawing/2014/main" id="{15201566-8FC4-449B-B399-7F950F937E09}"/>
+              </a:ext>
+            </a:extLst>
+          </p:cNvPr>
+          <p:cNvCxnSpPr>
+            <a:cxnSpLocks/>
+            <a:stCxn id="10" idx="2"/>
+            <a:endCxn id="17" idx="1"/>
+          </p:cNvCxnSpPr>
+          <p:nvPr/>
+        </p:nvCxnSpPr>
+        <p:spPr>
+          <a:xfrm rot="5400000">
+            <a:off x="863576" y="2494004"/>
+            <a:ext cx="605012" cy="268907"/>
+          </a:xfrm>
+          <a:prstGeom prst="bentConnector4">
+            <a:avLst>
+              <a:gd name="adj1" fmla="val 27329"/>
+              <a:gd name="adj2" fmla="val 137700"/>
+            </a:avLst>
+          </a:prstGeom>
+          <a:ln w="19050">
+            <a:solidFill>
+              <a:schemeClr val="bg1">
+                <a:lumMod val="50000"/>
+              </a:schemeClr>
+            </a:solidFill>
+          </a:ln>
+        </p:spPr>
+        <p:style>
+          <a:lnRef idx="1">
+            <a:schemeClr val="accent1"/>
+          </a:lnRef>
+          <a:fillRef idx="0">
+            <a:schemeClr val="accent1"/>
+          </a:fillRef>
+          <a:effectRef idx="0">
+            <a:schemeClr val="accent1"/>
+          </a:effectRef>
+          <a:fontRef idx="minor">
+            <a:schemeClr val="tx1"/>
+          </a:fontRef>
+        </p:style>
+      </p:cxnSp>
+      <p:cxnSp>
+        <p:nvCxnSpPr>
+          <p:cNvPr id="80" name="Straight Connector 32">
+            <a:extLst>
+              <a:ext uri="{FF2B5EF4-FFF2-40B4-BE49-F238E27FC236}">
+                <a16:creationId xmlns:a16="http://schemas.microsoft.com/office/drawing/2014/main" id="{3DC974B2-25AB-43A3-BF3D-D7A59F6DB9AB}"/>
+              </a:ext>
+            </a:extLst>
+          </p:cNvPr>
+          <p:cNvCxnSpPr>
+            <a:cxnSpLocks/>
+            <a:stCxn id="12" idx="2"/>
+            <a:endCxn id="21" idx="1"/>
+          </p:cNvCxnSpPr>
+          <p:nvPr/>
+        </p:nvCxnSpPr>
+        <p:spPr>
+          <a:xfrm rot="5400000">
+            <a:off x="1338092" y="2829479"/>
+            <a:ext cx="1270199" cy="266845"/>
+          </a:xfrm>
+          <a:prstGeom prst="bentConnector4">
+            <a:avLst>
+              <a:gd name="adj1" fmla="val 12910"/>
+              <a:gd name="adj2" fmla="val 149911"/>
+            </a:avLst>
+          </a:prstGeom>
+          <a:ln w="19050">
+            <a:solidFill>
+              <a:schemeClr val="bg1">
+                <a:lumMod val="50000"/>
+              </a:schemeClr>
+            </a:solidFill>
+          </a:ln>
+        </p:spPr>
+        <p:style>
+          <a:lnRef idx="1">
+            <a:schemeClr val="accent1"/>
+          </a:lnRef>
+          <a:fillRef idx="0">
+            <a:schemeClr val="accent1"/>
+          </a:fillRef>
+          <a:effectRef idx="0">
+            <a:schemeClr val="accent1"/>
+          </a:effectRef>
+          <a:fontRef idx="minor">
+            <a:schemeClr val="tx1"/>
+          </a:fontRef>
+        </p:style>
+      </p:cxnSp>
+      <p:cxnSp>
+        <p:nvCxnSpPr>
+          <p:cNvPr id="81" name="Straight Connector 32">
+            <a:extLst>
+              <a:ext uri="{FF2B5EF4-FFF2-40B4-BE49-F238E27FC236}">
+                <a16:creationId xmlns:a16="http://schemas.microsoft.com/office/drawing/2014/main" id="{A0477A77-8750-427C-B99A-C54DDC9CE0D6}"/>
+              </a:ext>
+            </a:extLst>
+          </p:cNvPr>
+          <p:cNvCxnSpPr>
+            <a:cxnSpLocks/>
+            <a:stCxn id="12" idx="2"/>
+            <a:endCxn id="20" idx="1"/>
+          </p:cNvCxnSpPr>
+          <p:nvPr/>
+        </p:nvCxnSpPr>
+        <p:spPr>
+          <a:xfrm rot="5400000">
+            <a:off x="1671611" y="2495960"/>
+            <a:ext cx="603161" cy="266845"/>
+          </a:xfrm>
+          <a:prstGeom prst="bentConnector4">
+            <a:avLst>
+              <a:gd name="adj1" fmla="val 27260"/>
+              <a:gd name="adj2" fmla="val 149911"/>
+            </a:avLst>
+          </a:prstGeom>
+          <a:ln w="19050">
+            <a:solidFill>
+              <a:schemeClr val="bg1">
+                <a:lumMod val="50000"/>
+              </a:schemeClr>
+            </a:solidFill>
+          </a:ln>
+        </p:spPr>
+        <p:style>
+          <a:lnRef idx="1">
+            <a:schemeClr val="accent1"/>
+          </a:lnRef>
+          <a:fillRef idx="0">
+            <a:schemeClr val="accent1"/>
+          </a:fillRef>
+          <a:effectRef idx="0">
+            <a:schemeClr val="accent1"/>
+          </a:effectRef>
+          <a:fontRef idx="minor">
+            <a:schemeClr val="tx1"/>
+          </a:fontRef>
+        </p:style>
+      </p:cxnSp>
+      <p:cxnSp>
+        <p:nvCxnSpPr>
+          <p:cNvPr id="106" name="Straight Connector 32">
+            <a:extLst>
+              <a:ext uri="{FF2B5EF4-FFF2-40B4-BE49-F238E27FC236}">
+                <a16:creationId xmlns:a16="http://schemas.microsoft.com/office/drawing/2014/main" id="{341AC510-903F-4989-B66A-D6CB3371BC2D}"/>
+              </a:ext>
+            </a:extLst>
+          </p:cNvPr>
+          <p:cNvCxnSpPr>
+            <a:cxnSpLocks/>
+            <a:stCxn id="6" idx="2"/>
+            <a:endCxn id="13" idx="0"/>
+          </p:cNvCxnSpPr>
+          <p:nvPr/>
+        </p:nvCxnSpPr>
+        <p:spPr>
+          <a:xfrm rot="5400000">
+            <a:off x="3129741" y="1517721"/>
+            <a:ext cx="324775" cy="380986"/>
+          </a:xfrm>
+          <a:prstGeom prst="bentConnector3">
+            <a:avLst>
+              <a:gd name="adj1" fmla="val 50000"/>
+            </a:avLst>
+          </a:prstGeom>
+          <a:ln w="19050">
+            <a:solidFill>
+              <a:schemeClr val="bg1">
+                <a:lumMod val="50000"/>
+              </a:schemeClr>
+            </a:solidFill>
+          </a:ln>
+        </p:spPr>
+        <p:style>
+          <a:lnRef idx="1">
+            <a:schemeClr val="accent1"/>
+          </a:lnRef>
+          <a:fillRef idx="0">
+            <a:schemeClr val="accent1"/>
+          </a:fillRef>
+          <a:effectRef idx="0">
+            <a:schemeClr val="accent1"/>
+          </a:effectRef>
+          <a:fontRef idx="minor">
+            <a:schemeClr val="tx1"/>
+          </a:fontRef>
+        </p:style>
+      </p:cxnSp>
+      <p:cxnSp>
+        <p:nvCxnSpPr>
+          <p:cNvPr id="109" name="Straight Connector 32">
+            <a:extLst>
+              <a:ext uri="{FF2B5EF4-FFF2-40B4-BE49-F238E27FC236}">
+                <a16:creationId xmlns:a16="http://schemas.microsoft.com/office/drawing/2014/main" id="{CC83637F-BBFD-472A-8DF4-D17E57CD7FE8}"/>
+              </a:ext>
+            </a:extLst>
+          </p:cNvPr>
+          <p:cNvCxnSpPr>
+            <a:cxnSpLocks/>
+            <a:stCxn id="6" idx="2"/>
+            <a:endCxn id="14" idx="0"/>
+          </p:cNvCxnSpPr>
+          <p:nvPr/>
+        </p:nvCxnSpPr>
+        <p:spPr>
+          <a:xfrm rot="16200000" flipH="1">
+            <a:off x="3538750" y="1489697"/>
+            <a:ext cx="322924" cy="435183"/>
+          </a:xfrm>
+          <a:prstGeom prst="bentConnector3">
+            <a:avLst>
+              <a:gd name="adj1" fmla="val 50000"/>
+            </a:avLst>
+          </a:prstGeom>
+          <a:ln w="19050">
+            <a:solidFill>
+              <a:schemeClr val="bg1">
+                <a:lumMod val="50000"/>
+              </a:schemeClr>
+            </a:solidFill>
+          </a:ln>
+        </p:spPr>
+        <p:style>
+          <a:lnRef idx="1">
+            <a:schemeClr val="accent1"/>
+          </a:lnRef>
+          <a:fillRef idx="0">
+            <a:schemeClr val="accent1"/>
+          </a:fillRef>
+          <a:effectRef idx="0">
+            <a:schemeClr val="accent1"/>
+          </a:effectRef>
+          <a:fontRef idx="minor">
+            <a:schemeClr val="tx1"/>
+          </a:fontRef>
+        </p:style>
+      </p:cxnSp>
+      <p:cxnSp>
+        <p:nvCxnSpPr>
+          <p:cNvPr id="112" name="Straight Connector 32">
+            <a:extLst>
+              <a:ext uri="{FF2B5EF4-FFF2-40B4-BE49-F238E27FC236}">
+                <a16:creationId xmlns:a16="http://schemas.microsoft.com/office/drawing/2014/main" id="{9B284E67-7842-494F-81ED-63634FBD09F2}"/>
+              </a:ext>
+            </a:extLst>
+          </p:cNvPr>
+          <p:cNvCxnSpPr>
+            <a:cxnSpLocks/>
+            <a:stCxn id="7" idx="2"/>
+            <a:endCxn id="22" idx="0"/>
+          </p:cNvCxnSpPr>
+          <p:nvPr/>
+        </p:nvCxnSpPr>
+        <p:spPr>
+          <a:xfrm rot="5400000">
+            <a:off x="4966941" y="1355629"/>
+            <a:ext cx="322924" cy="703321"/>
+          </a:xfrm>
+          <a:prstGeom prst="bentConnector3">
+            <a:avLst>
+              <a:gd name="adj1" fmla="val 50000"/>
+            </a:avLst>
+          </a:prstGeom>
+          <a:ln w="19050">
+            <a:solidFill>
+              <a:schemeClr val="bg1">
+                <a:lumMod val="50000"/>
+              </a:schemeClr>
+            </a:solidFill>
+          </a:ln>
+        </p:spPr>
+        <p:style>
+          <a:lnRef idx="1">
+            <a:schemeClr val="accent1"/>
+          </a:lnRef>
+          <a:fillRef idx="0">
+            <a:schemeClr val="accent1"/>
+          </a:fillRef>
+          <a:effectRef idx="0">
+            <a:schemeClr val="accent1"/>
+          </a:effectRef>
+          <a:fontRef idx="minor">
+            <a:schemeClr val="tx1"/>
+          </a:fontRef>
+        </p:style>
+      </p:cxnSp>
+      <p:cxnSp>
+        <p:nvCxnSpPr>
+          <p:cNvPr id="115" name="Straight Connector 32">
+            <a:extLst>
+              <a:ext uri="{FF2B5EF4-FFF2-40B4-BE49-F238E27FC236}">
+                <a16:creationId xmlns:a16="http://schemas.microsoft.com/office/drawing/2014/main" id="{15E3E205-4EF6-4D81-A72F-A7F6F06446F9}"/>
+              </a:ext>
+            </a:extLst>
+          </p:cNvPr>
+          <p:cNvCxnSpPr>
+            <a:cxnSpLocks/>
+            <a:stCxn id="7" idx="2"/>
+            <a:endCxn id="188" idx="0"/>
+          </p:cNvCxnSpPr>
+          <p:nvPr/>
+        </p:nvCxnSpPr>
+        <p:spPr>
+          <a:xfrm rot="16200000" flipH="1">
+            <a:off x="5713109" y="1312781"/>
+            <a:ext cx="322924" cy="789016"/>
+          </a:xfrm>
+          <a:prstGeom prst="bentConnector3">
+            <a:avLst>
+              <a:gd name="adj1" fmla="val 50000"/>
+            </a:avLst>
+          </a:prstGeom>
+          <a:ln w="19050">
+            <a:solidFill>
+              <a:schemeClr val="bg1">
+                <a:lumMod val="50000"/>
+              </a:schemeClr>
+            </a:solidFill>
+          </a:ln>
+        </p:spPr>
+        <p:style>
+          <a:lnRef idx="1">
+            <a:schemeClr val="accent1"/>
+          </a:lnRef>
+          <a:fillRef idx="0">
+            <a:schemeClr val="accent1"/>
+          </a:fillRef>
+          <a:effectRef idx="0">
+            <a:schemeClr val="accent1"/>
+          </a:effectRef>
+          <a:fontRef idx="minor">
+            <a:schemeClr val="tx1"/>
+          </a:fontRef>
+        </p:style>
+      </p:cxnSp>
+      <p:grpSp>
+        <p:nvGrpSpPr>
+          <p:cNvPr id="185" name="Group 184">
+            <a:extLst>
+              <a:ext uri="{FF2B5EF4-FFF2-40B4-BE49-F238E27FC236}">
+                <a16:creationId xmlns:a16="http://schemas.microsoft.com/office/drawing/2014/main" id="{52193294-B678-422A-AD6F-EDD60D50D321}"/>
+              </a:ext>
+            </a:extLst>
+          </p:cNvPr>
+          <p:cNvGrpSpPr/>
+          <p:nvPr/>
+        </p:nvGrpSpPr>
+        <p:grpSpPr>
+          <a:xfrm>
+            <a:off x="4072194" y="1868751"/>
+            <a:ext cx="1405931" cy="2764090"/>
+            <a:chOff x="4119371" y="1868751"/>
+            <a:chExt cx="1405931" cy="2764090"/>
+          </a:xfrm>
+        </p:grpSpPr>
+        <p:sp>
+          <p:nvSpPr>
+            <p:cNvPr id="22" name="Rectangle 21">
+              <a:extLst>
+                <a:ext uri="{FF2B5EF4-FFF2-40B4-BE49-F238E27FC236}">
+                  <a16:creationId xmlns:a16="http://schemas.microsoft.com/office/drawing/2014/main" id="{58B522C9-9664-47E2-8C36-E3368EBAC1EF}"/>
+                </a:ext>
+              </a:extLst>
+            </p:cNvPr>
+            <p:cNvSpPr/>
+            <p:nvPr/>
+          </p:nvSpPr>
+          <p:spPr>
+            <a:xfrm>
+              <a:off x="4458159" y="1868751"/>
+              <a:ext cx="731520" cy="457200"/>
+            </a:xfrm>
+            <a:prstGeom prst="rect">
+              <a:avLst/>
+            </a:prstGeom>
+            <a:solidFill>
+              <a:schemeClr val="accent6"/>
+            </a:solidFill>
+            <a:ln>
+              <a:solidFill>
+                <a:schemeClr val="bg1">
+                  <a:lumMod val="65000"/>
+                </a:schemeClr>
+              </a:solidFill>
+            </a:ln>
+          </p:spPr>
+          <p:style>
+            <a:lnRef idx="2">
+              <a:schemeClr val="accent1">
+                <a:shade val="50000"/>
+              </a:schemeClr>
+            </a:lnRef>
+            <a:fillRef idx="1">
+              <a:schemeClr val="accent1"/>
+            </a:fillRef>
+            <a:effectRef idx="0">
+              <a:schemeClr val="accent1"/>
+            </a:effectRef>
+            <a:fontRef idx="minor">
+              <a:schemeClr val="lt1"/>
+            </a:fontRef>
+          </p:style>
+          <p:txBody>
+            <a:bodyPr rot="0" spcFirstLastPara="0" vertOverflow="overflow" horzOverflow="overflow" vert="horz" wrap="square" lIns="91440" tIns="45720" rIns="91440" bIns="45720" numCol="1" spcCol="0" rtlCol="0" fromWordArt="0" anchor="ctr" anchorCtr="0" forceAA="0" compatLnSpc="1">
+              <a:prstTxWarp prst="textNoShape">
+                <a:avLst/>
+              </a:prstTxWarp>
+              <a:noAutofit/>
+            </a:bodyPr>
+            <a:lstStyle/>
+            <a:p>
+              <a:pPr algn="ctr"/>
+              <a:r>
+                <a:rPr lang="en-US" sz="1050" dirty="0"/>
+                <a:t>Walk-Transit</a:t>
+              </a:r>
+              <a:endParaRPr lang="en-US" sz="1000" dirty="0"/>
+            </a:p>
+          </p:txBody>
+        </p:sp>
+        <p:sp>
+          <p:nvSpPr>
+            <p:cNvPr id="27" name="Rectangle 26">
+              <a:extLst>
+                <a:ext uri="{FF2B5EF4-FFF2-40B4-BE49-F238E27FC236}">
+                  <a16:creationId xmlns:a16="http://schemas.microsoft.com/office/drawing/2014/main" id="{DAE8149B-76C0-40BF-A8C9-CCC62D2D0372}"/>
+                </a:ext>
+              </a:extLst>
+            </p:cNvPr>
+            <p:cNvSpPr/>
+            <p:nvPr/>
+          </p:nvSpPr>
+          <p:spPr>
+            <a:xfrm>
+              <a:off x="4119371" y="2685875"/>
+              <a:ext cx="640080" cy="548640"/>
+            </a:xfrm>
+            <a:prstGeom prst="rect">
+              <a:avLst/>
+            </a:prstGeom>
+            <a:solidFill>
+              <a:schemeClr val="accent6"/>
+            </a:solidFill>
+            <a:ln>
+              <a:solidFill>
+                <a:schemeClr val="bg1">
+                  <a:lumMod val="65000"/>
+                </a:schemeClr>
+              </a:solidFill>
+            </a:ln>
+          </p:spPr>
+          <p:style>
+            <a:lnRef idx="2">
+              <a:schemeClr val="accent1">
+                <a:shade val="50000"/>
+              </a:schemeClr>
+            </a:lnRef>
+            <a:fillRef idx="1">
+              <a:schemeClr val="accent1"/>
+            </a:fillRef>
+            <a:effectRef idx="0">
+              <a:schemeClr val="accent1"/>
+            </a:effectRef>
+            <a:fontRef idx="minor">
+              <a:schemeClr val="lt1"/>
+            </a:fontRef>
+          </p:style>
+          <p:txBody>
+            <a:bodyPr rot="0" spcFirstLastPara="0" vertOverflow="overflow" horzOverflow="overflow" vert="horz" wrap="square" lIns="68580" tIns="45720" rIns="68580" bIns="45720" numCol="1" spcCol="0" rtlCol="0" fromWordArt="0" anchor="ctr" anchorCtr="0" forceAA="0" compatLnSpc="1">
+              <a:prstTxWarp prst="textNoShape">
+                <a:avLst/>
+              </a:prstTxWarp>
+              <a:noAutofit/>
+            </a:bodyPr>
+            <a:lstStyle/>
+            <a:p>
+              <a:pPr algn="ctr"/>
+              <a:r>
+                <a:rPr lang="en-US" sz="1000" dirty="0"/>
+                <a:t>Walk-Local</a:t>
+              </a:r>
+            </a:p>
+          </p:txBody>
+        </p:sp>
+        <p:sp>
+          <p:nvSpPr>
+            <p:cNvPr id="28" name="Rectangle 27">
+              <a:extLst>
+                <a:ext uri="{FF2B5EF4-FFF2-40B4-BE49-F238E27FC236}">
+                  <a16:creationId xmlns:a16="http://schemas.microsoft.com/office/drawing/2014/main" id="{6E2BD331-1204-4EB2-B0CE-9C4CE8F06DEA}"/>
+                </a:ext>
+              </a:extLst>
+            </p:cNvPr>
+            <p:cNvSpPr/>
+            <p:nvPr/>
+          </p:nvSpPr>
+          <p:spPr>
+            <a:xfrm>
+              <a:off x="4885222" y="2685875"/>
+              <a:ext cx="640080" cy="548640"/>
+            </a:xfrm>
+            <a:prstGeom prst="rect">
+              <a:avLst/>
+            </a:prstGeom>
+            <a:solidFill>
+              <a:schemeClr val="accent6"/>
+            </a:solidFill>
+            <a:ln>
+              <a:solidFill>
+                <a:schemeClr val="bg1">
+                  <a:lumMod val="65000"/>
+                </a:schemeClr>
+              </a:solidFill>
+            </a:ln>
+          </p:spPr>
+          <p:style>
+            <a:lnRef idx="2">
+              <a:schemeClr val="accent1">
+                <a:shade val="50000"/>
+              </a:schemeClr>
+            </a:lnRef>
+            <a:fillRef idx="1">
+              <a:schemeClr val="accent1"/>
+            </a:fillRef>
+            <a:effectRef idx="0">
+              <a:schemeClr val="accent1"/>
+            </a:effectRef>
+            <a:fontRef idx="minor">
+              <a:schemeClr val="lt1"/>
+            </a:fontRef>
+          </p:style>
+          <p:txBody>
+            <a:bodyPr rot="0" spcFirstLastPara="0" vertOverflow="overflow" horzOverflow="overflow" vert="horz" wrap="square" lIns="68580" tIns="45720" rIns="68580" bIns="45720" numCol="1" spcCol="0" rtlCol="0" fromWordArt="0" anchor="ctr" anchorCtr="0" forceAA="0" compatLnSpc="1">
+              <a:prstTxWarp prst="textNoShape">
+                <a:avLst/>
+              </a:prstTxWarp>
+              <a:noAutofit/>
+            </a:bodyPr>
+            <a:lstStyle/>
+            <a:p>
+              <a:pPr algn="ctr"/>
+              <a:r>
+                <a:rPr lang="en-US" sz="1000" dirty="0"/>
+                <a:t>Walk-LRT &amp; Ferry</a:t>
+              </a:r>
+            </a:p>
+          </p:txBody>
+        </p:sp>
+        <p:sp>
+          <p:nvSpPr>
+            <p:cNvPr id="29" name="Rectangle 28">
+              <a:extLst>
+                <a:ext uri="{FF2B5EF4-FFF2-40B4-BE49-F238E27FC236}">
+                  <a16:creationId xmlns:a16="http://schemas.microsoft.com/office/drawing/2014/main" id="{D4ABB021-6949-4320-91E3-6B199C92F859}"/>
+                </a:ext>
+              </a:extLst>
+            </p:cNvPr>
+            <p:cNvSpPr/>
+            <p:nvPr/>
+          </p:nvSpPr>
+          <p:spPr>
+            <a:xfrm>
+              <a:off x="4119576" y="3355485"/>
+              <a:ext cx="640080" cy="548640"/>
+            </a:xfrm>
+            <a:prstGeom prst="rect">
+              <a:avLst/>
+            </a:prstGeom>
+            <a:solidFill>
+              <a:schemeClr val="accent6"/>
+            </a:solidFill>
+            <a:ln>
+              <a:solidFill>
+                <a:schemeClr val="bg1">
+                  <a:lumMod val="65000"/>
+                </a:schemeClr>
+              </a:solidFill>
+            </a:ln>
+          </p:spPr>
+          <p:style>
+            <a:lnRef idx="2">
+              <a:schemeClr val="accent1">
+                <a:shade val="50000"/>
+              </a:schemeClr>
+            </a:lnRef>
+            <a:fillRef idx="1">
+              <a:schemeClr val="accent1"/>
+            </a:fillRef>
+            <a:effectRef idx="0">
+              <a:schemeClr val="accent1"/>
+            </a:effectRef>
+            <a:fontRef idx="minor">
+              <a:schemeClr val="lt1"/>
+            </a:fontRef>
+          </p:style>
+          <p:txBody>
+            <a:bodyPr rot="0" spcFirstLastPara="0" vertOverflow="overflow" horzOverflow="overflow" vert="horz" wrap="square" lIns="68580" tIns="45720" rIns="68580" bIns="45720" numCol="1" spcCol="0" rtlCol="0" fromWordArt="0" anchor="ctr" anchorCtr="0" forceAA="0" compatLnSpc="1">
+              <a:prstTxWarp prst="textNoShape">
+                <a:avLst/>
+              </a:prstTxWarp>
+              <a:noAutofit/>
+            </a:bodyPr>
+            <a:lstStyle/>
+            <a:p>
+              <a:pPr algn="ctr"/>
+              <a:r>
+                <a:rPr lang="en-US" sz="1000" dirty="0"/>
+                <a:t>Walk-Express</a:t>
+              </a:r>
+            </a:p>
+          </p:txBody>
+        </p:sp>
+        <p:sp>
+          <p:nvSpPr>
+            <p:cNvPr id="30" name="Rectangle 29">
+              <a:extLst>
+                <a:ext uri="{FF2B5EF4-FFF2-40B4-BE49-F238E27FC236}">
+                  <a16:creationId xmlns:a16="http://schemas.microsoft.com/office/drawing/2014/main" id="{9D015ACE-C9BB-4247-B2F1-A9613AD111D1}"/>
+                </a:ext>
+              </a:extLst>
+            </p:cNvPr>
+            <p:cNvSpPr/>
+            <p:nvPr/>
+          </p:nvSpPr>
+          <p:spPr>
+            <a:xfrm>
+              <a:off x="4885222" y="3357806"/>
+              <a:ext cx="640080" cy="548640"/>
+            </a:xfrm>
+            <a:prstGeom prst="rect">
+              <a:avLst/>
+            </a:prstGeom>
+            <a:solidFill>
+              <a:schemeClr val="accent6"/>
+            </a:solidFill>
+            <a:ln>
+              <a:solidFill>
+                <a:schemeClr val="bg1">
+                  <a:lumMod val="65000"/>
+                </a:schemeClr>
+              </a:solidFill>
+            </a:ln>
+          </p:spPr>
+          <p:style>
+            <a:lnRef idx="2">
+              <a:schemeClr val="accent1">
+                <a:shade val="50000"/>
+              </a:schemeClr>
+            </a:lnRef>
+            <a:fillRef idx="1">
+              <a:schemeClr val="accent1"/>
+            </a:fillRef>
+            <a:effectRef idx="0">
+              <a:schemeClr val="accent1"/>
+            </a:effectRef>
+            <a:fontRef idx="minor">
+              <a:schemeClr val="lt1"/>
+            </a:fontRef>
+          </p:style>
+          <p:txBody>
+            <a:bodyPr rot="0" spcFirstLastPara="0" vertOverflow="overflow" horzOverflow="overflow" vert="horz" wrap="square" lIns="68580" tIns="45720" rIns="68580" bIns="45720" numCol="1" spcCol="0" rtlCol="0" fromWordArt="0" anchor="ctr" anchorCtr="0" forceAA="0" compatLnSpc="1">
+              <a:prstTxWarp prst="textNoShape">
+                <a:avLst/>
+              </a:prstTxWarp>
+              <a:noAutofit/>
+            </a:bodyPr>
+            <a:lstStyle/>
+            <a:p>
+              <a:pPr algn="ctr"/>
+              <a:r>
+                <a:rPr lang="en-US" sz="1000" dirty="0"/>
+                <a:t>Walk-Heavy Rail</a:t>
+              </a:r>
+            </a:p>
+          </p:txBody>
+        </p:sp>
+        <p:sp>
+          <p:nvSpPr>
+            <p:cNvPr id="31" name="Rectangle 30">
+              <a:extLst>
+                <a:ext uri="{FF2B5EF4-FFF2-40B4-BE49-F238E27FC236}">
+                  <a16:creationId xmlns:a16="http://schemas.microsoft.com/office/drawing/2014/main" id="{80450B22-ADC2-426A-A95B-58B86D440153}"/>
+                </a:ext>
+              </a:extLst>
+            </p:cNvPr>
+            <p:cNvSpPr/>
+            <p:nvPr/>
+          </p:nvSpPr>
+          <p:spPr>
+            <a:xfrm>
+              <a:off x="4503878" y="4084201"/>
+              <a:ext cx="640080" cy="548640"/>
+            </a:xfrm>
+            <a:prstGeom prst="rect">
+              <a:avLst/>
+            </a:prstGeom>
+            <a:solidFill>
+              <a:schemeClr val="accent6"/>
+            </a:solidFill>
+            <a:ln>
+              <a:solidFill>
+                <a:schemeClr val="bg1">
+                  <a:lumMod val="65000"/>
+                </a:schemeClr>
+              </a:solidFill>
+            </a:ln>
+          </p:spPr>
+          <p:style>
+            <a:lnRef idx="2">
+              <a:schemeClr val="accent1">
+                <a:shade val="50000"/>
+              </a:schemeClr>
+            </a:lnRef>
+            <a:fillRef idx="1">
+              <a:schemeClr val="accent1"/>
+            </a:fillRef>
+            <a:effectRef idx="0">
+              <a:schemeClr val="accent1"/>
+            </a:effectRef>
+            <a:fontRef idx="minor">
+              <a:schemeClr val="lt1"/>
+            </a:fontRef>
+          </p:style>
+          <p:txBody>
+            <a:bodyPr rot="0" spcFirstLastPara="0" vertOverflow="overflow" horzOverflow="overflow" vert="horz" wrap="square" lIns="68580" tIns="45720" rIns="68580" bIns="45720" numCol="1" spcCol="0" rtlCol="0" fromWordArt="0" anchor="ctr" anchorCtr="0" forceAA="0" compatLnSpc="1">
+              <a:prstTxWarp prst="textNoShape">
+                <a:avLst/>
+              </a:prstTxWarp>
+              <a:noAutofit/>
+            </a:bodyPr>
+            <a:lstStyle/>
+            <a:p>
+              <a:pPr algn="ctr"/>
+              <a:r>
+                <a:rPr lang="en-US" sz="1000" dirty="0"/>
+                <a:t>Walk-Comm. Rail</a:t>
+              </a:r>
+            </a:p>
+          </p:txBody>
+        </p:sp>
+        <p:cxnSp>
+          <p:nvCxnSpPr>
+            <p:cNvPr id="118" name="Straight Connector 32">
+              <a:extLst>
+                <a:ext uri="{FF2B5EF4-FFF2-40B4-BE49-F238E27FC236}">
+                  <a16:creationId xmlns:a16="http://schemas.microsoft.com/office/drawing/2014/main" id="{707C68DD-54F2-4CD0-BD4C-6B441996E692}"/>
+                </a:ext>
+              </a:extLst>
+            </p:cNvPr>
+            <p:cNvCxnSpPr>
+              <a:cxnSpLocks/>
+              <a:stCxn id="22" idx="2"/>
+              <a:endCxn id="31" idx="0"/>
+            </p:cNvCxnSpPr>
+            <p:nvPr/>
+          </p:nvCxnSpPr>
+          <p:spPr>
+            <a:xfrm flipH="1">
+              <a:off x="4823918" y="2325951"/>
+              <a:ext cx="1" cy="1758250"/>
+            </a:xfrm>
+            <a:prstGeom prst="straightConnector1">
+              <a:avLst/>
+            </a:prstGeom>
+            <a:ln w="19050">
+              <a:solidFill>
+                <a:schemeClr val="bg1">
+                  <a:lumMod val="50000"/>
+                </a:schemeClr>
+              </a:solidFill>
+            </a:ln>
+          </p:spPr>
+          <p:style>
+            <a:lnRef idx="1">
+              <a:schemeClr val="accent1"/>
+            </a:lnRef>
+            <a:fillRef idx="0">
+              <a:schemeClr val="accent1"/>
+            </a:fillRef>
+            <a:effectRef idx="0">
+              <a:schemeClr val="accent1"/>
+            </a:effectRef>
+            <a:fontRef idx="minor">
+              <a:schemeClr val="tx1"/>
+            </a:fontRef>
+          </p:style>
+        </p:cxnSp>
+        <p:cxnSp>
+          <p:nvCxnSpPr>
+            <p:cNvPr id="122" name="Straight Connector 32">
+              <a:extLst>
+                <a:ext uri="{FF2B5EF4-FFF2-40B4-BE49-F238E27FC236}">
+                  <a16:creationId xmlns:a16="http://schemas.microsoft.com/office/drawing/2014/main" id="{267C23B8-D687-42F4-93F3-FBB4AF084144}"/>
+                </a:ext>
+              </a:extLst>
+            </p:cNvPr>
+            <p:cNvCxnSpPr>
+              <a:cxnSpLocks/>
+              <a:stCxn id="22" idx="2"/>
+              <a:endCxn id="27" idx="3"/>
+            </p:cNvCxnSpPr>
+            <p:nvPr/>
+          </p:nvCxnSpPr>
+          <p:spPr>
+            <a:xfrm rot="5400000">
+              <a:off x="4474563" y="2610839"/>
+              <a:ext cx="634244" cy="64468"/>
+            </a:xfrm>
+            <a:prstGeom prst="bentConnector2">
+              <a:avLst/>
+            </a:prstGeom>
+            <a:ln w="19050">
+              <a:solidFill>
+                <a:schemeClr val="bg1">
+                  <a:lumMod val="50000"/>
+                </a:schemeClr>
+              </a:solidFill>
+            </a:ln>
+          </p:spPr>
+          <p:style>
+            <a:lnRef idx="1">
+              <a:schemeClr val="accent1"/>
+            </a:lnRef>
+            <a:fillRef idx="0">
+              <a:schemeClr val="accent1"/>
+            </a:fillRef>
+            <a:effectRef idx="0">
+              <a:schemeClr val="accent1"/>
+            </a:effectRef>
+            <a:fontRef idx="minor">
+              <a:schemeClr val="tx1"/>
+            </a:fontRef>
+          </p:style>
+        </p:cxnSp>
+        <p:cxnSp>
+          <p:nvCxnSpPr>
+            <p:cNvPr id="126" name="Straight Connector 32">
+              <a:extLst>
+                <a:ext uri="{FF2B5EF4-FFF2-40B4-BE49-F238E27FC236}">
+                  <a16:creationId xmlns:a16="http://schemas.microsoft.com/office/drawing/2014/main" id="{87920056-8B13-459F-BA9A-968C2DE7817F}"/>
+                </a:ext>
+              </a:extLst>
+            </p:cNvPr>
+            <p:cNvCxnSpPr>
+              <a:cxnSpLocks/>
+              <a:stCxn id="22" idx="2"/>
+              <a:endCxn id="28" idx="1"/>
+            </p:cNvCxnSpPr>
+            <p:nvPr/>
+          </p:nvCxnSpPr>
+          <p:spPr>
+            <a:xfrm rot="16200000" flipH="1">
+              <a:off x="4537448" y="2612421"/>
+              <a:ext cx="634244" cy="61303"/>
+            </a:xfrm>
+            <a:prstGeom prst="bentConnector2">
+              <a:avLst/>
+            </a:prstGeom>
+            <a:ln w="19050">
+              <a:solidFill>
+                <a:schemeClr val="bg1">
+                  <a:lumMod val="50000"/>
+                </a:schemeClr>
+              </a:solidFill>
+            </a:ln>
+          </p:spPr>
+          <p:style>
+            <a:lnRef idx="1">
+              <a:schemeClr val="accent1"/>
+            </a:lnRef>
+            <a:fillRef idx="0">
+              <a:schemeClr val="accent1"/>
+            </a:fillRef>
+            <a:effectRef idx="0">
+              <a:schemeClr val="accent1"/>
+            </a:effectRef>
+            <a:fontRef idx="minor">
+              <a:schemeClr val="tx1"/>
+            </a:fontRef>
+          </p:style>
+        </p:cxnSp>
+        <p:cxnSp>
+          <p:nvCxnSpPr>
+            <p:cNvPr id="132" name="Straight Connector 32">
+              <a:extLst>
+                <a:ext uri="{FF2B5EF4-FFF2-40B4-BE49-F238E27FC236}">
+                  <a16:creationId xmlns:a16="http://schemas.microsoft.com/office/drawing/2014/main" id="{24F3CBCD-54CC-4863-88AA-7D0C471C9D5A}"/>
+                </a:ext>
+              </a:extLst>
+            </p:cNvPr>
+            <p:cNvCxnSpPr>
+              <a:cxnSpLocks/>
+              <a:stCxn id="22" idx="2"/>
+              <a:endCxn id="29" idx="3"/>
+            </p:cNvCxnSpPr>
+            <p:nvPr/>
+          </p:nvCxnSpPr>
+          <p:spPr>
+            <a:xfrm rot="5400000">
+              <a:off x="4139861" y="2945747"/>
+              <a:ext cx="1303854" cy="64263"/>
+            </a:xfrm>
+            <a:prstGeom prst="bentConnector2">
+              <a:avLst/>
+            </a:prstGeom>
+            <a:ln w="19050">
+              <a:solidFill>
+                <a:schemeClr val="bg1">
+                  <a:lumMod val="50000"/>
+                </a:schemeClr>
+              </a:solidFill>
+            </a:ln>
+          </p:spPr>
+          <p:style>
+            <a:lnRef idx="1">
+              <a:schemeClr val="accent1"/>
+            </a:lnRef>
+            <a:fillRef idx="0">
+              <a:schemeClr val="accent1"/>
+            </a:fillRef>
+            <a:effectRef idx="0">
+              <a:schemeClr val="accent1"/>
+            </a:effectRef>
+            <a:fontRef idx="minor">
+              <a:schemeClr val="tx1"/>
+            </a:fontRef>
+          </p:style>
+        </p:cxnSp>
+        <p:cxnSp>
+          <p:nvCxnSpPr>
+            <p:cNvPr id="135" name="Straight Connector 32">
+              <a:extLst>
+                <a:ext uri="{FF2B5EF4-FFF2-40B4-BE49-F238E27FC236}">
+                  <a16:creationId xmlns:a16="http://schemas.microsoft.com/office/drawing/2014/main" id="{E45057A8-56AF-4646-9A07-C9354045BF1A}"/>
+                </a:ext>
+              </a:extLst>
+            </p:cNvPr>
+            <p:cNvCxnSpPr>
+              <a:cxnSpLocks/>
+              <a:stCxn id="22" idx="2"/>
+              <a:endCxn id="30" idx="1"/>
+            </p:cNvCxnSpPr>
+            <p:nvPr/>
+          </p:nvCxnSpPr>
+          <p:spPr>
+            <a:xfrm rot="16200000" flipH="1">
+              <a:off x="4201483" y="2948386"/>
+              <a:ext cx="1306175" cy="61303"/>
+            </a:xfrm>
+            <a:prstGeom prst="bentConnector2">
+              <a:avLst/>
+            </a:prstGeom>
+            <a:ln w="19050">
+              <a:solidFill>
+                <a:schemeClr val="bg1">
+                  <a:lumMod val="50000"/>
+                </a:schemeClr>
+              </a:solidFill>
+            </a:ln>
+          </p:spPr>
+          <p:style>
+            <a:lnRef idx="1">
+              <a:schemeClr val="accent1"/>
+            </a:lnRef>
+            <a:fillRef idx="0">
+              <a:schemeClr val="accent1"/>
+            </a:fillRef>
+            <a:effectRef idx="0">
+              <a:schemeClr val="accent1"/>
+            </a:effectRef>
+            <a:fontRef idx="minor">
+              <a:schemeClr val="tx1"/>
+            </a:fontRef>
+          </p:style>
+        </p:cxnSp>
+      </p:grpSp>
+      <p:grpSp>
+        <p:nvGrpSpPr>
+          <p:cNvPr id="187" name="Group 186">
+            <a:extLst>
+              <a:ext uri="{FF2B5EF4-FFF2-40B4-BE49-F238E27FC236}">
+                <a16:creationId xmlns:a16="http://schemas.microsoft.com/office/drawing/2014/main" id="{87EA84D8-C8EB-4633-9E7F-D449CE51C671}"/>
+              </a:ext>
+            </a:extLst>
+          </p:cNvPr>
+          <p:cNvGrpSpPr/>
+          <p:nvPr/>
+        </p:nvGrpSpPr>
+        <p:grpSpPr>
+          <a:xfrm>
+            <a:off x="5564531" y="1868751"/>
+            <a:ext cx="1405931" cy="2779997"/>
+            <a:chOff x="4119371" y="1868751"/>
+            <a:chExt cx="1405931" cy="2779997"/>
+          </a:xfrm>
+        </p:grpSpPr>
+        <p:sp>
+          <p:nvSpPr>
+            <p:cNvPr id="188" name="Rectangle 187">
+              <a:extLst>
+                <a:ext uri="{FF2B5EF4-FFF2-40B4-BE49-F238E27FC236}">
+                  <a16:creationId xmlns:a16="http://schemas.microsoft.com/office/drawing/2014/main" id="{FC2E57A3-F952-43B8-A594-A277181C3033}"/>
+                </a:ext>
+              </a:extLst>
+            </p:cNvPr>
+            <p:cNvSpPr/>
+            <p:nvPr/>
+          </p:nvSpPr>
+          <p:spPr>
+            <a:xfrm>
+              <a:off x="4458159" y="1868751"/>
+              <a:ext cx="731520" cy="457200"/>
+            </a:xfrm>
+            <a:prstGeom prst="rect">
+              <a:avLst/>
+            </a:prstGeom>
+            <a:solidFill>
+              <a:schemeClr val="accent6"/>
+            </a:solidFill>
+            <a:ln>
+              <a:solidFill>
+                <a:schemeClr val="bg1">
+                  <a:lumMod val="65000"/>
+                </a:schemeClr>
+              </a:solidFill>
+            </a:ln>
+          </p:spPr>
+          <p:style>
+            <a:lnRef idx="2">
+              <a:schemeClr val="accent1">
+                <a:shade val="50000"/>
+              </a:schemeClr>
+            </a:lnRef>
+            <a:fillRef idx="1">
+              <a:schemeClr val="accent1"/>
+            </a:fillRef>
+            <a:effectRef idx="0">
+              <a:schemeClr val="accent1"/>
+            </a:effectRef>
+            <a:fontRef idx="minor">
+              <a:schemeClr val="lt1"/>
+            </a:fontRef>
+          </p:style>
+          <p:txBody>
+            <a:bodyPr rot="0" spcFirstLastPara="0" vertOverflow="overflow" horzOverflow="overflow" vert="horz" wrap="square" lIns="91440" tIns="45720" rIns="91440" bIns="45720" numCol="1" spcCol="0" rtlCol="0" fromWordArt="0" anchor="ctr" anchorCtr="0" forceAA="0" compatLnSpc="1">
+              <a:prstTxWarp prst="textNoShape">
+                <a:avLst/>
+              </a:prstTxWarp>
+              <a:noAutofit/>
+            </a:bodyPr>
+            <a:lstStyle/>
+            <a:p>
+              <a:pPr algn="ctr"/>
+              <a:r>
+                <a:rPr lang="en-US" sz="1050" dirty="0"/>
+                <a:t>Drive-Transit</a:t>
+              </a:r>
+              <a:endParaRPr lang="en-US" sz="1000" dirty="0"/>
+            </a:p>
+          </p:txBody>
+        </p:sp>
+        <p:sp>
+          <p:nvSpPr>
+            <p:cNvPr id="189" name="Rectangle 188">
+              <a:extLst>
+                <a:ext uri="{FF2B5EF4-FFF2-40B4-BE49-F238E27FC236}">
+                  <a16:creationId xmlns:a16="http://schemas.microsoft.com/office/drawing/2014/main" id="{E990312C-6301-45C0-8651-022256A01804}"/>
+                </a:ext>
+              </a:extLst>
+            </p:cNvPr>
+            <p:cNvSpPr/>
+            <p:nvPr/>
+          </p:nvSpPr>
+          <p:spPr>
+            <a:xfrm>
+              <a:off x="4119371" y="2701782"/>
+              <a:ext cx="640080" cy="548640"/>
+            </a:xfrm>
+            <a:prstGeom prst="rect">
+              <a:avLst/>
+            </a:prstGeom>
+            <a:solidFill>
+              <a:schemeClr val="accent6"/>
+            </a:solidFill>
+            <a:ln>
+              <a:solidFill>
+                <a:schemeClr val="bg1">
+                  <a:lumMod val="65000"/>
+                </a:schemeClr>
+              </a:solidFill>
+            </a:ln>
+          </p:spPr>
+          <p:style>
+            <a:lnRef idx="2">
+              <a:schemeClr val="accent1">
+                <a:shade val="50000"/>
+              </a:schemeClr>
+            </a:lnRef>
+            <a:fillRef idx="1">
+              <a:schemeClr val="accent1"/>
+            </a:fillRef>
+            <a:effectRef idx="0">
+              <a:schemeClr val="accent1"/>
+            </a:effectRef>
+            <a:fontRef idx="minor">
+              <a:schemeClr val="lt1"/>
+            </a:fontRef>
+          </p:style>
+          <p:txBody>
+            <a:bodyPr rot="0" spcFirstLastPara="0" vertOverflow="overflow" horzOverflow="overflow" vert="horz" wrap="square" lIns="68580" tIns="45720" rIns="68580" bIns="45720" numCol="1" spcCol="0" rtlCol="0" fromWordArt="0" anchor="ctr" anchorCtr="0" forceAA="0" compatLnSpc="1">
+              <a:prstTxWarp prst="textNoShape">
+                <a:avLst/>
+              </a:prstTxWarp>
+              <a:noAutofit/>
+            </a:bodyPr>
+            <a:lstStyle/>
+            <a:p>
+              <a:pPr algn="ctr"/>
+              <a:r>
+                <a:rPr lang="en-US" sz="1000" dirty="0"/>
+                <a:t>Drive-Local</a:t>
+              </a:r>
+            </a:p>
+          </p:txBody>
+        </p:sp>
+        <p:sp>
+          <p:nvSpPr>
+            <p:cNvPr id="190" name="Rectangle 189">
+              <a:extLst>
+                <a:ext uri="{FF2B5EF4-FFF2-40B4-BE49-F238E27FC236}">
+                  <a16:creationId xmlns:a16="http://schemas.microsoft.com/office/drawing/2014/main" id="{106D2F56-9699-4BA2-8938-8CF286D7BE91}"/>
+                </a:ext>
+              </a:extLst>
+            </p:cNvPr>
+            <p:cNvSpPr/>
+            <p:nvPr/>
+          </p:nvSpPr>
+          <p:spPr>
+            <a:xfrm>
+              <a:off x="4885222" y="2701782"/>
+              <a:ext cx="640080" cy="548640"/>
+            </a:xfrm>
+            <a:prstGeom prst="rect">
+              <a:avLst/>
+            </a:prstGeom>
+            <a:solidFill>
+              <a:schemeClr val="accent6"/>
+            </a:solidFill>
+            <a:ln>
+              <a:solidFill>
+                <a:schemeClr val="bg1">
+                  <a:lumMod val="65000"/>
+                </a:schemeClr>
+              </a:solidFill>
+            </a:ln>
+          </p:spPr>
+          <p:style>
+            <a:lnRef idx="2">
+              <a:schemeClr val="accent1">
+                <a:shade val="50000"/>
+              </a:schemeClr>
+            </a:lnRef>
+            <a:fillRef idx="1">
+              <a:schemeClr val="accent1"/>
+            </a:fillRef>
+            <a:effectRef idx="0">
+              <a:schemeClr val="accent1"/>
+            </a:effectRef>
+            <a:fontRef idx="minor">
+              <a:schemeClr val="lt1"/>
+            </a:fontRef>
+          </p:style>
+          <p:txBody>
+            <a:bodyPr rot="0" spcFirstLastPara="0" vertOverflow="overflow" horzOverflow="overflow" vert="horz" wrap="square" lIns="68580" tIns="45720" rIns="68580" bIns="45720" numCol="1" spcCol="0" rtlCol="0" fromWordArt="0" anchor="ctr" anchorCtr="0" forceAA="0" compatLnSpc="1">
+              <a:prstTxWarp prst="textNoShape">
+                <a:avLst/>
+              </a:prstTxWarp>
+              <a:noAutofit/>
+            </a:bodyPr>
+            <a:lstStyle/>
+            <a:p>
+              <a:pPr algn="ctr"/>
+              <a:r>
+                <a:rPr lang="en-US" sz="1000" dirty="0"/>
+                <a:t>Drive-LRT &amp; Ferry</a:t>
+              </a:r>
+            </a:p>
+          </p:txBody>
+        </p:sp>
+        <p:sp>
+          <p:nvSpPr>
+            <p:cNvPr id="191" name="Rectangle 190">
+              <a:extLst>
+                <a:ext uri="{FF2B5EF4-FFF2-40B4-BE49-F238E27FC236}">
+                  <a16:creationId xmlns:a16="http://schemas.microsoft.com/office/drawing/2014/main" id="{89FD7D34-D31F-4B44-8F27-907C99B1E412}"/>
+                </a:ext>
+              </a:extLst>
+            </p:cNvPr>
+            <p:cNvSpPr/>
+            <p:nvPr/>
+          </p:nvSpPr>
+          <p:spPr>
+            <a:xfrm>
+              <a:off x="4119576" y="3371392"/>
+              <a:ext cx="640080" cy="548640"/>
+            </a:xfrm>
+            <a:prstGeom prst="rect">
+              <a:avLst/>
+            </a:prstGeom>
+            <a:solidFill>
+              <a:schemeClr val="accent6"/>
+            </a:solidFill>
+            <a:ln>
+              <a:solidFill>
+                <a:schemeClr val="bg1">
+                  <a:lumMod val="65000"/>
+                </a:schemeClr>
+              </a:solidFill>
+            </a:ln>
+          </p:spPr>
+          <p:style>
+            <a:lnRef idx="2">
+              <a:schemeClr val="accent1">
+                <a:shade val="50000"/>
+              </a:schemeClr>
+            </a:lnRef>
+            <a:fillRef idx="1">
+              <a:schemeClr val="accent1"/>
+            </a:fillRef>
+            <a:effectRef idx="0">
+              <a:schemeClr val="accent1"/>
+            </a:effectRef>
+            <a:fontRef idx="minor">
+              <a:schemeClr val="lt1"/>
+            </a:fontRef>
+          </p:style>
+          <p:txBody>
+            <a:bodyPr rot="0" spcFirstLastPara="0" vertOverflow="overflow" horzOverflow="overflow" vert="horz" wrap="square" lIns="68580" tIns="45720" rIns="68580" bIns="45720" numCol="1" spcCol="0" rtlCol="0" fromWordArt="0" anchor="ctr" anchorCtr="0" forceAA="0" compatLnSpc="1">
+              <a:prstTxWarp prst="textNoShape">
+                <a:avLst/>
+              </a:prstTxWarp>
+              <a:noAutofit/>
+            </a:bodyPr>
+            <a:lstStyle/>
+            <a:p>
+              <a:pPr algn="ctr"/>
+              <a:r>
+                <a:rPr lang="en-US" sz="1000" dirty="0"/>
+                <a:t>Drive-Express</a:t>
+              </a:r>
+            </a:p>
+          </p:txBody>
+        </p:sp>
+        <p:sp>
+          <p:nvSpPr>
+            <p:cNvPr id="192" name="Rectangle 191">
+              <a:extLst>
+                <a:ext uri="{FF2B5EF4-FFF2-40B4-BE49-F238E27FC236}">
+                  <a16:creationId xmlns:a16="http://schemas.microsoft.com/office/drawing/2014/main" id="{C8797D0A-3279-47F3-ADC5-CB4296D1A8F8}"/>
+                </a:ext>
+              </a:extLst>
+            </p:cNvPr>
+            <p:cNvSpPr/>
+            <p:nvPr/>
+          </p:nvSpPr>
+          <p:spPr>
+            <a:xfrm>
+              <a:off x="4885222" y="3373713"/>
+              <a:ext cx="640080" cy="548640"/>
+            </a:xfrm>
+            <a:prstGeom prst="rect">
+              <a:avLst/>
+            </a:prstGeom>
+            <a:solidFill>
+              <a:schemeClr val="accent6"/>
+            </a:solidFill>
+            <a:ln>
+              <a:solidFill>
+                <a:schemeClr val="bg1">
+                  <a:lumMod val="65000"/>
+                </a:schemeClr>
+              </a:solidFill>
+            </a:ln>
+          </p:spPr>
+          <p:style>
+            <a:lnRef idx="2">
+              <a:schemeClr val="accent1">
+                <a:shade val="50000"/>
+              </a:schemeClr>
+            </a:lnRef>
+            <a:fillRef idx="1">
+              <a:schemeClr val="accent1"/>
+            </a:fillRef>
+            <a:effectRef idx="0">
+              <a:schemeClr val="accent1"/>
+            </a:effectRef>
+            <a:fontRef idx="minor">
+              <a:schemeClr val="lt1"/>
+            </a:fontRef>
+          </p:style>
+          <p:txBody>
+            <a:bodyPr rot="0" spcFirstLastPara="0" vertOverflow="overflow" horzOverflow="overflow" vert="horz" wrap="square" lIns="68580" tIns="45720" rIns="68580" bIns="45720" numCol="1" spcCol="0" rtlCol="0" fromWordArt="0" anchor="ctr" anchorCtr="0" forceAA="0" compatLnSpc="1">
+              <a:prstTxWarp prst="textNoShape">
+                <a:avLst/>
+              </a:prstTxWarp>
+              <a:noAutofit/>
+            </a:bodyPr>
+            <a:lstStyle/>
+            <a:p>
+              <a:pPr algn="ctr"/>
+              <a:r>
+                <a:rPr lang="en-US" sz="1000" dirty="0"/>
+                <a:t>Drive-Heavy Rail</a:t>
+              </a:r>
+            </a:p>
+          </p:txBody>
+        </p:sp>
+        <p:sp>
+          <p:nvSpPr>
+            <p:cNvPr id="193" name="Rectangle 192">
+              <a:extLst>
+                <a:ext uri="{FF2B5EF4-FFF2-40B4-BE49-F238E27FC236}">
+                  <a16:creationId xmlns:a16="http://schemas.microsoft.com/office/drawing/2014/main" id="{A4EA643D-2F11-4F6C-BFA2-E4AD69323483}"/>
+                </a:ext>
+              </a:extLst>
+            </p:cNvPr>
+            <p:cNvSpPr/>
+            <p:nvPr/>
+          </p:nvSpPr>
+          <p:spPr>
+            <a:xfrm>
+              <a:off x="4503878" y="4100108"/>
+              <a:ext cx="640080" cy="548640"/>
+            </a:xfrm>
+            <a:prstGeom prst="rect">
+              <a:avLst/>
+            </a:prstGeom>
+            <a:solidFill>
+              <a:schemeClr val="accent6"/>
+            </a:solidFill>
+            <a:ln>
+              <a:solidFill>
+                <a:schemeClr val="bg1">
+                  <a:lumMod val="65000"/>
+                </a:schemeClr>
+              </a:solidFill>
+            </a:ln>
+          </p:spPr>
+          <p:style>
+            <a:lnRef idx="2">
+              <a:schemeClr val="accent1">
+                <a:shade val="50000"/>
+              </a:schemeClr>
+            </a:lnRef>
+            <a:fillRef idx="1">
+              <a:schemeClr val="accent1"/>
+            </a:fillRef>
+            <a:effectRef idx="0">
+              <a:schemeClr val="accent1"/>
+            </a:effectRef>
+            <a:fontRef idx="minor">
+              <a:schemeClr val="lt1"/>
+            </a:fontRef>
+          </p:style>
+          <p:txBody>
+            <a:bodyPr rot="0" spcFirstLastPara="0" vertOverflow="overflow" horzOverflow="overflow" vert="horz" wrap="square" lIns="68580" tIns="45720" rIns="68580" bIns="45720" numCol="1" spcCol="0" rtlCol="0" fromWordArt="0" anchor="ctr" anchorCtr="0" forceAA="0" compatLnSpc="1">
+              <a:prstTxWarp prst="textNoShape">
+                <a:avLst/>
+              </a:prstTxWarp>
+              <a:noAutofit/>
+            </a:bodyPr>
+            <a:lstStyle/>
+            <a:p>
+              <a:pPr algn="ctr"/>
+              <a:r>
+                <a:rPr lang="en-US" sz="1000" dirty="0"/>
+                <a:t>Drive-Comm. Rail</a:t>
+              </a:r>
+            </a:p>
+          </p:txBody>
+        </p:sp>
+        <p:cxnSp>
+          <p:nvCxnSpPr>
+            <p:cNvPr id="194" name="Straight Connector 32">
+              <a:extLst>
+                <a:ext uri="{FF2B5EF4-FFF2-40B4-BE49-F238E27FC236}">
+                  <a16:creationId xmlns:a16="http://schemas.microsoft.com/office/drawing/2014/main" id="{1D37B09E-285F-4AF8-9AD2-71BE4E21AB51}"/>
+                </a:ext>
+              </a:extLst>
+            </p:cNvPr>
+            <p:cNvCxnSpPr>
+              <a:cxnSpLocks/>
+              <a:stCxn id="188" idx="2"/>
+              <a:endCxn id="193" idx="0"/>
+            </p:cNvCxnSpPr>
+            <p:nvPr/>
+          </p:nvCxnSpPr>
+          <p:spPr>
+            <a:xfrm flipH="1">
+              <a:off x="4823918" y="2325951"/>
+              <a:ext cx="1" cy="1774157"/>
+            </a:xfrm>
+            <a:prstGeom prst="straightConnector1">
+              <a:avLst/>
+            </a:prstGeom>
+            <a:ln w="19050">
+              <a:solidFill>
+                <a:schemeClr val="bg1">
+                  <a:lumMod val="50000"/>
+                </a:schemeClr>
+              </a:solidFill>
+            </a:ln>
+          </p:spPr>
+          <p:style>
+            <a:lnRef idx="1">
+              <a:schemeClr val="accent1"/>
+            </a:lnRef>
+            <a:fillRef idx="0">
+              <a:schemeClr val="accent1"/>
+            </a:fillRef>
+            <a:effectRef idx="0">
+              <a:schemeClr val="accent1"/>
+            </a:effectRef>
+            <a:fontRef idx="minor">
+              <a:schemeClr val="tx1"/>
+            </a:fontRef>
+          </p:style>
+        </p:cxnSp>
+        <p:cxnSp>
+          <p:nvCxnSpPr>
+            <p:cNvPr id="195" name="Straight Connector 32">
+              <a:extLst>
+                <a:ext uri="{FF2B5EF4-FFF2-40B4-BE49-F238E27FC236}">
+                  <a16:creationId xmlns:a16="http://schemas.microsoft.com/office/drawing/2014/main" id="{8364182C-D90F-49A1-95E8-F10EF5799A6A}"/>
+                </a:ext>
+              </a:extLst>
+            </p:cNvPr>
+            <p:cNvCxnSpPr>
+              <a:cxnSpLocks/>
+              <a:stCxn id="188" idx="2"/>
+              <a:endCxn id="189" idx="3"/>
+            </p:cNvCxnSpPr>
+            <p:nvPr/>
+          </p:nvCxnSpPr>
+          <p:spPr>
+            <a:xfrm rot="5400000">
+              <a:off x="4466610" y="2618792"/>
+              <a:ext cx="650151" cy="64468"/>
+            </a:xfrm>
+            <a:prstGeom prst="bentConnector2">
+              <a:avLst/>
+            </a:prstGeom>
+            <a:ln w="19050">
+              <a:solidFill>
+                <a:schemeClr val="bg1">
+                  <a:lumMod val="50000"/>
+                </a:schemeClr>
+              </a:solidFill>
+            </a:ln>
+          </p:spPr>
+          <p:style>
+            <a:lnRef idx="1">
+              <a:schemeClr val="accent1"/>
+            </a:lnRef>
+            <a:fillRef idx="0">
+              <a:schemeClr val="accent1"/>
+            </a:fillRef>
+            <a:effectRef idx="0">
+              <a:schemeClr val="accent1"/>
+            </a:effectRef>
+            <a:fontRef idx="minor">
+              <a:schemeClr val="tx1"/>
+            </a:fontRef>
+          </p:style>
+        </p:cxnSp>
+        <p:cxnSp>
+          <p:nvCxnSpPr>
+            <p:cNvPr id="196" name="Straight Connector 32">
+              <a:extLst>
+                <a:ext uri="{FF2B5EF4-FFF2-40B4-BE49-F238E27FC236}">
+                  <a16:creationId xmlns:a16="http://schemas.microsoft.com/office/drawing/2014/main" id="{6EA4C43A-5BF3-466F-A640-45348C4E84C6}"/>
+                </a:ext>
+              </a:extLst>
+            </p:cNvPr>
+            <p:cNvCxnSpPr>
+              <a:cxnSpLocks/>
+              <a:stCxn id="188" idx="2"/>
+              <a:endCxn id="190" idx="1"/>
+            </p:cNvCxnSpPr>
+            <p:nvPr/>
+          </p:nvCxnSpPr>
+          <p:spPr>
+            <a:xfrm rot="16200000" flipH="1">
+              <a:off x="4529495" y="2620374"/>
+              <a:ext cx="650151" cy="61303"/>
+            </a:xfrm>
+            <a:prstGeom prst="bentConnector2">
+              <a:avLst/>
+            </a:prstGeom>
+            <a:ln w="19050">
+              <a:solidFill>
+                <a:schemeClr val="bg1">
+                  <a:lumMod val="50000"/>
+                </a:schemeClr>
+              </a:solidFill>
+            </a:ln>
+          </p:spPr>
+          <p:style>
+            <a:lnRef idx="1">
+              <a:schemeClr val="accent1"/>
+            </a:lnRef>
+            <a:fillRef idx="0">
+              <a:schemeClr val="accent1"/>
+            </a:fillRef>
+            <a:effectRef idx="0">
+              <a:schemeClr val="accent1"/>
+            </a:effectRef>
+            <a:fontRef idx="minor">
+              <a:schemeClr val="tx1"/>
+            </a:fontRef>
+          </p:style>
+        </p:cxnSp>
+        <p:cxnSp>
+          <p:nvCxnSpPr>
+            <p:cNvPr id="197" name="Straight Connector 32">
+              <a:extLst>
+                <a:ext uri="{FF2B5EF4-FFF2-40B4-BE49-F238E27FC236}">
+                  <a16:creationId xmlns:a16="http://schemas.microsoft.com/office/drawing/2014/main" id="{E7A7DF37-4FF9-4ACD-AB15-80260DF946D5}"/>
+                </a:ext>
+              </a:extLst>
+            </p:cNvPr>
+            <p:cNvCxnSpPr>
+              <a:cxnSpLocks/>
+              <a:stCxn id="188" idx="2"/>
+              <a:endCxn id="191" idx="3"/>
+            </p:cNvCxnSpPr>
+            <p:nvPr/>
+          </p:nvCxnSpPr>
+          <p:spPr>
+            <a:xfrm rot="5400000">
+              <a:off x="4131908" y="2953700"/>
+              <a:ext cx="1319761" cy="64263"/>
+            </a:xfrm>
+            <a:prstGeom prst="bentConnector2">
+              <a:avLst/>
+            </a:prstGeom>
+            <a:ln w="19050">
+              <a:solidFill>
+                <a:schemeClr val="bg1">
+                  <a:lumMod val="50000"/>
+                </a:schemeClr>
+              </a:solidFill>
+            </a:ln>
+          </p:spPr>
+          <p:style>
+            <a:lnRef idx="1">
+              <a:schemeClr val="accent1"/>
+            </a:lnRef>
+            <a:fillRef idx="0">
+              <a:schemeClr val="accent1"/>
+            </a:fillRef>
+            <a:effectRef idx="0">
+              <a:schemeClr val="accent1"/>
+            </a:effectRef>
+            <a:fontRef idx="minor">
+              <a:schemeClr val="tx1"/>
+            </a:fontRef>
+          </p:style>
+        </p:cxnSp>
+        <p:cxnSp>
+          <p:nvCxnSpPr>
+            <p:cNvPr id="198" name="Straight Connector 32">
+              <a:extLst>
+                <a:ext uri="{FF2B5EF4-FFF2-40B4-BE49-F238E27FC236}">
+                  <a16:creationId xmlns:a16="http://schemas.microsoft.com/office/drawing/2014/main" id="{8DA025E4-17FD-45F7-9B7E-94B61AF3A27F}"/>
+                </a:ext>
+              </a:extLst>
+            </p:cNvPr>
+            <p:cNvCxnSpPr>
+              <a:cxnSpLocks/>
+              <a:stCxn id="188" idx="2"/>
+              <a:endCxn id="192" idx="1"/>
+            </p:cNvCxnSpPr>
+            <p:nvPr/>
+          </p:nvCxnSpPr>
+          <p:spPr>
+            <a:xfrm rot="16200000" flipH="1">
+              <a:off x="4193529" y="2956340"/>
+              <a:ext cx="1322082" cy="61303"/>
+            </a:xfrm>
+            <a:prstGeom prst="bentConnector2">
+              <a:avLst/>
+            </a:prstGeom>
+            <a:ln w="19050">
+              <a:solidFill>
+                <a:schemeClr val="bg1">
+                  <a:lumMod val="50000"/>
+                </a:schemeClr>
+              </a:solidFill>
+            </a:ln>
+          </p:spPr>
+          <p:style>
+            <a:lnRef idx="1">
+              <a:schemeClr val="accent1"/>
+            </a:lnRef>
+            <a:fillRef idx="0">
+              <a:schemeClr val="accent1"/>
+            </a:fillRef>
+            <a:effectRef idx="0">
+              <a:schemeClr val="accent1"/>
+            </a:effectRef>
+            <a:fontRef idx="minor">
+              <a:schemeClr val="tx1"/>
+            </a:fontRef>
+          </p:style>
+        </p:cxnSp>
+      </p:grpSp>
+      <p:cxnSp>
+        <p:nvCxnSpPr>
+          <p:cNvPr id="200" name="Straight Connector 32">
+            <a:extLst>
+              <a:ext uri="{FF2B5EF4-FFF2-40B4-BE49-F238E27FC236}">
+                <a16:creationId xmlns:a16="http://schemas.microsoft.com/office/drawing/2014/main" id="{42916A8A-0645-4DF9-99EE-B5EC919D2EF7}"/>
+              </a:ext>
+            </a:extLst>
+          </p:cNvPr>
+          <p:cNvCxnSpPr>
+            <a:cxnSpLocks/>
+            <a:stCxn id="8" idx="2"/>
+            <a:endCxn id="24" idx="0"/>
+          </p:cNvCxnSpPr>
+          <p:nvPr/>
+        </p:nvCxnSpPr>
+        <p:spPr>
+          <a:xfrm rot="5400000">
+            <a:off x="7341216" y="1306092"/>
+            <a:ext cx="322548" cy="803763"/>
+          </a:xfrm>
+          <a:prstGeom prst="bentConnector3">
+            <a:avLst>
+              <a:gd name="adj1" fmla="val 50000"/>
+            </a:avLst>
+          </a:prstGeom>
+          <a:ln w="19050">
+            <a:solidFill>
+              <a:schemeClr val="bg1">
+                <a:lumMod val="50000"/>
+              </a:schemeClr>
+            </a:solidFill>
+          </a:ln>
+        </p:spPr>
+        <p:style>
+          <a:lnRef idx="1">
+            <a:schemeClr val="accent1"/>
+          </a:lnRef>
+          <a:fillRef idx="0">
+            <a:schemeClr val="accent1"/>
+          </a:fillRef>
+          <a:effectRef idx="0">
+            <a:schemeClr val="accent1"/>
+          </a:effectRef>
+          <a:fontRef idx="minor">
+            <a:schemeClr val="tx1"/>
+          </a:fontRef>
+        </p:style>
+      </p:cxnSp>
+      <p:cxnSp>
+        <p:nvCxnSpPr>
+          <p:cNvPr id="203" name="Straight Connector 32">
+            <a:extLst>
+              <a:ext uri="{FF2B5EF4-FFF2-40B4-BE49-F238E27FC236}">
+                <a16:creationId xmlns:a16="http://schemas.microsoft.com/office/drawing/2014/main" id="{773E6231-C625-4BE2-AE51-032349CBAF50}"/>
+              </a:ext>
+            </a:extLst>
+          </p:cNvPr>
+          <p:cNvCxnSpPr>
+            <a:cxnSpLocks/>
+            <a:stCxn id="8" idx="2"/>
+            <a:endCxn id="26" idx="0"/>
+          </p:cNvCxnSpPr>
+          <p:nvPr/>
+        </p:nvCxnSpPr>
+        <p:spPr>
+          <a:xfrm rot="16200000" flipH="1">
+            <a:off x="8143816" y="1307253"/>
+            <a:ext cx="322052" cy="800943"/>
+          </a:xfrm>
+          <a:prstGeom prst="bentConnector3">
+            <a:avLst>
+              <a:gd name="adj1" fmla="val 50000"/>
+            </a:avLst>
+          </a:prstGeom>
+          <a:ln w="19050">
+            <a:solidFill>
+              <a:schemeClr val="bg1">
+                <a:lumMod val="50000"/>
+              </a:schemeClr>
+            </a:solidFill>
+          </a:ln>
+        </p:spPr>
+        <p:style>
+          <a:lnRef idx="1">
+            <a:schemeClr val="accent1"/>
+          </a:lnRef>
+          <a:fillRef idx="0">
+            <a:schemeClr val="accent1"/>
+          </a:fillRef>
+          <a:effectRef idx="0">
+            <a:schemeClr val="accent1"/>
+          </a:effectRef>
+          <a:fontRef idx="minor">
+            <a:schemeClr val="tx1"/>
+          </a:fontRef>
+        </p:style>
+      </p:cxnSp>
+      <p:cxnSp>
+        <p:nvCxnSpPr>
+          <p:cNvPr id="206" name="Straight Connector 32">
+            <a:extLst>
+              <a:ext uri="{FF2B5EF4-FFF2-40B4-BE49-F238E27FC236}">
+                <a16:creationId xmlns:a16="http://schemas.microsoft.com/office/drawing/2014/main" id="{EAAD0D38-EBF2-4C03-A067-5D71B377516E}"/>
+              </a:ext>
+            </a:extLst>
+          </p:cNvPr>
+          <p:cNvCxnSpPr>
+            <a:cxnSpLocks/>
+            <a:stCxn id="8" idx="2"/>
+            <a:endCxn id="25" idx="0"/>
+          </p:cNvCxnSpPr>
+          <p:nvPr/>
+        </p:nvCxnSpPr>
+        <p:spPr>
+          <a:xfrm>
+            <a:off x="7904371" y="1546699"/>
+            <a:ext cx="0" cy="320257"/>
+          </a:xfrm>
+          <a:prstGeom prst="straightConnector1">
+            <a:avLst/>
+          </a:prstGeom>
+          <a:ln w="19050">
+            <a:solidFill>
+              <a:schemeClr val="bg1">
+                <a:lumMod val="50000"/>
+              </a:schemeClr>
+            </a:solidFill>
+          </a:ln>
+        </p:spPr>
+        <p:style>
+          <a:lnRef idx="1">
+            <a:schemeClr val="accent1"/>
+          </a:lnRef>
+          <a:fillRef idx="0">
+            <a:schemeClr val="accent1"/>
+          </a:fillRef>
+          <a:effectRef idx="0">
+            <a:schemeClr val="accent1"/>
+          </a:effectRef>
+          <a:fontRef idx="minor">
+            <a:schemeClr val="tx1"/>
+          </a:fontRef>
+        </p:style>
+      </p:cxnSp>
+      <p:sp>
+        <p:nvSpPr>
+          <p:cNvPr id="214" name="TextBox 213">
+            <a:extLst>
+              <a:ext uri="{FF2B5EF4-FFF2-40B4-BE49-F238E27FC236}">
+                <a16:creationId xmlns:a16="http://schemas.microsoft.com/office/drawing/2014/main" id="{BEF3393B-163C-488F-A6E2-39B2742DD3B0}"/>
+              </a:ext>
+            </a:extLst>
+          </p:cNvPr>
+          <p:cNvSpPr txBox="1"/>
+          <p:nvPr/>
+        </p:nvSpPr>
+        <p:spPr>
+          <a:xfrm>
+            <a:off x="1122901" y="1591288"/>
+            <a:ext cx="333718" cy="210312"/>
+          </a:xfrm>
+          <a:prstGeom prst="rect">
+            <a:avLst/>
+          </a:prstGeom>
+          <a:solidFill>
+            <a:schemeClr val="bg1"/>
+          </a:solidFill>
+          <a:ln w="22225">
+            <a:solidFill>
+              <a:schemeClr val="accent2"/>
+            </a:solidFill>
+          </a:ln>
+        </p:spPr>
+        <p:txBody>
+          <a:bodyPr wrap="square" lIns="0" rIns="0" rtlCol="0" anchor="ctr" anchorCtr="0">
+            <a:spAutoFit/>
+          </a:bodyPr>
+          <a:lstStyle/>
+          <a:p>
+            <a:pPr algn="ctr"/>
+            <a:r>
+              <a:rPr lang="en-US" sz="900" dirty="0">
+                <a:solidFill>
+                  <a:schemeClr val="bg1">
+                    <a:lumMod val="50000"/>
+                  </a:schemeClr>
+                </a:solidFill>
+              </a:rPr>
+              <a:t>0.72</a:t>
+            </a:r>
+            <a:endParaRPr lang="en-US" sz="1600" dirty="0">
+              <a:solidFill>
+                <a:schemeClr val="bg1">
+                  <a:lumMod val="50000"/>
+                </a:schemeClr>
+              </a:solidFill>
+            </a:endParaRPr>
+          </a:p>
+        </p:txBody>
+      </p:sp>
+      <p:sp>
+        <p:nvSpPr>
+          <p:cNvPr id="216" name="TextBox 215">
+            <a:extLst>
+              <a:ext uri="{FF2B5EF4-FFF2-40B4-BE49-F238E27FC236}">
+                <a16:creationId xmlns:a16="http://schemas.microsoft.com/office/drawing/2014/main" id="{F8FBAF0C-3032-433B-AE07-DE7E168C0634}"/>
+              </a:ext>
+            </a:extLst>
+          </p:cNvPr>
+          <p:cNvSpPr txBox="1"/>
+          <p:nvPr/>
+        </p:nvSpPr>
+        <p:spPr>
+          <a:xfrm>
+            <a:off x="3312401" y="1591288"/>
+            <a:ext cx="333718" cy="210312"/>
+          </a:xfrm>
+          <a:prstGeom prst="rect">
+            <a:avLst/>
+          </a:prstGeom>
+          <a:solidFill>
+            <a:schemeClr val="bg1"/>
+          </a:solidFill>
+          <a:ln w="22225">
+            <a:solidFill>
+              <a:schemeClr val="accent4"/>
+            </a:solidFill>
+          </a:ln>
+        </p:spPr>
+        <p:txBody>
+          <a:bodyPr wrap="square" lIns="0" rIns="0" rtlCol="0" anchor="ctr" anchorCtr="0">
+            <a:spAutoFit/>
+          </a:bodyPr>
+          <a:lstStyle/>
+          <a:p>
+            <a:pPr algn="ctr"/>
+            <a:r>
+              <a:rPr lang="en-US" sz="900" dirty="0">
+                <a:solidFill>
+                  <a:schemeClr val="bg1">
+                    <a:lumMod val="50000"/>
+                  </a:schemeClr>
+                </a:solidFill>
+              </a:rPr>
+              <a:t>0.72</a:t>
+            </a:r>
+            <a:endParaRPr lang="en-US" sz="1600" dirty="0">
+              <a:solidFill>
+                <a:schemeClr val="bg1">
+                  <a:lumMod val="50000"/>
+                </a:schemeClr>
+              </a:solidFill>
+            </a:endParaRPr>
+          </a:p>
+        </p:txBody>
+      </p:sp>
+      <p:sp>
+        <p:nvSpPr>
+          <p:cNvPr id="217" name="TextBox 216">
+            <a:extLst>
+              <a:ext uri="{FF2B5EF4-FFF2-40B4-BE49-F238E27FC236}">
+                <a16:creationId xmlns:a16="http://schemas.microsoft.com/office/drawing/2014/main" id="{4E509F6A-B9AB-422A-9007-CF95FDD433B7}"/>
+              </a:ext>
+            </a:extLst>
+          </p:cNvPr>
+          <p:cNvSpPr txBox="1"/>
+          <p:nvPr/>
+        </p:nvSpPr>
+        <p:spPr>
+          <a:xfrm>
+            <a:off x="5309911" y="1599935"/>
+            <a:ext cx="333718" cy="230832"/>
+          </a:xfrm>
+          <a:prstGeom prst="rect">
+            <a:avLst/>
+          </a:prstGeom>
+          <a:solidFill>
+            <a:schemeClr val="bg1"/>
+          </a:solidFill>
+          <a:ln w="22225">
+            <a:solidFill>
+              <a:schemeClr val="accent6"/>
+            </a:solidFill>
+          </a:ln>
+        </p:spPr>
+        <p:txBody>
+          <a:bodyPr wrap="square" lIns="0" rIns="0" rtlCol="0" anchor="ctr" anchorCtr="0">
+            <a:spAutoFit/>
+          </a:bodyPr>
+          <a:lstStyle/>
+          <a:p>
+            <a:pPr algn="ctr"/>
+            <a:r>
+              <a:rPr lang="en-US" sz="900" dirty="0">
+                <a:solidFill>
+                  <a:schemeClr val="bg1">
+                    <a:lumMod val="50000"/>
+                  </a:schemeClr>
+                </a:solidFill>
+              </a:rPr>
+              <a:t>0.72</a:t>
+            </a:r>
+            <a:endParaRPr lang="en-US" sz="1600" dirty="0">
+              <a:solidFill>
+                <a:schemeClr val="bg1">
+                  <a:lumMod val="50000"/>
+                </a:schemeClr>
+              </a:solidFill>
+            </a:endParaRPr>
+          </a:p>
+        </p:txBody>
+      </p:sp>
+      <p:sp>
+        <p:nvSpPr>
+          <p:cNvPr id="219" name="TextBox 218">
+            <a:extLst>
+              <a:ext uri="{FF2B5EF4-FFF2-40B4-BE49-F238E27FC236}">
+                <a16:creationId xmlns:a16="http://schemas.microsoft.com/office/drawing/2014/main" id="{79346C5A-FF52-4B91-964F-45BA821E32DB}"/>
+              </a:ext>
+            </a:extLst>
+          </p:cNvPr>
+          <p:cNvSpPr txBox="1"/>
+          <p:nvPr/>
+        </p:nvSpPr>
+        <p:spPr>
+          <a:xfrm>
+            <a:off x="7737631" y="1592195"/>
+            <a:ext cx="333718" cy="230832"/>
+          </a:xfrm>
+          <a:prstGeom prst="rect">
+            <a:avLst/>
+          </a:prstGeom>
+          <a:solidFill>
+            <a:schemeClr val="bg1"/>
+          </a:solidFill>
+          <a:ln w="22225">
+            <a:solidFill>
+              <a:schemeClr val="accent5"/>
+            </a:solidFill>
+          </a:ln>
+        </p:spPr>
+        <p:txBody>
+          <a:bodyPr wrap="square" lIns="0" rIns="0" rtlCol="0" anchor="ctr" anchorCtr="0">
+            <a:spAutoFit/>
+          </a:bodyPr>
+          <a:lstStyle/>
+          <a:p>
+            <a:pPr algn="ctr"/>
+            <a:r>
+              <a:rPr lang="en-US" sz="900" dirty="0">
+                <a:solidFill>
+                  <a:schemeClr val="bg1">
+                    <a:lumMod val="50000"/>
+                  </a:schemeClr>
+                </a:solidFill>
+              </a:rPr>
+              <a:t>0.35</a:t>
+            </a:r>
+            <a:endParaRPr lang="en-US" sz="1600" dirty="0">
+              <a:solidFill>
+                <a:schemeClr val="bg1">
+                  <a:lumMod val="50000"/>
+                </a:schemeClr>
+              </a:solidFill>
+            </a:endParaRPr>
+          </a:p>
+        </p:txBody>
+      </p:sp>
+      <p:sp>
+        <p:nvSpPr>
+          <p:cNvPr id="221" name="TextBox 220">
+            <a:extLst>
+              <a:ext uri="{FF2B5EF4-FFF2-40B4-BE49-F238E27FC236}">
+                <a16:creationId xmlns:a16="http://schemas.microsoft.com/office/drawing/2014/main" id="{897D9856-3C78-4EC3-9C14-393D12540045}"/>
+              </a:ext>
+            </a:extLst>
+          </p:cNvPr>
+          <p:cNvSpPr txBox="1"/>
+          <p:nvPr/>
+        </p:nvSpPr>
+        <p:spPr>
+          <a:xfrm>
+            <a:off x="4587058" y="2378556"/>
+            <a:ext cx="333718" cy="230832"/>
+          </a:xfrm>
+          <a:prstGeom prst="rect">
+            <a:avLst/>
+          </a:prstGeom>
+          <a:solidFill>
+            <a:schemeClr val="bg1"/>
+          </a:solidFill>
+          <a:ln w="22225">
+            <a:solidFill>
+              <a:schemeClr val="accent6"/>
+            </a:solidFill>
+          </a:ln>
+        </p:spPr>
+        <p:txBody>
+          <a:bodyPr wrap="square" lIns="0" rIns="0" rtlCol="0" anchor="ctr" anchorCtr="0">
+            <a:spAutoFit/>
+          </a:bodyPr>
+          <a:lstStyle/>
+          <a:p>
+            <a:pPr algn="ctr"/>
+            <a:r>
+              <a:rPr lang="en-US" sz="900" dirty="0">
+                <a:solidFill>
+                  <a:schemeClr val="bg1">
+                    <a:lumMod val="50000"/>
+                  </a:schemeClr>
+                </a:solidFill>
+              </a:rPr>
+              <a:t>0.50</a:t>
+            </a:r>
+          </a:p>
+        </p:txBody>
+      </p:sp>
+      <p:sp>
+        <p:nvSpPr>
+          <p:cNvPr id="222" name="TextBox 221">
+            <a:extLst>
+              <a:ext uri="{FF2B5EF4-FFF2-40B4-BE49-F238E27FC236}">
+                <a16:creationId xmlns:a16="http://schemas.microsoft.com/office/drawing/2014/main" id="{0973AE0A-2CA3-4050-A6DA-C5A88AA24C8A}"/>
+              </a:ext>
+            </a:extLst>
+          </p:cNvPr>
+          <p:cNvSpPr txBox="1"/>
+          <p:nvPr/>
+        </p:nvSpPr>
+        <p:spPr>
+          <a:xfrm>
+            <a:off x="6102219" y="2378556"/>
+            <a:ext cx="333718" cy="230832"/>
+          </a:xfrm>
+          <a:prstGeom prst="rect">
+            <a:avLst/>
+          </a:prstGeom>
+          <a:solidFill>
+            <a:schemeClr val="bg1"/>
+          </a:solidFill>
+          <a:ln w="22225">
+            <a:solidFill>
+              <a:schemeClr val="accent6"/>
+            </a:solidFill>
+          </a:ln>
+        </p:spPr>
+        <p:txBody>
+          <a:bodyPr wrap="square" lIns="0" rIns="0" rtlCol="0" anchor="ctr" anchorCtr="0">
+            <a:spAutoFit/>
+          </a:bodyPr>
+          <a:lstStyle/>
+          <a:p>
+            <a:pPr algn="ctr"/>
+            <a:r>
+              <a:rPr lang="en-US" sz="900" dirty="0">
+                <a:solidFill>
+                  <a:schemeClr val="bg1">
+                    <a:lumMod val="50000"/>
+                  </a:schemeClr>
+                </a:solidFill>
+              </a:rPr>
+              <a:t>0.50</a:t>
+            </a:r>
+          </a:p>
+        </p:txBody>
+      </p:sp>
+      <p:sp>
+        <p:nvSpPr>
+          <p:cNvPr id="223" name="TextBox 222">
+            <a:extLst>
+              <a:ext uri="{FF2B5EF4-FFF2-40B4-BE49-F238E27FC236}">
+                <a16:creationId xmlns:a16="http://schemas.microsoft.com/office/drawing/2014/main" id="{676E9957-176F-494D-9C2D-A4CC3D31DCD2}"/>
+              </a:ext>
+            </a:extLst>
+          </p:cNvPr>
+          <p:cNvSpPr txBox="1"/>
+          <p:nvPr/>
+        </p:nvSpPr>
+        <p:spPr>
+          <a:xfrm>
+            <a:off x="1939754" y="2390729"/>
+            <a:ext cx="333718" cy="210312"/>
+          </a:xfrm>
+          <a:prstGeom prst="rect">
+            <a:avLst/>
+          </a:prstGeom>
+          <a:solidFill>
+            <a:schemeClr val="bg1"/>
+          </a:solidFill>
+          <a:ln w="22225">
+            <a:solidFill>
+              <a:schemeClr val="accent2"/>
+            </a:solidFill>
+          </a:ln>
+        </p:spPr>
+        <p:txBody>
+          <a:bodyPr wrap="square" lIns="0" rIns="0" rtlCol="0" anchor="ctr" anchorCtr="0">
+            <a:spAutoFit/>
+          </a:bodyPr>
+          <a:lstStyle/>
+          <a:p>
+            <a:pPr algn="ctr"/>
+            <a:r>
+              <a:rPr lang="en-US" sz="900" dirty="0">
+                <a:solidFill>
+                  <a:schemeClr val="bg1">
+                    <a:lumMod val="50000"/>
+                  </a:schemeClr>
+                </a:solidFill>
+              </a:rPr>
+              <a:t>0.35</a:t>
+            </a:r>
+          </a:p>
+        </p:txBody>
+      </p:sp>
+      <p:sp>
+        <p:nvSpPr>
+          <p:cNvPr id="230" name="TextBox 229">
+            <a:extLst>
+              <a:ext uri="{FF2B5EF4-FFF2-40B4-BE49-F238E27FC236}">
+                <a16:creationId xmlns:a16="http://schemas.microsoft.com/office/drawing/2014/main" id="{32C173C1-5323-4AD5-A56B-C6B0266DD8E9}"/>
+              </a:ext>
+            </a:extLst>
+          </p:cNvPr>
+          <p:cNvSpPr txBox="1"/>
+          <p:nvPr/>
+        </p:nvSpPr>
+        <p:spPr>
+          <a:xfrm>
+            <a:off x="1129976" y="2393102"/>
+            <a:ext cx="333718" cy="210312"/>
+          </a:xfrm>
+          <a:prstGeom prst="rect">
+            <a:avLst/>
+          </a:prstGeom>
+          <a:solidFill>
+            <a:schemeClr val="bg1"/>
+          </a:solidFill>
+          <a:ln w="22225">
+            <a:solidFill>
+              <a:schemeClr val="accent2"/>
+            </a:solidFill>
+          </a:ln>
+        </p:spPr>
+        <p:txBody>
+          <a:bodyPr wrap="square" lIns="0" rIns="0" rtlCol="0" anchor="ctr" anchorCtr="0">
+            <a:spAutoFit/>
+          </a:bodyPr>
+          <a:lstStyle/>
+          <a:p>
+            <a:pPr algn="ctr"/>
+            <a:r>
+              <a:rPr lang="en-US" sz="900" dirty="0">
+                <a:solidFill>
+                  <a:schemeClr val="bg1">
+                    <a:lumMod val="50000"/>
+                  </a:schemeClr>
+                </a:solidFill>
+              </a:rPr>
+              <a:t>0.35</a:t>
+            </a:r>
+          </a:p>
+        </p:txBody>
+      </p:sp>
+      <p:sp>
+        <p:nvSpPr>
+          <p:cNvPr id="237" name="TextBox 236">
+            <a:extLst>
+              <a:ext uri="{FF2B5EF4-FFF2-40B4-BE49-F238E27FC236}">
+                <a16:creationId xmlns:a16="http://schemas.microsoft.com/office/drawing/2014/main" id="{2C8E2199-7874-48F3-AABB-C25D7CF6E5A5}"/>
+              </a:ext>
+            </a:extLst>
+          </p:cNvPr>
+          <p:cNvSpPr txBox="1"/>
+          <p:nvPr/>
+        </p:nvSpPr>
+        <p:spPr>
+          <a:xfrm>
+            <a:off x="336792" y="2387980"/>
+            <a:ext cx="333718" cy="210312"/>
+          </a:xfrm>
+          <a:prstGeom prst="rect">
+            <a:avLst/>
+          </a:prstGeom>
+          <a:solidFill>
+            <a:schemeClr val="bg1"/>
+          </a:solidFill>
+          <a:ln w="22225">
+            <a:solidFill>
+              <a:schemeClr val="accent2"/>
+            </a:solidFill>
+          </a:ln>
+        </p:spPr>
+        <p:txBody>
+          <a:bodyPr wrap="square" lIns="0" rIns="0" rtlCol="0" anchor="ctr" anchorCtr="0">
+            <a:spAutoFit/>
+          </a:bodyPr>
+          <a:lstStyle/>
+          <a:p>
+            <a:pPr algn="ctr"/>
+            <a:r>
+              <a:rPr lang="en-US" sz="900" dirty="0">
+                <a:solidFill>
+                  <a:schemeClr val="bg1">
+                    <a:lumMod val="50000"/>
+                  </a:schemeClr>
+                </a:solidFill>
+              </a:rPr>
+              <a:t>0.35</a:t>
+            </a:r>
+          </a:p>
+        </p:txBody>
+      </p:sp>
+    </p:spTree>
+    <p:extLst>
+      <p:ext uri="{BB962C8B-B14F-4D97-AF65-F5344CB8AC3E}">
+        <p14:creationId xmlns:p14="http://schemas.microsoft.com/office/powerpoint/2010/main" val="23542742"/>
       </p:ext>
     </p:extLst>
   </p:cSld>

--- a/foswiki_imgs/TM1.5_diagrams.pptx
+++ b/foswiki_imgs/TM1.5_diagrams.pptx
@@ -254,7 +254,7 @@
           <a:p>
             <a:fld id="{F5210114-F5D5-4AEC-A1FB-088CCF4D7A31}" type="datetimeFigureOut">
               <a:rPr lang="en-US" smtClean="0"/>
-              <a:t>3/29/2019</a:t>
+              <a:t>4/2/2019</a:t>
             </a:fld>
             <a:endParaRPr lang="en-US"/>
           </a:p>
@@ -424,7 +424,7 @@
           <a:p>
             <a:fld id="{F5210114-F5D5-4AEC-A1FB-088CCF4D7A31}" type="datetimeFigureOut">
               <a:rPr lang="en-US" smtClean="0"/>
-              <a:t>3/29/2019</a:t>
+              <a:t>4/2/2019</a:t>
             </a:fld>
             <a:endParaRPr lang="en-US"/>
           </a:p>
@@ -604,7 +604,7 @@
           <a:p>
             <a:fld id="{F5210114-F5D5-4AEC-A1FB-088CCF4D7A31}" type="datetimeFigureOut">
               <a:rPr lang="en-US" smtClean="0"/>
-              <a:t>3/29/2019</a:t>
+              <a:t>4/2/2019</a:t>
             </a:fld>
             <a:endParaRPr lang="en-US"/>
           </a:p>
@@ -774,7 +774,7 @@
           <a:p>
             <a:fld id="{F5210114-F5D5-4AEC-A1FB-088CCF4D7A31}" type="datetimeFigureOut">
               <a:rPr lang="en-US" smtClean="0"/>
-              <a:t>3/29/2019</a:t>
+              <a:t>4/2/2019</a:t>
             </a:fld>
             <a:endParaRPr lang="en-US"/>
           </a:p>
@@ -1018,7 +1018,7 @@
           <a:p>
             <a:fld id="{F5210114-F5D5-4AEC-A1FB-088CCF4D7A31}" type="datetimeFigureOut">
               <a:rPr lang="en-US" smtClean="0"/>
-              <a:t>3/29/2019</a:t>
+              <a:t>4/2/2019</a:t>
             </a:fld>
             <a:endParaRPr lang="en-US"/>
           </a:p>
@@ -1250,7 +1250,7 @@
           <a:p>
             <a:fld id="{F5210114-F5D5-4AEC-A1FB-088CCF4D7A31}" type="datetimeFigureOut">
               <a:rPr lang="en-US" smtClean="0"/>
-              <a:t>3/29/2019</a:t>
+              <a:t>4/2/2019</a:t>
             </a:fld>
             <a:endParaRPr lang="en-US"/>
           </a:p>
@@ -1617,7 +1617,7 @@
           <a:p>
             <a:fld id="{F5210114-F5D5-4AEC-A1FB-088CCF4D7A31}" type="datetimeFigureOut">
               <a:rPr lang="en-US" smtClean="0"/>
-              <a:t>3/29/2019</a:t>
+              <a:t>4/2/2019</a:t>
             </a:fld>
             <a:endParaRPr lang="en-US"/>
           </a:p>
@@ -1735,7 +1735,7 @@
           <a:p>
             <a:fld id="{F5210114-F5D5-4AEC-A1FB-088CCF4D7A31}" type="datetimeFigureOut">
               <a:rPr lang="en-US" smtClean="0"/>
-              <a:t>3/29/2019</a:t>
+              <a:t>4/2/2019</a:t>
             </a:fld>
             <a:endParaRPr lang="en-US"/>
           </a:p>
@@ -1830,7 +1830,7 @@
           <a:p>
             <a:fld id="{F5210114-F5D5-4AEC-A1FB-088CCF4D7A31}" type="datetimeFigureOut">
               <a:rPr lang="en-US" smtClean="0"/>
-              <a:t>3/29/2019</a:t>
+              <a:t>4/2/2019</a:t>
             </a:fld>
             <a:endParaRPr lang="en-US"/>
           </a:p>
@@ -2107,7 +2107,7 @@
           <a:p>
             <a:fld id="{F5210114-F5D5-4AEC-A1FB-088CCF4D7A31}" type="datetimeFigureOut">
               <a:rPr lang="en-US" smtClean="0"/>
-              <a:t>3/29/2019</a:t>
+              <a:t>4/2/2019</a:t>
             </a:fld>
             <a:endParaRPr lang="en-US"/>
           </a:p>
@@ -2364,7 +2364,7 @@
           <a:p>
             <a:fld id="{F5210114-F5D5-4AEC-A1FB-088CCF4D7A31}" type="datetimeFigureOut">
               <a:rPr lang="en-US" smtClean="0"/>
-              <a:t>3/29/2019</a:t>
+              <a:t>4/2/2019</a:t>
             </a:fld>
             <a:endParaRPr lang="en-US"/>
           </a:p>
@@ -2577,7 +2577,7 @@
           <a:p>
             <a:fld id="{F5210114-F5D5-4AEC-A1FB-088CCF4D7A31}" type="datetimeFigureOut">
               <a:rPr lang="en-US" smtClean="0"/>
-              <a:t>3/29/2019</a:t>
+              <a:t>4/2/2019</a:t>
             </a:fld>
             <a:endParaRPr lang="en-US"/>
           </a:p>
@@ -8314,7 +8314,7 @@
                   </a:schemeClr>
                 </a:solidFill>
               </a:rPr>
-              <a:t>0.35</a:t>
+              <a:t>0.36</a:t>
             </a:r>
             <a:endParaRPr lang="en-US" sz="1600" dirty="0">
               <a:solidFill>
